--- a/Slide/GraduationThesisSlide.pptx
+++ b/Slide/GraduationThesisSlide.pptx
@@ -6,13 +6,19 @@
   </p:sldMasterIdLst>
   <p:sldIdLst>
     <p:sldId id="256" r:id="rId2"/>
-    <p:sldId id="257" r:id="rId3"/>
-    <p:sldId id="258" r:id="rId4"/>
-    <p:sldId id="259" r:id="rId5"/>
-    <p:sldId id="260" r:id="rId6"/>
-    <p:sldId id="261" r:id="rId7"/>
-    <p:sldId id="262" r:id="rId8"/>
-    <p:sldId id="263" r:id="rId9"/>
+    <p:sldId id="266" r:id="rId3"/>
+    <p:sldId id="264" r:id="rId4"/>
+    <p:sldId id="265" r:id="rId5"/>
+    <p:sldId id="273" r:id="rId6"/>
+    <p:sldId id="267" r:id="rId7"/>
+    <p:sldId id="260" r:id="rId8"/>
+    <p:sldId id="268" r:id="rId9"/>
+    <p:sldId id="272" r:id="rId10"/>
+    <p:sldId id="269" r:id="rId11"/>
+    <p:sldId id="258" r:id="rId12"/>
+    <p:sldId id="261" r:id="rId13"/>
+    <p:sldId id="262" r:id="rId14"/>
+    <p:sldId id="263" r:id="rId15"/>
   </p:sldIdLst>
   <p:sldSz cx="12192000" cy="6858000"/>
   <p:notesSz cx="6858000" cy="9144000"/>
@@ -111,6 +117,11 @@
       </a:defRPr>
     </a:lvl9pPr>
   </p:defaultTextStyle>
+  <p:extLst>
+    <p:ext uri="{EFAFB233-063F-42B5-8137-9DF3F51BA10A}">
+      <p15:sldGuideLst xmlns:p15="http://schemas.microsoft.com/office/powerpoint/2012/main"/>
+    </p:ext>
+  </p:extLst>
 </p:presentation>
 </file>
 
@@ -245,7 +256,7 @@
           <a:p>
             <a:fld id="{8D561737-294A-4A38-B0FE-47317E2019BC}" type="datetimeFigureOut">
               <a:rPr lang="en-US" smtClean="0"/>
-              <a:t>05/08/2018</a:t>
+              <a:t>05/11/2018</a:t>
             </a:fld>
             <a:endParaRPr lang="en-US"/>
           </a:p>
@@ -415,7 +426,7 @@
           <a:p>
             <a:fld id="{8D561737-294A-4A38-B0FE-47317E2019BC}" type="datetimeFigureOut">
               <a:rPr lang="en-US" smtClean="0"/>
-              <a:t>05/08/2018</a:t>
+              <a:t>05/11/2018</a:t>
             </a:fld>
             <a:endParaRPr lang="en-US"/>
           </a:p>
@@ -595,7 +606,7 @@
           <a:p>
             <a:fld id="{8D561737-294A-4A38-B0FE-47317E2019BC}" type="datetimeFigureOut">
               <a:rPr lang="en-US" smtClean="0"/>
-              <a:t>05/08/2018</a:t>
+              <a:t>05/11/2018</a:t>
             </a:fld>
             <a:endParaRPr lang="en-US"/>
           </a:p>
@@ -765,7 +776,7 @@
           <a:p>
             <a:fld id="{8D561737-294A-4A38-B0FE-47317E2019BC}" type="datetimeFigureOut">
               <a:rPr lang="en-US" smtClean="0"/>
-              <a:t>05/08/2018</a:t>
+              <a:t>05/11/2018</a:t>
             </a:fld>
             <a:endParaRPr lang="en-US"/>
           </a:p>
@@ -1011,7 +1022,7 @@
           <a:p>
             <a:fld id="{8D561737-294A-4A38-B0FE-47317E2019BC}" type="datetimeFigureOut">
               <a:rPr lang="en-US" smtClean="0"/>
-              <a:t>05/08/2018</a:t>
+              <a:t>05/11/2018</a:t>
             </a:fld>
             <a:endParaRPr lang="en-US"/>
           </a:p>
@@ -1243,7 +1254,7 @@
           <a:p>
             <a:fld id="{8D561737-294A-4A38-B0FE-47317E2019BC}" type="datetimeFigureOut">
               <a:rPr lang="en-US" smtClean="0"/>
-              <a:t>05/08/2018</a:t>
+              <a:t>05/11/2018</a:t>
             </a:fld>
             <a:endParaRPr lang="en-US"/>
           </a:p>
@@ -1610,7 +1621,7 @@
           <a:p>
             <a:fld id="{8D561737-294A-4A38-B0FE-47317E2019BC}" type="datetimeFigureOut">
               <a:rPr lang="en-US" smtClean="0"/>
-              <a:t>05/08/2018</a:t>
+              <a:t>05/11/2018</a:t>
             </a:fld>
             <a:endParaRPr lang="en-US"/>
           </a:p>
@@ -1728,7 +1739,7 @@
           <a:p>
             <a:fld id="{8D561737-294A-4A38-B0FE-47317E2019BC}" type="datetimeFigureOut">
               <a:rPr lang="en-US" smtClean="0"/>
-              <a:t>05/08/2018</a:t>
+              <a:t>05/11/2018</a:t>
             </a:fld>
             <a:endParaRPr lang="en-US"/>
           </a:p>
@@ -1823,7 +1834,7 @@
           <a:p>
             <a:fld id="{8D561737-294A-4A38-B0FE-47317E2019BC}" type="datetimeFigureOut">
               <a:rPr lang="en-US" smtClean="0"/>
-              <a:t>05/08/2018</a:t>
+              <a:t>05/11/2018</a:t>
             </a:fld>
             <a:endParaRPr lang="en-US"/>
           </a:p>
@@ -2100,7 +2111,7 @@
           <a:p>
             <a:fld id="{8D561737-294A-4A38-B0FE-47317E2019BC}" type="datetimeFigureOut">
               <a:rPr lang="en-US" smtClean="0"/>
-              <a:t>05/08/2018</a:t>
+              <a:t>05/11/2018</a:t>
             </a:fld>
             <a:endParaRPr lang="en-US"/>
           </a:p>
@@ -2353,7 +2364,7 @@
           <a:p>
             <a:fld id="{8D561737-294A-4A38-B0FE-47317E2019BC}" type="datetimeFigureOut">
               <a:rPr lang="en-US" smtClean="0"/>
-              <a:t>05/08/2018</a:t>
+              <a:t>05/11/2018</a:t>
             </a:fld>
             <a:endParaRPr lang="en-US"/>
           </a:p>
@@ -2566,7 +2577,7 @@
           <a:p>
             <a:fld id="{8D561737-294A-4A38-B0FE-47317E2019BC}" type="datetimeFigureOut">
               <a:rPr lang="en-US" smtClean="0"/>
-              <a:t>05/08/2018</a:t>
+              <a:t>05/11/2018</a:t>
             </a:fld>
             <a:endParaRPr lang="en-US"/>
           </a:p>
@@ -3289,6 +3300,897 @@
 </p:sld>
 </file>
 
+<file path=ppt/slides/slide10.xml><?xml version="1.0" encoding="utf-8"?>
+<p:sld xmlns:a="http://schemas.openxmlformats.org/drawingml/2006/main" xmlns:r="http://schemas.openxmlformats.org/officeDocument/2006/relationships" xmlns:p="http://schemas.openxmlformats.org/presentationml/2006/main">
+  <p:cSld>
+    <p:spTree>
+      <p:nvGrpSpPr>
+        <p:cNvPr id="1" name=""/>
+        <p:cNvGrpSpPr/>
+        <p:nvPr/>
+      </p:nvGrpSpPr>
+      <p:grpSpPr>
+        <a:xfrm>
+          <a:off x="0" y="0"/>
+          <a:ext cx="0" cy="0"/>
+          <a:chOff x="0" y="0"/>
+          <a:chExt cx="0" cy="0"/>
+        </a:xfrm>
+      </p:grpSpPr>
+      <p:sp>
+        <p:nvSpPr>
+          <p:cNvPr id="2" name="Title 1"/>
+          <p:cNvSpPr>
+            <a:spLocks noGrp="1"/>
+          </p:cNvSpPr>
+          <p:nvPr>
+            <p:ph type="title"/>
+          </p:nvPr>
+        </p:nvSpPr>
+        <p:spPr/>
+        <p:txBody>
+          <a:bodyPr/>
+          <a:lstStyle/>
+          <a:p>
+            <a:r>
+              <a:rPr lang="en-US" dirty="0">
+                <a:solidFill>
+                  <a:srgbClr val="FF0000"/>
+                </a:solidFill>
+                <a:latin typeface="Arial" panose="020B0604020202020204" pitchFamily="34" charset="0"/>
+                <a:cs typeface="Arial" panose="020B0604020202020204" pitchFamily="34" charset="0"/>
+              </a:rPr>
+              <a:t>Vi </a:t>
+            </a:r>
+            <a:r>
+              <a:rPr lang="en-US" dirty="0" err="1">
+                <a:solidFill>
+                  <a:srgbClr val="FF0000"/>
+                </a:solidFill>
+                <a:latin typeface="Arial" panose="020B0604020202020204" pitchFamily="34" charset="0"/>
+                <a:cs typeface="Arial" panose="020B0604020202020204" pitchFamily="34" charset="0"/>
+              </a:rPr>
+              <a:t>điều</a:t>
+            </a:r>
+            <a:r>
+              <a:rPr lang="en-US" dirty="0">
+                <a:solidFill>
+                  <a:srgbClr val="FF0000"/>
+                </a:solidFill>
+                <a:latin typeface="Arial" panose="020B0604020202020204" pitchFamily="34" charset="0"/>
+                <a:cs typeface="Arial" panose="020B0604020202020204" pitchFamily="34" charset="0"/>
+              </a:rPr>
+              <a:t> </a:t>
+            </a:r>
+            <a:r>
+              <a:rPr lang="en-US" dirty="0" err="1">
+                <a:solidFill>
+                  <a:srgbClr val="FF0000"/>
+                </a:solidFill>
+                <a:latin typeface="Arial" panose="020B0604020202020204" pitchFamily="34" charset="0"/>
+                <a:cs typeface="Arial" panose="020B0604020202020204" pitchFamily="34" charset="0"/>
+              </a:rPr>
+              <a:t>khiển</a:t>
+            </a:r>
+            <a:r>
+              <a:rPr lang="en-US" dirty="0">
+                <a:solidFill>
+                  <a:srgbClr val="FF0000"/>
+                </a:solidFill>
+                <a:latin typeface="Arial" panose="020B0604020202020204" pitchFamily="34" charset="0"/>
+                <a:cs typeface="Arial" panose="020B0604020202020204" pitchFamily="34" charset="0"/>
+              </a:rPr>
+              <a:t> 32 bit</a:t>
+            </a:r>
+            <a:endParaRPr lang="en-US" dirty="0"/>
+          </a:p>
+        </p:txBody>
+      </p:sp>
+      <p:pic>
+        <p:nvPicPr>
+          <p:cNvPr id="8194" name="Picture 2" descr="Architecture Shocking Ideas 8 Bit Microcontroller Architecture ARM Forecast To Become The Leading 32 Source Material For This News Release Is Taken From Semicast Report 64 Microcontrollers Embedded WellSuited Design 8 Bit Microcontroller Architecture"/>
+          <p:cNvPicPr>
+            <a:picLocks noChangeAspect="1" noChangeArrowheads="1"/>
+          </p:cNvPicPr>
+          <p:nvPr/>
+        </p:nvPicPr>
+        <p:blipFill>
+          <a:blip r:embed="rId2">
+            <a:extLst>
+              <a:ext uri="{28A0092B-C50C-407E-A947-70E740481C1C}">
+                <a14:useLocalDpi xmlns:a14="http://schemas.microsoft.com/office/drawing/2010/main" val="0"/>
+              </a:ext>
+            </a:extLst>
+          </a:blip>
+          <a:srcRect/>
+          <a:stretch>
+            <a:fillRect/>
+          </a:stretch>
+        </p:blipFill>
+        <p:spPr bwMode="auto">
+          <a:xfrm>
+            <a:off x="2494429" y="1690688"/>
+            <a:ext cx="7203141" cy="4759674"/>
+          </a:xfrm>
+          <a:prstGeom prst="rect">
+            <a:avLst/>
+          </a:prstGeom>
+          <a:noFill/>
+          <a:extLst>
+            <a:ext uri="{909E8E84-426E-40DD-AFC4-6F175D3DCCD1}">
+              <a14:hiddenFill xmlns:a14="http://schemas.microsoft.com/office/drawing/2010/main">
+                <a:solidFill>
+                  <a:srgbClr val="FFFFFF"/>
+                </a:solidFill>
+              </a14:hiddenFill>
+            </a:ext>
+          </a:extLst>
+        </p:spPr>
+      </p:pic>
+    </p:spTree>
+    <p:extLst>
+      <p:ext uri="{BB962C8B-B14F-4D97-AF65-F5344CB8AC3E}">
+        <p14:creationId xmlns:p14="http://schemas.microsoft.com/office/powerpoint/2010/main" val="18671145"/>
+      </p:ext>
+    </p:extLst>
+  </p:cSld>
+  <p:clrMapOvr>
+    <a:masterClrMapping/>
+  </p:clrMapOvr>
+  <p:timing>
+    <p:tnLst>
+      <p:par>
+        <p:cTn id="1" dur="indefinite" restart="never" nodeType="tmRoot"/>
+      </p:par>
+    </p:tnLst>
+  </p:timing>
+</p:sld>
+</file>
+
+<file path=ppt/slides/slide11.xml><?xml version="1.0" encoding="utf-8"?>
+<p:sld xmlns:a="http://schemas.openxmlformats.org/drawingml/2006/main" xmlns:r="http://schemas.openxmlformats.org/officeDocument/2006/relationships" xmlns:p="http://schemas.openxmlformats.org/presentationml/2006/main">
+  <p:cSld>
+    <p:spTree>
+      <p:nvGrpSpPr>
+        <p:cNvPr id="1" name=""/>
+        <p:cNvGrpSpPr/>
+        <p:nvPr/>
+      </p:nvGrpSpPr>
+      <p:grpSpPr>
+        <a:xfrm>
+          <a:off x="0" y="0"/>
+          <a:ext cx="0" cy="0"/>
+          <a:chOff x="0" y="0"/>
+          <a:chExt cx="0" cy="0"/>
+        </a:xfrm>
+      </p:grpSpPr>
+      <p:sp>
+        <p:nvSpPr>
+          <p:cNvPr id="2" name="Title 1"/>
+          <p:cNvSpPr>
+            <a:spLocks noGrp="1"/>
+          </p:cNvSpPr>
+          <p:nvPr>
+            <p:ph type="title"/>
+          </p:nvPr>
+        </p:nvSpPr>
+        <p:spPr/>
+        <p:txBody>
+          <a:bodyPr/>
+          <a:lstStyle/>
+          <a:p>
+            <a:r>
+              <a:rPr lang="en-US" dirty="0" err="1" smtClean="0">
+                <a:solidFill>
+                  <a:srgbClr val="FF0000"/>
+                </a:solidFill>
+                <a:latin typeface="Arial" panose="020B0604020202020204" pitchFamily="34" charset="0"/>
+                <a:cs typeface="Arial" panose="020B0604020202020204" pitchFamily="34" charset="0"/>
+              </a:rPr>
+              <a:t>Xe</a:t>
+            </a:r>
+            <a:r>
+              <a:rPr lang="en-US" dirty="0" smtClean="0">
+                <a:solidFill>
+                  <a:srgbClr val="FF0000"/>
+                </a:solidFill>
+                <a:latin typeface="Arial" panose="020B0604020202020204" pitchFamily="34" charset="0"/>
+                <a:cs typeface="Arial" panose="020B0604020202020204" pitchFamily="34" charset="0"/>
+              </a:rPr>
+              <a:t> </a:t>
+            </a:r>
+            <a:r>
+              <a:rPr lang="en-US" dirty="0" err="1" smtClean="0">
+                <a:solidFill>
+                  <a:srgbClr val="FF0000"/>
+                </a:solidFill>
+                <a:latin typeface="Arial" panose="020B0604020202020204" pitchFamily="34" charset="0"/>
+                <a:cs typeface="Arial" panose="020B0604020202020204" pitchFamily="34" charset="0"/>
+              </a:rPr>
+              <a:t>hai</a:t>
+            </a:r>
+            <a:r>
+              <a:rPr lang="en-US" dirty="0" smtClean="0">
+                <a:solidFill>
+                  <a:srgbClr val="FF0000"/>
+                </a:solidFill>
+                <a:latin typeface="Arial" panose="020B0604020202020204" pitchFamily="34" charset="0"/>
+                <a:cs typeface="Arial" panose="020B0604020202020204" pitchFamily="34" charset="0"/>
+              </a:rPr>
+              <a:t> </a:t>
+            </a:r>
+            <a:r>
+              <a:rPr lang="en-US" dirty="0" err="1" smtClean="0">
+                <a:solidFill>
+                  <a:srgbClr val="FF0000"/>
+                </a:solidFill>
+                <a:latin typeface="Arial" panose="020B0604020202020204" pitchFamily="34" charset="0"/>
+                <a:cs typeface="Arial" panose="020B0604020202020204" pitchFamily="34" charset="0"/>
+              </a:rPr>
+              <a:t>bánh</a:t>
+            </a:r>
+            <a:r>
+              <a:rPr lang="en-US" dirty="0" smtClean="0">
+                <a:solidFill>
+                  <a:srgbClr val="FF0000"/>
+                </a:solidFill>
+                <a:latin typeface="Arial" panose="020B0604020202020204" pitchFamily="34" charset="0"/>
+                <a:cs typeface="Arial" panose="020B0604020202020204" pitchFamily="34" charset="0"/>
+              </a:rPr>
+              <a:t> </a:t>
+            </a:r>
+            <a:r>
+              <a:rPr lang="en-US" dirty="0" err="1" smtClean="0">
+                <a:solidFill>
+                  <a:srgbClr val="FF0000"/>
+                </a:solidFill>
+                <a:latin typeface="Arial" panose="020B0604020202020204" pitchFamily="34" charset="0"/>
+                <a:cs typeface="Arial" panose="020B0604020202020204" pitchFamily="34" charset="0"/>
+              </a:rPr>
+              <a:t>tự</a:t>
+            </a:r>
+            <a:r>
+              <a:rPr lang="en-US" dirty="0" smtClean="0">
+                <a:solidFill>
+                  <a:srgbClr val="FF0000"/>
+                </a:solidFill>
+                <a:latin typeface="Arial" panose="020B0604020202020204" pitchFamily="34" charset="0"/>
+                <a:cs typeface="Arial" panose="020B0604020202020204" pitchFamily="34" charset="0"/>
+              </a:rPr>
+              <a:t> </a:t>
+            </a:r>
+            <a:r>
+              <a:rPr lang="en-US" dirty="0" err="1" smtClean="0">
+                <a:solidFill>
+                  <a:srgbClr val="FF0000"/>
+                </a:solidFill>
+                <a:latin typeface="Arial" panose="020B0604020202020204" pitchFamily="34" charset="0"/>
+                <a:cs typeface="Arial" panose="020B0604020202020204" pitchFamily="34" charset="0"/>
+              </a:rPr>
+              <a:t>cân</a:t>
+            </a:r>
+            <a:r>
+              <a:rPr lang="en-US" dirty="0" smtClean="0">
+                <a:solidFill>
+                  <a:srgbClr val="FF0000"/>
+                </a:solidFill>
+                <a:latin typeface="Arial" panose="020B0604020202020204" pitchFamily="34" charset="0"/>
+                <a:cs typeface="Arial" panose="020B0604020202020204" pitchFamily="34" charset="0"/>
+              </a:rPr>
+              <a:t> </a:t>
+            </a:r>
+            <a:r>
+              <a:rPr lang="en-US" dirty="0" err="1" smtClean="0">
+                <a:solidFill>
+                  <a:srgbClr val="FF0000"/>
+                </a:solidFill>
+                <a:latin typeface="Arial" panose="020B0604020202020204" pitchFamily="34" charset="0"/>
+                <a:cs typeface="Arial" panose="020B0604020202020204" pitchFamily="34" charset="0"/>
+              </a:rPr>
+              <a:t>bằng</a:t>
+            </a:r>
+            <a:endParaRPr lang="en-US" dirty="0">
+              <a:solidFill>
+                <a:srgbClr val="FF0000"/>
+              </a:solidFill>
+              <a:latin typeface="Arial" panose="020B0604020202020204" pitchFamily="34" charset="0"/>
+              <a:cs typeface="Arial" panose="020B0604020202020204" pitchFamily="34" charset="0"/>
+            </a:endParaRPr>
+          </a:p>
+        </p:txBody>
+      </p:sp>
+    </p:spTree>
+    <p:extLst>
+      <p:ext uri="{BB962C8B-B14F-4D97-AF65-F5344CB8AC3E}">
+        <p14:creationId xmlns:p14="http://schemas.microsoft.com/office/powerpoint/2010/main" val="2597777814"/>
+      </p:ext>
+    </p:extLst>
+  </p:cSld>
+  <p:clrMapOvr>
+    <a:masterClrMapping/>
+  </p:clrMapOvr>
+  <p:timing>
+    <p:tnLst>
+      <p:par>
+        <p:cTn id="1" dur="indefinite" restart="never" nodeType="tmRoot"/>
+      </p:par>
+    </p:tnLst>
+  </p:timing>
+</p:sld>
+</file>
+
+<file path=ppt/slides/slide12.xml><?xml version="1.0" encoding="utf-8"?>
+<p:sld xmlns:a="http://schemas.openxmlformats.org/drawingml/2006/main" xmlns:r="http://schemas.openxmlformats.org/officeDocument/2006/relationships" xmlns:p="http://schemas.openxmlformats.org/presentationml/2006/main">
+  <p:cSld>
+    <p:spTree>
+      <p:nvGrpSpPr>
+        <p:cNvPr id="1" name=""/>
+        <p:cNvGrpSpPr/>
+        <p:nvPr/>
+      </p:nvGrpSpPr>
+      <p:grpSpPr>
+        <a:xfrm>
+          <a:off x="0" y="0"/>
+          <a:ext cx="0" cy="0"/>
+          <a:chOff x="0" y="0"/>
+          <a:chExt cx="0" cy="0"/>
+        </a:xfrm>
+      </p:grpSpPr>
+      <p:sp>
+        <p:nvSpPr>
+          <p:cNvPr id="2" name="Title 1"/>
+          <p:cNvSpPr>
+            <a:spLocks noGrp="1"/>
+          </p:cNvSpPr>
+          <p:nvPr>
+            <p:ph type="title"/>
+          </p:nvPr>
+        </p:nvSpPr>
+        <p:spPr/>
+        <p:txBody>
+          <a:bodyPr/>
+          <a:lstStyle/>
+          <a:p>
+            <a:r>
+              <a:rPr lang="en-US" dirty="0" err="1" smtClean="0">
+                <a:solidFill>
+                  <a:srgbClr val="FF0000"/>
+                </a:solidFill>
+                <a:latin typeface="Arial" panose="020B0604020202020204" pitchFamily="34" charset="0"/>
+                <a:cs typeface="Arial" panose="020B0604020202020204" pitchFamily="34" charset="0"/>
+              </a:rPr>
+              <a:t>Thiết</a:t>
+            </a:r>
+            <a:r>
+              <a:rPr lang="en-US" dirty="0" smtClean="0">
+                <a:solidFill>
+                  <a:srgbClr val="FF0000"/>
+                </a:solidFill>
+                <a:latin typeface="Arial" panose="020B0604020202020204" pitchFamily="34" charset="0"/>
+                <a:cs typeface="Arial" panose="020B0604020202020204" pitchFamily="34" charset="0"/>
+              </a:rPr>
+              <a:t> </a:t>
+            </a:r>
+            <a:r>
+              <a:rPr lang="en-US" dirty="0" err="1" smtClean="0">
+                <a:solidFill>
+                  <a:srgbClr val="FF0000"/>
+                </a:solidFill>
+                <a:latin typeface="Arial" panose="020B0604020202020204" pitchFamily="34" charset="0"/>
+                <a:cs typeface="Arial" panose="020B0604020202020204" pitchFamily="34" charset="0"/>
+              </a:rPr>
+              <a:t>kế</a:t>
+            </a:r>
+            <a:r>
+              <a:rPr lang="en-US" dirty="0" smtClean="0">
+                <a:solidFill>
+                  <a:srgbClr val="FF0000"/>
+                </a:solidFill>
+                <a:latin typeface="Arial" panose="020B0604020202020204" pitchFamily="34" charset="0"/>
+                <a:cs typeface="Arial" panose="020B0604020202020204" pitchFamily="34" charset="0"/>
+              </a:rPr>
+              <a:t>, </a:t>
+            </a:r>
+            <a:r>
+              <a:rPr lang="en-US" dirty="0" err="1" smtClean="0">
+                <a:solidFill>
+                  <a:srgbClr val="FF0000"/>
+                </a:solidFill>
+                <a:latin typeface="Arial" panose="020B0604020202020204" pitchFamily="34" charset="0"/>
+                <a:cs typeface="Arial" panose="020B0604020202020204" pitchFamily="34" charset="0"/>
+              </a:rPr>
+              <a:t>chế</a:t>
+            </a:r>
+            <a:r>
+              <a:rPr lang="en-US" dirty="0" smtClean="0">
+                <a:solidFill>
+                  <a:srgbClr val="FF0000"/>
+                </a:solidFill>
+                <a:latin typeface="Arial" panose="020B0604020202020204" pitchFamily="34" charset="0"/>
+                <a:cs typeface="Arial" panose="020B0604020202020204" pitchFamily="34" charset="0"/>
+              </a:rPr>
+              <a:t> </a:t>
+            </a:r>
+            <a:r>
+              <a:rPr lang="en-US" dirty="0" err="1" smtClean="0">
+                <a:solidFill>
+                  <a:srgbClr val="FF0000"/>
+                </a:solidFill>
+                <a:latin typeface="Arial" panose="020B0604020202020204" pitchFamily="34" charset="0"/>
+                <a:cs typeface="Arial" panose="020B0604020202020204" pitchFamily="34" charset="0"/>
+              </a:rPr>
+              <a:t>tạo</a:t>
+            </a:r>
+            <a:r>
+              <a:rPr lang="en-US" dirty="0" smtClean="0">
+                <a:solidFill>
+                  <a:srgbClr val="FF0000"/>
+                </a:solidFill>
+                <a:latin typeface="Arial" panose="020B0604020202020204" pitchFamily="34" charset="0"/>
+                <a:cs typeface="Arial" panose="020B0604020202020204" pitchFamily="34" charset="0"/>
+              </a:rPr>
+              <a:t> </a:t>
+            </a:r>
+            <a:r>
+              <a:rPr lang="en-US" dirty="0" err="1" smtClean="0">
+                <a:solidFill>
+                  <a:srgbClr val="FF0000"/>
+                </a:solidFill>
+                <a:latin typeface="Arial" panose="020B0604020202020204" pitchFamily="34" charset="0"/>
+                <a:cs typeface="Arial" panose="020B0604020202020204" pitchFamily="34" charset="0"/>
+              </a:rPr>
+              <a:t>xe</a:t>
+            </a:r>
+            <a:r>
+              <a:rPr lang="en-US" dirty="0" smtClean="0">
+                <a:solidFill>
+                  <a:srgbClr val="FF0000"/>
+                </a:solidFill>
+                <a:latin typeface="Arial" panose="020B0604020202020204" pitchFamily="34" charset="0"/>
+                <a:cs typeface="Arial" panose="020B0604020202020204" pitchFamily="34" charset="0"/>
+              </a:rPr>
+              <a:t> </a:t>
+            </a:r>
+            <a:r>
+              <a:rPr lang="en-US" dirty="0" err="1" smtClean="0">
+                <a:solidFill>
+                  <a:srgbClr val="FF0000"/>
+                </a:solidFill>
+                <a:latin typeface="Arial" panose="020B0604020202020204" pitchFamily="34" charset="0"/>
+                <a:cs typeface="Arial" panose="020B0604020202020204" pitchFamily="34" charset="0"/>
+              </a:rPr>
+              <a:t>tự</a:t>
+            </a:r>
+            <a:r>
+              <a:rPr lang="en-US" dirty="0" smtClean="0">
+                <a:solidFill>
+                  <a:srgbClr val="FF0000"/>
+                </a:solidFill>
+                <a:latin typeface="Arial" panose="020B0604020202020204" pitchFamily="34" charset="0"/>
+                <a:cs typeface="Arial" panose="020B0604020202020204" pitchFamily="34" charset="0"/>
+              </a:rPr>
+              <a:t> </a:t>
+            </a:r>
+            <a:r>
+              <a:rPr lang="en-US" dirty="0" err="1" smtClean="0">
+                <a:solidFill>
+                  <a:srgbClr val="FF0000"/>
+                </a:solidFill>
+                <a:latin typeface="Arial" panose="020B0604020202020204" pitchFamily="34" charset="0"/>
+                <a:cs typeface="Arial" panose="020B0604020202020204" pitchFamily="34" charset="0"/>
+              </a:rPr>
+              <a:t>cân</a:t>
+            </a:r>
+            <a:r>
+              <a:rPr lang="en-US" dirty="0" smtClean="0">
+                <a:solidFill>
+                  <a:srgbClr val="FF0000"/>
+                </a:solidFill>
+                <a:latin typeface="Arial" panose="020B0604020202020204" pitchFamily="34" charset="0"/>
+                <a:cs typeface="Arial" panose="020B0604020202020204" pitchFamily="34" charset="0"/>
+              </a:rPr>
+              <a:t> </a:t>
+            </a:r>
+            <a:r>
+              <a:rPr lang="en-US" dirty="0" err="1" smtClean="0">
+                <a:solidFill>
+                  <a:srgbClr val="FF0000"/>
+                </a:solidFill>
+                <a:latin typeface="Arial" panose="020B0604020202020204" pitchFamily="34" charset="0"/>
+                <a:cs typeface="Arial" panose="020B0604020202020204" pitchFamily="34" charset="0"/>
+              </a:rPr>
+              <a:t>bằng</a:t>
+            </a:r>
+            <a:endParaRPr lang="en-US" dirty="0">
+              <a:solidFill>
+                <a:srgbClr val="FF0000"/>
+              </a:solidFill>
+              <a:latin typeface="Arial" panose="020B0604020202020204" pitchFamily="34" charset="0"/>
+              <a:cs typeface="Arial" panose="020B0604020202020204" pitchFamily="34" charset="0"/>
+            </a:endParaRPr>
+          </a:p>
+        </p:txBody>
+      </p:sp>
+      <p:sp>
+        <p:nvSpPr>
+          <p:cNvPr id="3" name="Content Placeholder 2"/>
+          <p:cNvSpPr>
+            <a:spLocks noGrp="1"/>
+          </p:cNvSpPr>
+          <p:nvPr>
+            <p:ph idx="1"/>
+          </p:nvPr>
+        </p:nvSpPr>
+        <p:spPr/>
+        <p:txBody>
+          <a:bodyPr/>
+          <a:lstStyle/>
+          <a:p>
+            <a:endParaRPr lang="en-US"/>
+          </a:p>
+        </p:txBody>
+      </p:sp>
+    </p:spTree>
+    <p:extLst>
+      <p:ext uri="{BB962C8B-B14F-4D97-AF65-F5344CB8AC3E}">
+        <p14:creationId xmlns:p14="http://schemas.microsoft.com/office/powerpoint/2010/main" val="2425054788"/>
+      </p:ext>
+    </p:extLst>
+  </p:cSld>
+  <p:clrMapOvr>
+    <a:masterClrMapping/>
+  </p:clrMapOvr>
+  <p:timing>
+    <p:tnLst>
+      <p:par>
+        <p:cTn id="1" dur="indefinite" restart="never" nodeType="tmRoot"/>
+      </p:par>
+    </p:tnLst>
+  </p:timing>
+</p:sld>
+</file>
+
+<file path=ppt/slides/slide13.xml><?xml version="1.0" encoding="utf-8"?>
+<p:sld xmlns:a="http://schemas.openxmlformats.org/drawingml/2006/main" xmlns:r="http://schemas.openxmlformats.org/officeDocument/2006/relationships" xmlns:p="http://schemas.openxmlformats.org/presentationml/2006/main">
+  <p:cSld>
+    <p:spTree>
+      <p:nvGrpSpPr>
+        <p:cNvPr id="1" name=""/>
+        <p:cNvGrpSpPr/>
+        <p:nvPr/>
+      </p:nvGrpSpPr>
+      <p:grpSpPr>
+        <a:xfrm>
+          <a:off x="0" y="0"/>
+          <a:ext cx="0" cy="0"/>
+          <a:chOff x="0" y="0"/>
+          <a:chExt cx="0" cy="0"/>
+        </a:xfrm>
+      </p:grpSpPr>
+      <p:sp>
+        <p:nvSpPr>
+          <p:cNvPr id="2" name="Title 1"/>
+          <p:cNvSpPr>
+            <a:spLocks noGrp="1"/>
+          </p:cNvSpPr>
+          <p:nvPr>
+            <p:ph type="title"/>
+          </p:nvPr>
+        </p:nvSpPr>
+        <p:spPr/>
+        <p:txBody>
+          <a:bodyPr/>
+          <a:lstStyle/>
+          <a:p>
+            <a:r>
+              <a:rPr lang="en-US" dirty="0" err="1" smtClean="0">
+                <a:solidFill>
+                  <a:srgbClr val="FF0000"/>
+                </a:solidFill>
+                <a:latin typeface="Arial" panose="020B0604020202020204" pitchFamily="34" charset="0"/>
+                <a:cs typeface="Arial" panose="020B0604020202020204" pitchFamily="34" charset="0"/>
+              </a:rPr>
+              <a:t>Kết</a:t>
+            </a:r>
+            <a:r>
+              <a:rPr lang="en-US" dirty="0" smtClean="0">
+                <a:solidFill>
+                  <a:srgbClr val="FF0000"/>
+                </a:solidFill>
+                <a:latin typeface="Arial" panose="020B0604020202020204" pitchFamily="34" charset="0"/>
+                <a:cs typeface="Arial" panose="020B0604020202020204" pitchFamily="34" charset="0"/>
+              </a:rPr>
+              <a:t> </a:t>
+            </a:r>
+            <a:r>
+              <a:rPr lang="en-US" dirty="0" err="1" smtClean="0">
+                <a:solidFill>
+                  <a:srgbClr val="FF0000"/>
+                </a:solidFill>
+                <a:latin typeface="Arial" panose="020B0604020202020204" pitchFamily="34" charset="0"/>
+                <a:cs typeface="Arial" panose="020B0604020202020204" pitchFamily="34" charset="0"/>
+              </a:rPr>
+              <a:t>luận</a:t>
+            </a:r>
+            <a:endParaRPr lang="en-US" dirty="0">
+              <a:solidFill>
+                <a:srgbClr val="FF0000"/>
+              </a:solidFill>
+              <a:latin typeface="Arial" panose="020B0604020202020204" pitchFamily="34" charset="0"/>
+              <a:cs typeface="Arial" panose="020B0604020202020204" pitchFamily="34" charset="0"/>
+            </a:endParaRPr>
+          </a:p>
+        </p:txBody>
+      </p:sp>
+      <p:sp>
+        <p:nvSpPr>
+          <p:cNvPr id="3" name="Content Placeholder 2"/>
+          <p:cNvSpPr>
+            <a:spLocks noGrp="1"/>
+          </p:cNvSpPr>
+          <p:nvPr>
+            <p:ph idx="1"/>
+          </p:nvPr>
+        </p:nvSpPr>
+        <p:spPr/>
+        <p:txBody>
+          <a:bodyPr/>
+          <a:lstStyle/>
+          <a:p>
+            <a:endParaRPr lang="en-US"/>
+          </a:p>
+        </p:txBody>
+      </p:sp>
+    </p:spTree>
+    <p:extLst>
+      <p:ext uri="{BB962C8B-B14F-4D97-AF65-F5344CB8AC3E}">
+        <p14:creationId xmlns:p14="http://schemas.microsoft.com/office/powerpoint/2010/main" val="2676452344"/>
+      </p:ext>
+    </p:extLst>
+  </p:cSld>
+  <p:clrMapOvr>
+    <a:masterClrMapping/>
+  </p:clrMapOvr>
+  <p:timing>
+    <p:tnLst>
+      <p:par>
+        <p:cTn id="1" dur="indefinite" restart="never" nodeType="tmRoot"/>
+      </p:par>
+    </p:tnLst>
+  </p:timing>
+</p:sld>
+</file>
+
+<file path=ppt/slides/slide14.xml><?xml version="1.0" encoding="utf-8"?>
+<p:sld xmlns:a="http://schemas.openxmlformats.org/drawingml/2006/main" xmlns:r="http://schemas.openxmlformats.org/officeDocument/2006/relationships" xmlns:p="http://schemas.openxmlformats.org/presentationml/2006/main">
+  <p:cSld>
+    <p:spTree>
+      <p:nvGrpSpPr>
+        <p:cNvPr id="1" name=""/>
+        <p:cNvGrpSpPr/>
+        <p:nvPr/>
+      </p:nvGrpSpPr>
+      <p:grpSpPr>
+        <a:xfrm>
+          <a:off x="0" y="0"/>
+          <a:ext cx="0" cy="0"/>
+          <a:chOff x="0" y="0"/>
+          <a:chExt cx="0" cy="0"/>
+        </a:xfrm>
+      </p:grpSpPr>
+      <p:sp>
+        <p:nvSpPr>
+          <p:cNvPr id="2" name="Title 1"/>
+          <p:cNvSpPr>
+            <a:spLocks noGrp="1"/>
+          </p:cNvSpPr>
+          <p:nvPr>
+            <p:ph type="title"/>
+          </p:nvPr>
+        </p:nvSpPr>
+        <p:spPr>
+          <a:xfrm>
+            <a:off x="838200" y="365125"/>
+            <a:ext cx="10515600" cy="5860863"/>
+          </a:xfrm>
+        </p:spPr>
+        <p:txBody>
+          <a:bodyPr>
+            <a:normAutofit/>
+          </a:bodyPr>
+          <a:lstStyle/>
+          <a:p>
+            <a:pPr algn="ctr"/>
+            <a:r>
+              <a:rPr lang="en-US" sz="5400" dirty="0" err="1" smtClean="0">
+                <a:solidFill>
+                  <a:srgbClr val="FF0000"/>
+                </a:solidFill>
+                <a:latin typeface="Arial" panose="020B0604020202020204" pitchFamily="34" charset="0"/>
+                <a:cs typeface="Arial" panose="020B0604020202020204" pitchFamily="34" charset="0"/>
+              </a:rPr>
+              <a:t>Cảm</a:t>
+            </a:r>
+            <a:r>
+              <a:rPr lang="en-US" sz="5400" dirty="0" smtClean="0">
+                <a:solidFill>
+                  <a:srgbClr val="FF0000"/>
+                </a:solidFill>
+                <a:latin typeface="Arial" panose="020B0604020202020204" pitchFamily="34" charset="0"/>
+                <a:cs typeface="Arial" panose="020B0604020202020204" pitchFamily="34" charset="0"/>
+              </a:rPr>
+              <a:t> </a:t>
+            </a:r>
+            <a:r>
+              <a:rPr lang="en-US" sz="5400" dirty="0" err="1" smtClean="0">
+                <a:solidFill>
+                  <a:srgbClr val="FF0000"/>
+                </a:solidFill>
+                <a:latin typeface="Arial" panose="020B0604020202020204" pitchFamily="34" charset="0"/>
+                <a:cs typeface="Arial" panose="020B0604020202020204" pitchFamily="34" charset="0"/>
+              </a:rPr>
+              <a:t>ơn</a:t>
+            </a:r>
+            <a:r>
+              <a:rPr lang="en-US" sz="5400" dirty="0" smtClean="0">
+                <a:solidFill>
+                  <a:srgbClr val="FF0000"/>
+                </a:solidFill>
+                <a:latin typeface="Arial" panose="020B0604020202020204" pitchFamily="34" charset="0"/>
+                <a:cs typeface="Arial" panose="020B0604020202020204" pitchFamily="34" charset="0"/>
+              </a:rPr>
+              <a:t> </a:t>
+            </a:r>
+            <a:r>
+              <a:rPr lang="en-US" sz="5400" dirty="0" err="1" smtClean="0">
+                <a:solidFill>
+                  <a:srgbClr val="FF0000"/>
+                </a:solidFill>
+                <a:latin typeface="Arial" panose="020B0604020202020204" pitchFamily="34" charset="0"/>
+                <a:cs typeface="Arial" panose="020B0604020202020204" pitchFamily="34" charset="0"/>
+              </a:rPr>
+              <a:t>quý</a:t>
+            </a:r>
+            <a:r>
+              <a:rPr lang="en-US" sz="5400" dirty="0" smtClean="0">
+                <a:solidFill>
+                  <a:srgbClr val="FF0000"/>
+                </a:solidFill>
+                <a:latin typeface="Arial" panose="020B0604020202020204" pitchFamily="34" charset="0"/>
+                <a:cs typeface="Arial" panose="020B0604020202020204" pitchFamily="34" charset="0"/>
+              </a:rPr>
+              <a:t> </a:t>
+            </a:r>
+            <a:r>
+              <a:rPr lang="en-US" sz="5400" dirty="0" err="1" smtClean="0">
+                <a:solidFill>
+                  <a:srgbClr val="FF0000"/>
+                </a:solidFill>
+                <a:latin typeface="Arial" panose="020B0604020202020204" pitchFamily="34" charset="0"/>
+                <a:cs typeface="Arial" panose="020B0604020202020204" pitchFamily="34" charset="0"/>
+              </a:rPr>
+              <a:t>thầy</a:t>
+            </a:r>
+            <a:r>
+              <a:rPr lang="en-US" sz="5400" dirty="0" smtClean="0">
+                <a:solidFill>
+                  <a:srgbClr val="FF0000"/>
+                </a:solidFill>
+                <a:latin typeface="Arial" panose="020B0604020202020204" pitchFamily="34" charset="0"/>
+                <a:cs typeface="Arial" panose="020B0604020202020204" pitchFamily="34" charset="0"/>
+              </a:rPr>
+              <a:t> </a:t>
+            </a:r>
+            <a:r>
+              <a:rPr lang="en-US" sz="5400" dirty="0" err="1" smtClean="0">
+                <a:solidFill>
+                  <a:srgbClr val="FF0000"/>
+                </a:solidFill>
+                <a:latin typeface="Arial" panose="020B0604020202020204" pitchFamily="34" charset="0"/>
+                <a:cs typeface="Arial" panose="020B0604020202020204" pitchFamily="34" charset="0"/>
+              </a:rPr>
+              <a:t>cô</a:t>
+            </a:r>
+            <a:r>
+              <a:rPr lang="en-US" sz="5400" dirty="0" smtClean="0">
+                <a:solidFill>
+                  <a:srgbClr val="FF0000"/>
+                </a:solidFill>
+                <a:latin typeface="Arial" panose="020B0604020202020204" pitchFamily="34" charset="0"/>
+                <a:cs typeface="Arial" panose="020B0604020202020204" pitchFamily="34" charset="0"/>
+              </a:rPr>
+              <a:t> </a:t>
+            </a:r>
+            <a:r>
+              <a:rPr lang="en-US" sz="5400" dirty="0" err="1" smtClean="0">
+                <a:solidFill>
+                  <a:srgbClr val="FF0000"/>
+                </a:solidFill>
+                <a:latin typeface="Arial" panose="020B0604020202020204" pitchFamily="34" charset="0"/>
+                <a:cs typeface="Arial" panose="020B0604020202020204" pitchFamily="34" charset="0"/>
+              </a:rPr>
+              <a:t>và</a:t>
+            </a:r>
+            <a:r>
+              <a:rPr lang="en-US" sz="5400" dirty="0" smtClean="0">
+                <a:solidFill>
+                  <a:srgbClr val="FF0000"/>
+                </a:solidFill>
+                <a:latin typeface="Arial" panose="020B0604020202020204" pitchFamily="34" charset="0"/>
+                <a:cs typeface="Arial" panose="020B0604020202020204" pitchFamily="34" charset="0"/>
+              </a:rPr>
+              <a:t> </a:t>
+            </a:r>
+            <a:r>
+              <a:rPr lang="en-US" sz="5400" dirty="0" err="1" smtClean="0">
+                <a:solidFill>
+                  <a:srgbClr val="FF0000"/>
+                </a:solidFill>
+                <a:latin typeface="Arial" panose="020B0604020202020204" pitchFamily="34" charset="0"/>
+                <a:cs typeface="Arial" panose="020B0604020202020204" pitchFamily="34" charset="0"/>
+              </a:rPr>
+              <a:t>các</a:t>
+            </a:r>
+            <a:r>
+              <a:rPr lang="en-US" sz="5400" dirty="0" smtClean="0">
+                <a:solidFill>
+                  <a:srgbClr val="FF0000"/>
+                </a:solidFill>
+                <a:latin typeface="Arial" panose="020B0604020202020204" pitchFamily="34" charset="0"/>
+                <a:cs typeface="Arial" panose="020B0604020202020204" pitchFamily="34" charset="0"/>
+              </a:rPr>
+              <a:t> </a:t>
+            </a:r>
+            <a:r>
+              <a:rPr lang="en-US" sz="5400" dirty="0" err="1" smtClean="0">
+                <a:solidFill>
+                  <a:srgbClr val="FF0000"/>
+                </a:solidFill>
+                <a:latin typeface="Arial" panose="020B0604020202020204" pitchFamily="34" charset="0"/>
+                <a:cs typeface="Arial" panose="020B0604020202020204" pitchFamily="34" charset="0"/>
+              </a:rPr>
+              <a:t>bạn</a:t>
+            </a:r>
+            <a:r>
+              <a:rPr lang="en-US" sz="5400" dirty="0" smtClean="0">
+                <a:solidFill>
+                  <a:srgbClr val="FF0000"/>
+                </a:solidFill>
+                <a:latin typeface="Arial" panose="020B0604020202020204" pitchFamily="34" charset="0"/>
+                <a:cs typeface="Arial" panose="020B0604020202020204" pitchFamily="34" charset="0"/>
+              </a:rPr>
+              <a:t>!</a:t>
+            </a:r>
+            <a:endParaRPr lang="en-US" sz="5400" dirty="0">
+              <a:solidFill>
+                <a:srgbClr val="FF0000"/>
+              </a:solidFill>
+              <a:latin typeface="Arial" panose="020B0604020202020204" pitchFamily="34" charset="0"/>
+              <a:cs typeface="Arial" panose="020B0604020202020204" pitchFamily="34" charset="0"/>
+            </a:endParaRPr>
+          </a:p>
+        </p:txBody>
+      </p:sp>
+    </p:spTree>
+    <p:extLst>
+      <p:ext uri="{BB962C8B-B14F-4D97-AF65-F5344CB8AC3E}">
+        <p14:creationId xmlns:p14="http://schemas.microsoft.com/office/powerpoint/2010/main" val="2824212487"/>
+      </p:ext>
+    </p:extLst>
+  </p:cSld>
+  <p:clrMapOvr>
+    <a:masterClrMapping/>
+  </p:clrMapOvr>
+  <p:timing>
+    <p:tnLst>
+      <p:par>
+        <p:cTn id="1" dur="indefinite" restart="never" nodeType="tmRoot"/>
+      </p:par>
+    </p:tnLst>
+  </p:timing>
+</p:sld>
+</file>
+
 <file path=ppt/slides/slide2.xml><?xml version="1.0" encoding="utf-8"?>
 <p:sld xmlns:a="http://schemas.openxmlformats.org/drawingml/2006/main" xmlns:r="http://schemas.openxmlformats.org/officeDocument/2006/relationships" xmlns:p="http://schemas.openxmlformats.org/presentationml/2006/main">
   <p:cSld>
@@ -3322,7 +4224,7 @@
           <a:lstStyle/>
           <a:p>
             <a:r>
-              <a:rPr lang="en-US" dirty="0" err="1" smtClean="0">
+              <a:rPr lang="en-US" dirty="0" err="1">
                 <a:solidFill>
                   <a:srgbClr val="FF0000"/>
                 </a:solidFill>
@@ -3332,7 +4234,7 @@
               <a:t>Mở</a:t>
             </a:r>
             <a:r>
-              <a:rPr lang="en-US" dirty="0" smtClean="0">
+              <a:rPr lang="en-US" dirty="0">
                 <a:solidFill>
                   <a:srgbClr val="FF0000"/>
                 </a:solidFill>
@@ -3342,7 +4244,7 @@
               <a:t> </a:t>
             </a:r>
             <a:r>
-              <a:rPr lang="en-US" dirty="0" err="1" smtClean="0">
+              <a:rPr lang="en-US" dirty="0" err="1">
                 <a:solidFill>
                   <a:srgbClr val="FF0000"/>
                 </a:solidFill>
@@ -3351,39 +4253,55 @@
               </a:rPr>
               <a:t>đầu</a:t>
             </a:r>
-            <a:endParaRPr lang="en-US" dirty="0">
-              <a:solidFill>
-                <a:srgbClr val="FF0000"/>
-              </a:solidFill>
-              <a:latin typeface="Arial" panose="020B0604020202020204" pitchFamily="34" charset="0"/>
-              <a:cs typeface="Arial" panose="020B0604020202020204" pitchFamily="34" charset="0"/>
-            </a:endParaRPr>
-          </a:p>
-        </p:txBody>
-      </p:sp>
-      <p:sp>
-        <p:nvSpPr>
-          <p:cNvPr id="3" name="Content Placeholder 2"/>
-          <p:cNvSpPr>
-            <a:spLocks noGrp="1"/>
-          </p:cNvSpPr>
-          <p:nvPr>
-            <p:ph idx="1"/>
-          </p:nvPr>
-        </p:nvSpPr>
-        <p:spPr/>
-        <p:txBody>
-          <a:bodyPr/>
-          <a:lstStyle/>
-          <a:p>
             <a:endParaRPr lang="en-US" dirty="0"/>
           </a:p>
         </p:txBody>
       </p:sp>
+      <p:pic>
+        <p:nvPicPr>
+          <p:cNvPr id="4" name="Picture 2" descr="Image result for CÆ¡ Äiá»n tá»­"/>
+          <p:cNvPicPr>
+            <a:picLocks noChangeAspect="1" noChangeArrowheads="1"/>
+          </p:cNvPicPr>
+          <p:nvPr/>
+        </p:nvPicPr>
+        <p:blipFill>
+          <a:blip r:embed="rId2">
+            <a:extLst>
+              <a:ext uri="{28A0092B-C50C-407E-A947-70E740481C1C}">
+                <a14:useLocalDpi xmlns:a14="http://schemas.microsoft.com/office/drawing/2010/main" val="0"/>
+              </a:ext>
+            </a:extLst>
+          </a:blip>
+          <a:srcRect/>
+          <a:stretch>
+            <a:fillRect/>
+          </a:stretch>
+        </p:blipFill>
+        <p:spPr bwMode="auto">
+          <a:xfrm>
+            <a:off x="2818094" y="1690688"/>
+            <a:ext cx="6931024" cy="4897925"/>
+          </a:xfrm>
+          <a:prstGeom prst="rect">
+            <a:avLst/>
+          </a:prstGeom>
+          <a:noFill/>
+          <a:extLst>
+            <a:ext uri="{909E8E84-426E-40DD-AFC4-6F175D3DCCD1}">
+              <a14:hiddenFill xmlns:a14="http://schemas.microsoft.com/office/drawing/2010/main">
+                <a:solidFill>
+                  <a:srgbClr val="FFFFFF"/>
+                </a:solidFill>
+              </a14:hiddenFill>
+            </a:ext>
+          </a:extLst>
+        </p:spPr>
+      </p:pic>
     </p:spTree>
     <p:extLst>
       <p:ext uri="{BB962C8B-B14F-4D97-AF65-F5344CB8AC3E}">
-        <p14:creationId xmlns:p14="http://schemas.microsoft.com/office/powerpoint/2010/main" val="1938961130"/>
+        <p14:creationId xmlns:p14="http://schemas.microsoft.com/office/powerpoint/2010/main" val="1016838493"/>
       </p:ext>
     </p:extLst>
   </p:cSld>
@@ -3433,17 +4351,17 @@
           <a:lstStyle/>
           <a:p>
             <a:r>
-              <a:rPr lang="en-US" dirty="0" err="1" smtClean="0">
-                <a:solidFill>
-                  <a:srgbClr val="FF0000"/>
-                </a:solidFill>
-                <a:latin typeface="Arial" panose="020B0604020202020204" pitchFamily="34" charset="0"/>
-                <a:cs typeface="Arial" panose="020B0604020202020204" pitchFamily="34" charset="0"/>
-              </a:rPr>
-              <a:t>Xe</a:t>
-            </a:r>
-            <a:r>
-              <a:rPr lang="en-US" dirty="0" smtClean="0">
+              <a:rPr lang="en-US" dirty="0" err="1">
+                <a:solidFill>
+                  <a:srgbClr val="FF0000"/>
+                </a:solidFill>
+                <a:latin typeface="Arial" panose="020B0604020202020204" pitchFamily="34" charset="0"/>
+                <a:cs typeface="Arial" panose="020B0604020202020204" pitchFamily="34" charset="0"/>
+              </a:rPr>
+              <a:t>Mở</a:t>
+            </a:r>
+            <a:r>
+              <a:rPr lang="en-US" dirty="0">
                 <a:solidFill>
                   <a:srgbClr val="FF0000"/>
                 </a:solidFill>
@@ -3453,128 +4371,146 @@
               <a:t> </a:t>
             </a:r>
             <a:r>
-              <a:rPr lang="en-US" dirty="0" err="1" smtClean="0">
-                <a:solidFill>
-                  <a:srgbClr val="FF0000"/>
-                </a:solidFill>
-                <a:latin typeface="Arial" panose="020B0604020202020204" pitchFamily="34" charset="0"/>
-                <a:cs typeface="Arial" panose="020B0604020202020204" pitchFamily="34" charset="0"/>
-              </a:rPr>
-              <a:t>hai</a:t>
-            </a:r>
-            <a:r>
-              <a:rPr lang="en-US" dirty="0" smtClean="0">
-                <a:solidFill>
-                  <a:srgbClr val="FF0000"/>
-                </a:solidFill>
-                <a:latin typeface="Arial" panose="020B0604020202020204" pitchFamily="34" charset="0"/>
-                <a:cs typeface="Arial" panose="020B0604020202020204" pitchFamily="34" charset="0"/>
-              </a:rPr>
-              <a:t> </a:t>
-            </a:r>
-            <a:r>
-              <a:rPr lang="en-US" dirty="0" err="1" smtClean="0">
-                <a:solidFill>
-                  <a:srgbClr val="FF0000"/>
-                </a:solidFill>
-                <a:latin typeface="Arial" panose="020B0604020202020204" pitchFamily="34" charset="0"/>
-                <a:cs typeface="Arial" panose="020B0604020202020204" pitchFamily="34" charset="0"/>
-              </a:rPr>
-              <a:t>bánh</a:t>
-            </a:r>
-            <a:r>
-              <a:rPr lang="en-US" dirty="0" smtClean="0">
-                <a:solidFill>
-                  <a:srgbClr val="FF0000"/>
-                </a:solidFill>
-                <a:latin typeface="Arial" panose="020B0604020202020204" pitchFamily="34" charset="0"/>
-                <a:cs typeface="Arial" panose="020B0604020202020204" pitchFamily="34" charset="0"/>
-              </a:rPr>
-              <a:t> </a:t>
-            </a:r>
-            <a:r>
-              <a:rPr lang="en-US" dirty="0" err="1" smtClean="0">
-                <a:solidFill>
-                  <a:srgbClr val="FF0000"/>
-                </a:solidFill>
-                <a:latin typeface="Arial" panose="020B0604020202020204" pitchFamily="34" charset="0"/>
-                <a:cs typeface="Arial" panose="020B0604020202020204" pitchFamily="34" charset="0"/>
-              </a:rPr>
-              <a:t>tự</a:t>
-            </a:r>
-            <a:r>
-              <a:rPr lang="en-US" dirty="0" smtClean="0">
-                <a:solidFill>
-                  <a:srgbClr val="FF0000"/>
-                </a:solidFill>
-                <a:latin typeface="Arial" panose="020B0604020202020204" pitchFamily="34" charset="0"/>
-                <a:cs typeface="Arial" panose="020B0604020202020204" pitchFamily="34" charset="0"/>
-              </a:rPr>
-              <a:t> </a:t>
-            </a:r>
-            <a:r>
-              <a:rPr lang="en-US" dirty="0" err="1" smtClean="0">
-                <a:solidFill>
-                  <a:srgbClr val="FF0000"/>
-                </a:solidFill>
-                <a:latin typeface="Arial" panose="020B0604020202020204" pitchFamily="34" charset="0"/>
-                <a:cs typeface="Arial" panose="020B0604020202020204" pitchFamily="34" charset="0"/>
-              </a:rPr>
-              <a:t>cân</a:t>
-            </a:r>
-            <a:r>
-              <a:rPr lang="en-US" dirty="0" smtClean="0">
-                <a:solidFill>
-                  <a:srgbClr val="FF0000"/>
-                </a:solidFill>
-                <a:latin typeface="Arial" panose="020B0604020202020204" pitchFamily="34" charset="0"/>
-                <a:cs typeface="Arial" panose="020B0604020202020204" pitchFamily="34" charset="0"/>
-              </a:rPr>
-              <a:t> </a:t>
-            </a:r>
-            <a:r>
-              <a:rPr lang="en-US" dirty="0" err="1" smtClean="0">
-                <a:solidFill>
-                  <a:srgbClr val="FF0000"/>
-                </a:solidFill>
-                <a:latin typeface="Arial" panose="020B0604020202020204" pitchFamily="34" charset="0"/>
-                <a:cs typeface="Arial" panose="020B0604020202020204" pitchFamily="34" charset="0"/>
-              </a:rPr>
-              <a:t>bằng</a:t>
-            </a:r>
-            <a:endParaRPr lang="en-US" dirty="0">
-              <a:solidFill>
-                <a:srgbClr val="FF0000"/>
-              </a:solidFill>
-              <a:latin typeface="Arial" panose="020B0604020202020204" pitchFamily="34" charset="0"/>
-              <a:cs typeface="Arial" panose="020B0604020202020204" pitchFamily="34" charset="0"/>
-            </a:endParaRPr>
-          </a:p>
-        </p:txBody>
-      </p:sp>
-      <p:sp>
-        <p:nvSpPr>
-          <p:cNvPr id="3" name="Content Placeholder 2"/>
-          <p:cNvSpPr>
-            <a:spLocks noGrp="1"/>
-          </p:cNvSpPr>
-          <p:nvPr>
-            <p:ph idx="1"/>
-          </p:nvPr>
-        </p:nvSpPr>
-        <p:spPr/>
-        <p:txBody>
-          <a:bodyPr/>
-          <a:lstStyle/>
-          <a:p>
-            <a:endParaRPr lang="en-US"/>
-          </a:p>
-        </p:txBody>
-      </p:sp>
+              <a:rPr lang="en-US" dirty="0" err="1">
+                <a:solidFill>
+                  <a:srgbClr val="FF0000"/>
+                </a:solidFill>
+                <a:latin typeface="Arial" panose="020B0604020202020204" pitchFamily="34" charset="0"/>
+                <a:cs typeface="Arial" panose="020B0604020202020204" pitchFamily="34" charset="0"/>
+              </a:rPr>
+              <a:t>đầu</a:t>
+            </a:r>
+            <a:endParaRPr lang="en-US" dirty="0"/>
+          </a:p>
+        </p:txBody>
+      </p:sp>
+      <p:pic>
+        <p:nvPicPr>
+          <p:cNvPr id="2050" name="Picture 2" descr="Image result for mÃ¡y giáº·t thÃ´ng minh"/>
+          <p:cNvPicPr>
+            <a:picLocks noChangeAspect="1" noChangeArrowheads="1"/>
+          </p:cNvPicPr>
+          <p:nvPr/>
+        </p:nvPicPr>
+        <p:blipFill>
+          <a:blip r:embed="rId2">
+            <a:extLst>
+              <a:ext uri="{28A0092B-C50C-407E-A947-70E740481C1C}">
+                <a14:useLocalDpi xmlns:a14="http://schemas.microsoft.com/office/drawing/2010/main" val="0"/>
+              </a:ext>
+            </a:extLst>
+          </a:blip>
+          <a:srcRect/>
+          <a:stretch>
+            <a:fillRect/>
+          </a:stretch>
+        </p:blipFill>
+        <p:spPr bwMode="auto">
+          <a:xfrm>
+            <a:off x="838200" y="2195981"/>
+            <a:ext cx="5400226" cy="4172230"/>
+          </a:xfrm>
+          <a:prstGeom prst="rect">
+            <a:avLst/>
+          </a:prstGeom>
+          <a:noFill/>
+          <a:extLst>
+            <a:ext uri="{909E8E84-426E-40DD-AFC4-6F175D3DCCD1}">
+              <a14:hiddenFill xmlns:a14="http://schemas.microsoft.com/office/drawing/2010/main">
+                <a:solidFill>
+                  <a:srgbClr val="FFFFFF"/>
+                </a:solidFill>
+              </a14:hiddenFill>
+            </a:ext>
+          </a:extLst>
+        </p:spPr>
+      </p:pic>
+      <p:pic>
+        <p:nvPicPr>
+          <p:cNvPr id="2054" name="Picture 6" descr="Image result for xe mÃ¡y thÃ´ng minh"/>
+          <p:cNvPicPr>
+            <a:picLocks noChangeAspect="1" noChangeArrowheads="1"/>
+          </p:cNvPicPr>
+          <p:nvPr/>
+        </p:nvPicPr>
+        <p:blipFill>
+          <a:blip r:embed="rId3">
+            <a:extLst>
+              <a:ext uri="{28A0092B-C50C-407E-A947-70E740481C1C}">
+                <a14:useLocalDpi xmlns:a14="http://schemas.microsoft.com/office/drawing/2010/main" val="0"/>
+              </a:ext>
+            </a:extLst>
+          </a:blip>
+          <a:srcRect/>
+          <a:stretch>
+            <a:fillRect/>
+          </a:stretch>
+        </p:blipFill>
+        <p:spPr bwMode="auto">
+          <a:xfrm>
+            <a:off x="6402900" y="765012"/>
+            <a:ext cx="4489704" cy="2186921"/>
+          </a:xfrm>
+          <a:prstGeom prst="rect">
+            <a:avLst/>
+          </a:prstGeom>
+          <a:noFill/>
+          <a:extLst>
+            <a:ext uri="{909E8E84-426E-40DD-AFC4-6F175D3DCCD1}">
+              <a14:hiddenFill xmlns:a14="http://schemas.microsoft.com/office/drawing/2010/main">
+                <a:solidFill>
+                  <a:srgbClr val="FFFFFF"/>
+                </a:solidFill>
+              </a14:hiddenFill>
+            </a:ext>
+          </a:extLst>
+        </p:spPr>
+      </p:pic>
+      <p:pic>
+        <p:nvPicPr>
+          <p:cNvPr id="2052" name="Picture 4" descr="Image result for robot thÃ´ng minh"/>
+          <p:cNvPicPr>
+            <a:picLocks noChangeAspect="1" noChangeArrowheads="1"/>
+          </p:cNvPicPr>
+          <p:nvPr/>
+        </p:nvPicPr>
+        <p:blipFill>
+          <a:blip r:embed="rId4">
+            <a:extLst>
+              <a:ext uri="{28A0092B-C50C-407E-A947-70E740481C1C}">
+                <a14:useLocalDpi xmlns:a14="http://schemas.microsoft.com/office/drawing/2010/main" val="0"/>
+              </a:ext>
+            </a:extLst>
+          </a:blip>
+          <a:srcRect/>
+          <a:stretch>
+            <a:fillRect/>
+          </a:stretch>
+        </p:blipFill>
+        <p:spPr bwMode="auto">
+          <a:xfrm>
+            <a:off x="6402900" y="3150722"/>
+            <a:ext cx="4493700" cy="3217489"/>
+          </a:xfrm>
+          <a:prstGeom prst="rect">
+            <a:avLst/>
+          </a:prstGeom>
+          <a:noFill/>
+          <a:extLst>
+            <a:ext uri="{909E8E84-426E-40DD-AFC4-6F175D3DCCD1}">
+              <a14:hiddenFill xmlns:a14="http://schemas.microsoft.com/office/drawing/2010/main">
+                <a:solidFill>
+                  <a:srgbClr val="FFFFFF"/>
+                </a:solidFill>
+              </a14:hiddenFill>
+            </a:ext>
+          </a:extLst>
+        </p:spPr>
+      </p:pic>
     </p:spTree>
     <p:extLst>
       <p:ext uri="{BB962C8B-B14F-4D97-AF65-F5344CB8AC3E}">
-        <p14:creationId xmlns:p14="http://schemas.microsoft.com/office/powerpoint/2010/main" val="2597777814"/>
+        <p14:creationId xmlns:p14="http://schemas.microsoft.com/office/powerpoint/2010/main" val="108166604"/>
       </p:ext>
     </p:extLst>
   </p:cSld>
@@ -3624,6 +4560,26 @@
           <a:lstStyle/>
           <a:p>
             <a:r>
+              <a:rPr lang="en-US" dirty="0" err="1">
+                <a:solidFill>
+                  <a:srgbClr val="FF0000"/>
+                </a:solidFill>
+                <a:latin typeface="Arial" panose="020B0604020202020204" pitchFamily="34" charset="0"/>
+                <a:cs typeface="Arial" panose="020B0604020202020204" pitchFamily="34" charset="0"/>
+              </a:rPr>
+              <a:t>Cảm</a:t>
+            </a:r>
+            <a:r>
+              <a:rPr lang="en-US" dirty="0">
+                <a:solidFill>
+                  <a:srgbClr val="FF0000"/>
+                </a:solidFill>
+                <a:latin typeface="Arial" panose="020B0604020202020204" pitchFamily="34" charset="0"/>
+                <a:cs typeface="Arial" panose="020B0604020202020204" pitchFamily="34" charset="0"/>
+              </a:rPr>
+              <a:t> </a:t>
+            </a:r>
+            <a:r>
               <a:rPr lang="en-US" dirty="0" err="1" smtClean="0">
                 <a:solidFill>
                   <a:srgbClr val="FF0000"/>
@@ -3631,121 +4587,375 @@
                 <a:latin typeface="Arial" panose="020B0604020202020204" pitchFamily="34" charset="0"/>
                 <a:cs typeface="Arial" panose="020B0604020202020204" pitchFamily="34" charset="0"/>
               </a:rPr>
-              <a:t>Cảm</a:t>
-            </a:r>
-            <a:r>
-              <a:rPr lang="en-US" dirty="0" smtClean="0">
-                <a:solidFill>
-                  <a:srgbClr val="FF0000"/>
-                </a:solidFill>
-                <a:latin typeface="Arial" panose="020B0604020202020204" pitchFamily="34" charset="0"/>
-                <a:cs typeface="Arial" panose="020B0604020202020204" pitchFamily="34" charset="0"/>
-              </a:rPr>
-              <a:t> </a:t>
-            </a:r>
-            <a:r>
-              <a:rPr lang="en-US" dirty="0" err="1" smtClean="0">
-                <a:solidFill>
-                  <a:srgbClr val="FF0000"/>
-                </a:solidFill>
-                <a:latin typeface="Arial" panose="020B0604020202020204" pitchFamily="34" charset="0"/>
-                <a:cs typeface="Arial" panose="020B0604020202020204" pitchFamily="34" charset="0"/>
-              </a:rPr>
               <a:t>biến</a:t>
             </a:r>
-            <a:r>
-              <a:rPr lang="en-US" dirty="0" smtClean="0">
-                <a:solidFill>
-                  <a:srgbClr val="FF0000"/>
-                </a:solidFill>
-                <a:latin typeface="Arial" panose="020B0604020202020204" pitchFamily="34" charset="0"/>
-                <a:cs typeface="Arial" panose="020B0604020202020204" pitchFamily="34" charset="0"/>
-              </a:rPr>
-              <a:t> </a:t>
-            </a:r>
-            <a:r>
-              <a:rPr lang="en-US" dirty="0" err="1" smtClean="0">
-                <a:solidFill>
-                  <a:srgbClr val="FF0000"/>
-                </a:solidFill>
-                <a:latin typeface="Arial" panose="020B0604020202020204" pitchFamily="34" charset="0"/>
-                <a:cs typeface="Arial" panose="020B0604020202020204" pitchFamily="34" charset="0"/>
-              </a:rPr>
-              <a:t>gia</a:t>
-            </a:r>
-            <a:r>
-              <a:rPr lang="en-US" dirty="0" smtClean="0">
-                <a:solidFill>
-                  <a:srgbClr val="FF0000"/>
-                </a:solidFill>
-                <a:latin typeface="Arial" panose="020B0604020202020204" pitchFamily="34" charset="0"/>
-                <a:cs typeface="Arial" panose="020B0604020202020204" pitchFamily="34" charset="0"/>
-              </a:rPr>
-              <a:t> </a:t>
-            </a:r>
-            <a:r>
-              <a:rPr lang="en-US" dirty="0" err="1" smtClean="0">
-                <a:solidFill>
-                  <a:srgbClr val="FF0000"/>
-                </a:solidFill>
-                <a:latin typeface="Arial" panose="020B0604020202020204" pitchFamily="34" charset="0"/>
-                <a:cs typeface="Arial" panose="020B0604020202020204" pitchFamily="34" charset="0"/>
-              </a:rPr>
-              <a:t>tốc</a:t>
-            </a:r>
-            <a:r>
-              <a:rPr lang="en-US" dirty="0" smtClean="0">
-                <a:solidFill>
-                  <a:srgbClr val="FF0000"/>
-                </a:solidFill>
-                <a:latin typeface="Arial" panose="020B0604020202020204" pitchFamily="34" charset="0"/>
-                <a:cs typeface="Arial" panose="020B0604020202020204" pitchFamily="34" charset="0"/>
-              </a:rPr>
-              <a:t> 3 </a:t>
-            </a:r>
-            <a:r>
-              <a:rPr lang="en-US" dirty="0" err="1" smtClean="0">
-                <a:solidFill>
-                  <a:srgbClr val="FF0000"/>
-                </a:solidFill>
-                <a:latin typeface="Arial" panose="020B0604020202020204" pitchFamily="34" charset="0"/>
-                <a:cs typeface="Arial" panose="020B0604020202020204" pitchFamily="34" charset="0"/>
-              </a:rPr>
-              <a:t>trục</a:t>
-            </a:r>
-            <a:endParaRPr lang="en-US" dirty="0">
-              <a:solidFill>
-                <a:srgbClr val="FF0000"/>
-              </a:solidFill>
-              <a:latin typeface="Arial" panose="020B0604020202020204" pitchFamily="34" charset="0"/>
-              <a:cs typeface="Arial" panose="020B0604020202020204" pitchFamily="34" charset="0"/>
-            </a:endParaRPr>
-          </a:p>
-        </p:txBody>
-      </p:sp>
-      <p:sp>
-        <p:nvSpPr>
-          <p:cNvPr id="3" name="Content Placeholder 2"/>
-          <p:cNvSpPr>
-            <a:spLocks noGrp="1"/>
-          </p:cNvSpPr>
-          <p:nvPr>
-            <p:ph idx="1"/>
-          </p:nvPr>
-        </p:nvSpPr>
-        <p:spPr/>
-        <p:txBody>
-          <a:bodyPr/>
-          <a:lstStyle/>
-          <a:p>
-            <a:endParaRPr lang="en-US"/>
-          </a:p>
-        </p:txBody>
-      </p:sp>
+            <a:endParaRPr lang="en-US" dirty="0"/>
+          </a:p>
+        </p:txBody>
+      </p:sp>
+      <p:pic>
+        <p:nvPicPr>
+          <p:cNvPr id="3074" name="Picture 2" descr="Image result for cáº£m biáº¿n"/>
+          <p:cNvPicPr>
+            <a:picLocks noChangeAspect="1" noChangeArrowheads="1"/>
+          </p:cNvPicPr>
+          <p:nvPr/>
+        </p:nvPicPr>
+        <p:blipFill>
+          <a:blip r:embed="rId2">
+            <a:extLst>
+              <a:ext uri="{28A0092B-C50C-407E-A947-70E740481C1C}">
+                <a14:useLocalDpi xmlns:a14="http://schemas.microsoft.com/office/drawing/2010/main" val="0"/>
+              </a:ext>
+            </a:extLst>
+          </a:blip>
+          <a:srcRect/>
+          <a:stretch>
+            <a:fillRect/>
+          </a:stretch>
+        </p:blipFill>
+        <p:spPr bwMode="auto">
+          <a:xfrm>
+            <a:off x="838200" y="1690689"/>
+            <a:ext cx="2496671" cy="1625106"/>
+          </a:xfrm>
+          <a:prstGeom prst="rect">
+            <a:avLst/>
+          </a:prstGeom>
+          <a:noFill/>
+          <a:extLst>
+            <a:ext uri="{909E8E84-426E-40DD-AFC4-6F175D3DCCD1}">
+              <a14:hiddenFill xmlns:a14="http://schemas.microsoft.com/office/drawing/2010/main">
+                <a:solidFill>
+                  <a:srgbClr val="FFFFFF"/>
+                </a:solidFill>
+              </a14:hiddenFill>
+            </a:ext>
+          </a:extLst>
+        </p:spPr>
+      </p:pic>
+      <p:pic>
+        <p:nvPicPr>
+          <p:cNvPr id="3076" name="Picture 4" descr="Image result for cáº£m biáº¿n"/>
+          <p:cNvPicPr>
+            <a:picLocks noChangeAspect="1" noChangeArrowheads="1"/>
+          </p:cNvPicPr>
+          <p:nvPr/>
+        </p:nvPicPr>
+        <p:blipFill>
+          <a:blip r:embed="rId3" cstate="print">
+            <a:extLst>
+              <a:ext uri="{28A0092B-C50C-407E-A947-70E740481C1C}">
+                <a14:useLocalDpi xmlns:a14="http://schemas.microsoft.com/office/drawing/2010/main" val="0"/>
+              </a:ext>
+            </a:extLst>
+          </a:blip>
+          <a:srcRect/>
+          <a:stretch>
+            <a:fillRect/>
+          </a:stretch>
+        </p:blipFill>
+        <p:spPr bwMode="auto">
+          <a:xfrm>
+            <a:off x="3334871" y="1690689"/>
+            <a:ext cx="2259105" cy="1694329"/>
+          </a:xfrm>
+          <a:prstGeom prst="rect">
+            <a:avLst/>
+          </a:prstGeom>
+          <a:noFill/>
+          <a:extLst>
+            <a:ext uri="{909E8E84-426E-40DD-AFC4-6F175D3DCCD1}">
+              <a14:hiddenFill xmlns:a14="http://schemas.microsoft.com/office/drawing/2010/main">
+                <a:solidFill>
+                  <a:srgbClr val="FFFFFF"/>
+                </a:solidFill>
+              </a14:hiddenFill>
+            </a:ext>
+          </a:extLst>
+        </p:spPr>
+      </p:pic>
+      <p:pic>
+        <p:nvPicPr>
+          <p:cNvPr id="3078" name="Picture 6" descr="Image result for cáº£m biáº¿n"/>
+          <p:cNvPicPr>
+            <a:picLocks noChangeAspect="1" noChangeArrowheads="1"/>
+          </p:cNvPicPr>
+          <p:nvPr/>
+        </p:nvPicPr>
+        <p:blipFill>
+          <a:blip r:embed="rId4" cstate="print">
+            <a:extLst>
+              <a:ext uri="{28A0092B-C50C-407E-A947-70E740481C1C}">
+                <a14:useLocalDpi xmlns:a14="http://schemas.microsoft.com/office/drawing/2010/main" val="0"/>
+              </a:ext>
+            </a:extLst>
+          </a:blip>
+          <a:srcRect/>
+          <a:stretch>
+            <a:fillRect/>
+          </a:stretch>
+        </p:blipFill>
+        <p:spPr bwMode="auto">
+          <a:xfrm>
+            <a:off x="5593976" y="1690688"/>
+            <a:ext cx="1592356" cy="1592356"/>
+          </a:xfrm>
+          <a:prstGeom prst="rect">
+            <a:avLst/>
+          </a:prstGeom>
+          <a:noFill/>
+          <a:extLst>
+            <a:ext uri="{909E8E84-426E-40DD-AFC4-6F175D3DCCD1}">
+              <a14:hiddenFill xmlns:a14="http://schemas.microsoft.com/office/drawing/2010/main">
+                <a:solidFill>
+                  <a:srgbClr val="FFFFFF"/>
+                </a:solidFill>
+              </a14:hiddenFill>
+            </a:ext>
+          </a:extLst>
+        </p:spPr>
+      </p:pic>
+      <p:pic>
+        <p:nvPicPr>
+          <p:cNvPr id="3080" name="Picture 8" descr="Image result for cáº£m biáº¿n"/>
+          <p:cNvPicPr>
+            <a:picLocks noChangeAspect="1" noChangeArrowheads="1"/>
+          </p:cNvPicPr>
+          <p:nvPr/>
+        </p:nvPicPr>
+        <p:blipFill>
+          <a:blip r:embed="rId5" cstate="print">
+            <a:extLst>
+              <a:ext uri="{28A0092B-C50C-407E-A947-70E740481C1C}">
+                <a14:useLocalDpi xmlns:a14="http://schemas.microsoft.com/office/drawing/2010/main" val="0"/>
+              </a:ext>
+            </a:extLst>
+          </a:blip>
+          <a:srcRect/>
+          <a:stretch>
+            <a:fillRect/>
+          </a:stretch>
+        </p:blipFill>
+        <p:spPr bwMode="auto">
+          <a:xfrm>
+            <a:off x="7492252" y="1690688"/>
+            <a:ext cx="1953185" cy="1627654"/>
+          </a:xfrm>
+          <a:prstGeom prst="rect">
+            <a:avLst/>
+          </a:prstGeom>
+          <a:noFill/>
+          <a:extLst>
+            <a:ext uri="{909E8E84-426E-40DD-AFC4-6F175D3DCCD1}">
+              <a14:hiddenFill xmlns:a14="http://schemas.microsoft.com/office/drawing/2010/main">
+                <a:solidFill>
+                  <a:srgbClr val="FFFFFF"/>
+                </a:solidFill>
+              </a14:hiddenFill>
+            </a:ext>
+          </a:extLst>
+        </p:spPr>
+      </p:pic>
+      <p:pic>
+        <p:nvPicPr>
+          <p:cNvPr id="3082" name="Picture 10" descr="Image result for cáº£m biáº¿n"/>
+          <p:cNvPicPr>
+            <a:picLocks noChangeAspect="1" noChangeArrowheads="1"/>
+          </p:cNvPicPr>
+          <p:nvPr/>
+        </p:nvPicPr>
+        <p:blipFill rotWithShape="1">
+          <a:blip r:embed="rId6" cstate="print">
+            <a:extLst>
+              <a:ext uri="{28A0092B-C50C-407E-A947-70E740481C1C}">
+                <a14:useLocalDpi xmlns:a14="http://schemas.microsoft.com/office/drawing/2010/main" val="0"/>
+              </a:ext>
+            </a:extLst>
+          </a:blip>
+          <a:srcRect b="6824"/>
+          <a:stretch/>
+        </p:blipFill>
+        <p:spPr bwMode="auto">
+          <a:xfrm>
+            <a:off x="9445437" y="1690688"/>
+            <a:ext cx="1729069" cy="1691025"/>
+          </a:xfrm>
+          <a:prstGeom prst="rect">
+            <a:avLst/>
+          </a:prstGeom>
+          <a:noFill/>
+          <a:extLst>
+            <a:ext uri="{909E8E84-426E-40DD-AFC4-6F175D3DCCD1}">
+              <a14:hiddenFill xmlns:a14="http://schemas.microsoft.com/office/drawing/2010/main">
+                <a:solidFill>
+                  <a:srgbClr val="FFFFFF"/>
+                </a:solidFill>
+              </a14:hiddenFill>
+            </a:ext>
+          </a:extLst>
+        </p:spPr>
+      </p:pic>
+      <p:pic>
+        <p:nvPicPr>
+          <p:cNvPr id="3084" name="Picture 12" descr="Image result for cáº£m biáº¿n"/>
+          <p:cNvPicPr>
+            <a:picLocks noChangeAspect="1" noChangeArrowheads="1"/>
+          </p:cNvPicPr>
+          <p:nvPr/>
+        </p:nvPicPr>
+        <p:blipFill rotWithShape="1">
+          <a:blip r:embed="rId7" cstate="print">
+            <a:extLst>
+              <a:ext uri="{28A0092B-C50C-407E-A947-70E740481C1C}">
+                <a14:useLocalDpi xmlns:a14="http://schemas.microsoft.com/office/drawing/2010/main" val="0"/>
+              </a:ext>
+            </a:extLst>
+          </a:blip>
+          <a:srcRect r="39681"/>
+          <a:stretch/>
+        </p:blipFill>
+        <p:spPr bwMode="auto">
+          <a:xfrm>
+            <a:off x="838200" y="3946490"/>
+            <a:ext cx="1999129" cy="2212263"/>
+          </a:xfrm>
+          <a:prstGeom prst="rect">
+            <a:avLst/>
+          </a:prstGeom>
+          <a:noFill/>
+          <a:extLst>
+            <a:ext uri="{909E8E84-426E-40DD-AFC4-6F175D3DCCD1}">
+              <a14:hiddenFill xmlns:a14="http://schemas.microsoft.com/office/drawing/2010/main">
+                <a:solidFill>
+                  <a:srgbClr val="FFFFFF"/>
+                </a:solidFill>
+              </a14:hiddenFill>
+            </a:ext>
+          </a:extLst>
+        </p:spPr>
+      </p:pic>
+      <p:pic>
+        <p:nvPicPr>
+          <p:cNvPr id="3088" name="Picture 16" descr="Image result for cáº£m biáº¿n má»ng máº¯t"/>
+          <p:cNvPicPr>
+            <a:picLocks noChangeAspect="1" noChangeArrowheads="1"/>
+          </p:cNvPicPr>
+          <p:nvPr/>
+        </p:nvPicPr>
+        <p:blipFill rotWithShape="1">
+          <a:blip r:embed="rId8">
+            <a:extLst>
+              <a:ext uri="{28A0092B-C50C-407E-A947-70E740481C1C}">
+                <a14:useLocalDpi xmlns:a14="http://schemas.microsoft.com/office/drawing/2010/main" val="0"/>
+              </a:ext>
+            </a:extLst>
+          </a:blip>
+          <a:srcRect l="-360" r="-1"/>
+          <a:stretch/>
+        </p:blipFill>
+        <p:spPr bwMode="auto">
+          <a:xfrm>
+            <a:off x="8205509" y="3937900"/>
+            <a:ext cx="2968997" cy="2216558"/>
+          </a:xfrm>
+          <a:prstGeom prst="rect">
+            <a:avLst/>
+          </a:prstGeom>
+          <a:noFill/>
+          <a:extLst>
+            <a:ext uri="{909E8E84-426E-40DD-AFC4-6F175D3DCCD1}">
+              <a14:hiddenFill xmlns:a14="http://schemas.microsoft.com/office/drawing/2010/main">
+                <a:solidFill>
+                  <a:srgbClr val="FFFFFF"/>
+                </a:solidFill>
+              </a14:hiddenFill>
+            </a:ext>
+          </a:extLst>
+        </p:spPr>
+      </p:pic>
+      <p:pic>
+        <p:nvPicPr>
+          <p:cNvPr id="3090" name="Picture 18" descr="Image result for cáº£m biáº¿n face id"/>
+          <p:cNvPicPr>
+            <a:picLocks noChangeAspect="1" noChangeArrowheads="1"/>
+          </p:cNvPicPr>
+          <p:nvPr/>
+        </p:nvPicPr>
+        <p:blipFill rotWithShape="1">
+          <a:blip r:embed="rId9">
+            <a:extLst>
+              <a:ext uri="{28A0092B-C50C-407E-A947-70E740481C1C}">
+                <a14:useLocalDpi xmlns:a14="http://schemas.microsoft.com/office/drawing/2010/main" val="0"/>
+              </a:ext>
+            </a:extLst>
+          </a:blip>
+          <a:srcRect r="18924"/>
+          <a:stretch/>
+        </p:blipFill>
+        <p:spPr bwMode="auto">
+          <a:xfrm>
+            <a:off x="4818529" y="3942194"/>
+            <a:ext cx="3432756" cy="2212264"/>
+          </a:xfrm>
+          <a:prstGeom prst="rect">
+            <a:avLst/>
+          </a:prstGeom>
+          <a:noFill/>
+          <a:extLst>
+            <a:ext uri="{909E8E84-426E-40DD-AFC4-6F175D3DCCD1}">
+              <a14:hiddenFill xmlns:a14="http://schemas.microsoft.com/office/drawing/2010/main">
+                <a:solidFill>
+                  <a:srgbClr val="FFFFFF"/>
+                </a:solidFill>
+              </a14:hiddenFill>
+            </a:ext>
+          </a:extLst>
+        </p:spPr>
+      </p:pic>
+      <p:pic>
+        <p:nvPicPr>
+          <p:cNvPr id="3092" name="Picture 20" descr="Image result for cáº£m biáº¿n vÃ¢n tay"/>
+          <p:cNvPicPr>
+            <a:picLocks noChangeAspect="1" noChangeArrowheads="1"/>
+          </p:cNvPicPr>
+          <p:nvPr/>
+        </p:nvPicPr>
+        <p:blipFill rotWithShape="1">
+          <a:blip r:embed="rId10">
+            <a:extLst>
+              <a:ext uri="{28A0092B-C50C-407E-A947-70E740481C1C}">
+                <a14:useLocalDpi xmlns:a14="http://schemas.microsoft.com/office/drawing/2010/main" val="0"/>
+              </a:ext>
+            </a:extLst>
+          </a:blip>
+          <a:srcRect l="22710" t="5835" r="22795" b="4941"/>
+          <a:stretch/>
+        </p:blipFill>
+        <p:spPr bwMode="auto">
+          <a:xfrm>
+            <a:off x="2925406" y="3937900"/>
+            <a:ext cx="1805045" cy="2216558"/>
+          </a:xfrm>
+          <a:prstGeom prst="rect">
+            <a:avLst/>
+          </a:prstGeom>
+          <a:noFill/>
+          <a:extLst>
+            <a:ext uri="{909E8E84-426E-40DD-AFC4-6F175D3DCCD1}">
+              <a14:hiddenFill xmlns:a14="http://schemas.microsoft.com/office/drawing/2010/main">
+                <a:solidFill>
+                  <a:srgbClr val="FFFFFF"/>
+                </a:solidFill>
+              </a14:hiddenFill>
+            </a:ext>
+          </a:extLst>
+        </p:spPr>
+      </p:pic>
     </p:spTree>
     <p:extLst>
       <p:ext uri="{BB962C8B-B14F-4D97-AF65-F5344CB8AC3E}">
-        <p14:creationId xmlns:p14="http://schemas.microsoft.com/office/powerpoint/2010/main" val="3953072303"/>
+        <p14:creationId xmlns:p14="http://schemas.microsoft.com/office/powerpoint/2010/main" val="1586448461"/>
       </p:ext>
     </p:extLst>
   </p:cSld>
@@ -3795,27 +5005,17 @@
           <a:lstStyle/>
           <a:p>
             <a:r>
-              <a:rPr lang="en-US" dirty="0" smtClean="0">
-                <a:solidFill>
-                  <a:srgbClr val="FF0000"/>
-                </a:solidFill>
-                <a:latin typeface="Arial" panose="020B0604020202020204" pitchFamily="34" charset="0"/>
-                <a:cs typeface="Arial" panose="020B0604020202020204" pitchFamily="34" charset="0"/>
-              </a:rPr>
-              <a:t>Vi </a:t>
-            </a:r>
-            <a:r>
-              <a:rPr lang="en-US" dirty="0" err="1" smtClean="0">
-                <a:solidFill>
-                  <a:srgbClr val="FF0000"/>
-                </a:solidFill>
-                <a:latin typeface="Arial" panose="020B0604020202020204" pitchFamily="34" charset="0"/>
-                <a:cs typeface="Arial" panose="020B0604020202020204" pitchFamily="34" charset="0"/>
-              </a:rPr>
-              <a:t>điều</a:t>
-            </a:r>
-            <a:r>
-              <a:rPr lang="en-US" dirty="0" smtClean="0">
+              <a:rPr lang="en-US" dirty="0" err="1">
+                <a:solidFill>
+                  <a:srgbClr val="FF0000"/>
+                </a:solidFill>
+                <a:latin typeface="Arial" panose="020B0604020202020204" pitchFamily="34" charset="0"/>
+                <a:cs typeface="Arial" panose="020B0604020202020204" pitchFamily="34" charset="0"/>
+              </a:rPr>
+              <a:t>Cảm</a:t>
+            </a:r>
+            <a:r>
+              <a:rPr lang="en-US" dirty="0">
                 <a:solidFill>
                   <a:srgbClr val="FF0000"/>
                 </a:solidFill>
@@ -3825,58 +5025,122 @@
               <a:t> </a:t>
             </a:r>
             <a:r>
-              <a:rPr lang="en-US" dirty="0" err="1" smtClean="0">
-                <a:solidFill>
-                  <a:srgbClr val="FF0000"/>
-                </a:solidFill>
-                <a:latin typeface="Arial" panose="020B0604020202020204" pitchFamily="34" charset="0"/>
-                <a:cs typeface="Arial" panose="020B0604020202020204" pitchFamily="34" charset="0"/>
-              </a:rPr>
-              <a:t>khiển</a:t>
-            </a:r>
-            <a:r>
-              <a:rPr lang="en-US" dirty="0" smtClean="0">
-                <a:solidFill>
-                  <a:srgbClr val="FF0000"/>
-                </a:solidFill>
-                <a:latin typeface="Arial" panose="020B0604020202020204" pitchFamily="34" charset="0"/>
-                <a:cs typeface="Arial" panose="020B0604020202020204" pitchFamily="34" charset="0"/>
-              </a:rPr>
-              <a:t> 32 bit</a:t>
-            </a:r>
-            <a:endParaRPr lang="en-US" dirty="0">
-              <a:solidFill>
-                <a:srgbClr val="FF0000"/>
-              </a:solidFill>
-              <a:latin typeface="Arial" panose="020B0604020202020204" pitchFamily="34" charset="0"/>
-              <a:cs typeface="Arial" panose="020B0604020202020204" pitchFamily="34" charset="0"/>
-            </a:endParaRPr>
-          </a:p>
-        </p:txBody>
-      </p:sp>
-      <p:sp>
-        <p:nvSpPr>
-          <p:cNvPr id="3" name="Content Placeholder 2"/>
-          <p:cNvSpPr>
-            <a:spLocks noGrp="1"/>
-          </p:cNvSpPr>
-          <p:nvPr>
-            <p:ph idx="1"/>
-          </p:nvPr>
-        </p:nvSpPr>
-        <p:spPr/>
-        <p:txBody>
-          <a:bodyPr/>
-          <a:lstStyle/>
-          <a:p>
-            <a:endParaRPr lang="en-US"/>
-          </a:p>
-        </p:txBody>
-      </p:sp>
+              <a:rPr lang="en-US" dirty="0" err="1">
+                <a:solidFill>
+                  <a:srgbClr val="FF0000"/>
+                </a:solidFill>
+                <a:latin typeface="Arial" panose="020B0604020202020204" pitchFamily="34" charset="0"/>
+                <a:cs typeface="Arial" panose="020B0604020202020204" pitchFamily="34" charset="0"/>
+              </a:rPr>
+              <a:t>biến</a:t>
+            </a:r>
+            <a:r>
+              <a:rPr lang="en-US" dirty="0">
+                <a:solidFill>
+                  <a:srgbClr val="FF0000"/>
+                </a:solidFill>
+                <a:latin typeface="Arial" panose="020B0604020202020204" pitchFamily="34" charset="0"/>
+                <a:cs typeface="Arial" panose="020B0604020202020204" pitchFamily="34" charset="0"/>
+              </a:rPr>
+              <a:t> </a:t>
+            </a:r>
+            <a:r>
+              <a:rPr lang="en-US" dirty="0" err="1">
+                <a:solidFill>
+                  <a:srgbClr val="FF0000"/>
+                </a:solidFill>
+                <a:latin typeface="Arial" panose="020B0604020202020204" pitchFamily="34" charset="0"/>
+                <a:cs typeface="Arial" panose="020B0604020202020204" pitchFamily="34" charset="0"/>
+              </a:rPr>
+              <a:t>gia</a:t>
+            </a:r>
+            <a:r>
+              <a:rPr lang="en-US" dirty="0">
+                <a:solidFill>
+                  <a:srgbClr val="FF0000"/>
+                </a:solidFill>
+                <a:latin typeface="Arial" panose="020B0604020202020204" pitchFamily="34" charset="0"/>
+                <a:cs typeface="Arial" panose="020B0604020202020204" pitchFamily="34" charset="0"/>
+              </a:rPr>
+              <a:t> </a:t>
+            </a:r>
+            <a:r>
+              <a:rPr lang="en-US" dirty="0" err="1">
+                <a:solidFill>
+                  <a:srgbClr val="FF0000"/>
+                </a:solidFill>
+                <a:latin typeface="Arial" panose="020B0604020202020204" pitchFamily="34" charset="0"/>
+                <a:cs typeface="Arial" panose="020B0604020202020204" pitchFamily="34" charset="0"/>
+              </a:rPr>
+              <a:t>tốc</a:t>
+            </a:r>
+            <a:r>
+              <a:rPr lang="en-US" dirty="0">
+                <a:solidFill>
+                  <a:srgbClr val="FF0000"/>
+                </a:solidFill>
+                <a:latin typeface="Arial" panose="020B0604020202020204" pitchFamily="34" charset="0"/>
+                <a:cs typeface="Arial" panose="020B0604020202020204" pitchFamily="34" charset="0"/>
+              </a:rPr>
+              <a:t> 3 </a:t>
+            </a:r>
+            <a:r>
+              <a:rPr lang="en-US" dirty="0" err="1">
+                <a:solidFill>
+                  <a:srgbClr val="FF0000"/>
+                </a:solidFill>
+                <a:latin typeface="Arial" panose="020B0604020202020204" pitchFamily="34" charset="0"/>
+                <a:cs typeface="Arial" panose="020B0604020202020204" pitchFamily="34" charset="0"/>
+              </a:rPr>
+              <a:t>trục</a:t>
+            </a:r>
+            <a:endParaRPr lang="en-US" dirty="0"/>
+          </a:p>
+        </p:txBody>
+      </p:sp>
+      <p:pic>
+        <p:nvPicPr>
+          <p:cNvPr id="9218" name="Picture 2" descr="Image result for cáº£m biáº¿n gia tá»c 3 trá»¥c"/>
+          <p:cNvPicPr>
+            <a:picLocks noChangeAspect="1" noChangeArrowheads="1"/>
+          </p:cNvPicPr>
+          <p:nvPr/>
+        </p:nvPicPr>
+        <p:blipFill rotWithShape="1">
+          <a:blip r:embed="rId2">
+            <a:extLst>
+              <a:ext uri="{28A0092B-C50C-407E-A947-70E740481C1C}">
+                <a14:useLocalDpi xmlns:a14="http://schemas.microsoft.com/office/drawing/2010/main" val="0"/>
+              </a:ext>
+            </a:extLst>
+          </a:blip>
+          <a:srcRect t="21177" b="15765"/>
+          <a:stretch/>
+        </p:blipFill>
+        <p:spPr bwMode="auto">
+          <a:xfrm>
+            <a:off x="2554941" y="1690688"/>
+            <a:ext cx="7082118" cy="4465901"/>
+          </a:xfrm>
+          <a:prstGeom prst="rect">
+            <a:avLst/>
+          </a:prstGeom>
+          <a:noFill/>
+          <a:extLst>
+            <a:ext uri="{909E8E84-426E-40DD-AFC4-6F175D3DCCD1}">
+              <a14:hiddenFill xmlns:a14="http://schemas.microsoft.com/office/drawing/2010/main">
+                <a:solidFill>
+                  <a:srgbClr val="FFFFFF"/>
+                </a:solidFill>
+              </a14:hiddenFill>
+            </a:ext>
+          </a:extLst>
+        </p:spPr>
+      </p:pic>
     </p:spTree>
     <p:extLst>
       <p:ext uri="{BB962C8B-B14F-4D97-AF65-F5344CB8AC3E}">
-        <p14:creationId xmlns:p14="http://schemas.microsoft.com/office/powerpoint/2010/main" val="1206098135"/>
+        <p14:creationId xmlns:p14="http://schemas.microsoft.com/office/powerpoint/2010/main" val="1093357644"/>
       </p:ext>
     </p:extLst>
   </p:cSld>
@@ -3926,6 +5190,36 @@
           <a:lstStyle/>
           <a:p>
             <a:r>
+              <a:rPr lang="en-US" dirty="0">
+                <a:solidFill>
+                  <a:srgbClr val="FF0000"/>
+                </a:solidFill>
+                <a:latin typeface="Arial" panose="020B0604020202020204" pitchFamily="34" charset="0"/>
+                <a:cs typeface="Arial" panose="020B0604020202020204" pitchFamily="34" charset="0"/>
+              </a:rPr>
+              <a:t>Vi </a:t>
+            </a:r>
+            <a:r>
+              <a:rPr lang="en-US" dirty="0" err="1">
+                <a:solidFill>
+                  <a:srgbClr val="FF0000"/>
+                </a:solidFill>
+                <a:latin typeface="Arial" panose="020B0604020202020204" pitchFamily="34" charset="0"/>
+                <a:cs typeface="Arial" panose="020B0604020202020204" pitchFamily="34" charset="0"/>
+              </a:rPr>
+              <a:t>điều</a:t>
+            </a:r>
+            <a:r>
+              <a:rPr lang="en-US" dirty="0">
+                <a:solidFill>
+                  <a:srgbClr val="FF0000"/>
+                </a:solidFill>
+                <a:latin typeface="Arial" panose="020B0604020202020204" pitchFamily="34" charset="0"/>
+                <a:cs typeface="Arial" panose="020B0604020202020204" pitchFamily="34" charset="0"/>
+              </a:rPr>
+              <a:t> </a:t>
+            </a:r>
+            <a:r>
               <a:rPr lang="en-US" dirty="0" err="1" smtClean="0">
                 <a:solidFill>
                   <a:srgbClr val="FF0000"/>
@@ -3933,181 +5227,80 @@
                 <a:latin typeface="Arial" panose="020B0604020202020204" pitchFamily="34" charset="0"/>
                 <a:cs typeface="Arial" panose="020B0604020202020204" pitchFamily="34" charset="0"/>
               </a:rPr>
-              <a:t>Thiết</a:t>
-            </a:r>
-            <a:r>
-              <a:rPr lang="en-US" dirty="0" smtClean="0">
-                <a:solidFill>
-                  <a:srgbClr val="FF0000"/>
-                </a:solidFill>
-                <a:latin typeface="Arial" panose="020B0604020202020204" pitchFamily="34" charset="0"/>
-                <a:cs typeface="Arial" panose="020B0604020202020204" pitchFamily="34" charset="0"/>
-              </a:rPr>
-              <a:t> </a:t>
-            </a:r>
-            <a:r>
-              <a:rPr lang="en-US" dirty="0" err="1" smtClean="0">
-                <a:solidFill>
-                  <a:srgbClr val="FF0000"/>
-                </a:solidFill>
-                <a:latin typeface="Arial" panose="020B0604020202020204" pitchFamily="34" charset="0"/>
-                <a:cs typeface="Arial" panose="020B0604020202020204" pitchFamily="34" charset="0"/>
-              </a:rPr>
-              <a:t>kế</a:t>
-            </a:r>
-            <a:r>
-              <a:rPr lang="en-US" dirty="0" smtClean="0">
-                <a:solidFill>
-                  <a:srgbClr val="FF0000"/>
-                </a:solidFill>
-                <a:latin typeface="Arial" panose="020B0604020202020204" pitchFamily="34" charset="0"/>
-                <a:cs typeface="Arial" panose="020B0604020202020204" pitchFamily="34" charset="0"/>
-              </a:rPr>
-              <a:t>, </a:t>
-            </a:r>
-            <a:r>
-              <a:rPr lang="en-US" dirty="0" err="1" smtClean="0">
-                <a:solidFill>
-                  <a:srgbClr val="FF0000"/>
-                </a:solidFill>
-                <a:latin typeface="Arial" panose="020B0604020202020204" pitchFamily="34" charset="0"/>
-                <a:cs typeface="Arial" panose="020B0604020202020204" pitchFamily="34" charset="0"/>
-              </a:rPr>
-              <a:t>chế</a:t>
-            </a:r>
-            <a:r>
-              <a:rPr lang="en-US" dirty="0" smtClean="0">
-                <a:solidFill>
-                  <a:srgbClr val="FF0000"/>
-                </a:solidFill>
-                <a:latin typeface="Arial" panose="020B0604020202020204" pitchFamily="34" charset="0"/>
-                <a:cs typeface="Arial" panose="020B0604020202020204" pitchFamily="34" charset="0"/>
-              </a:rPr>
-              <a:t> </a:t>
-            </a:r>
-            <a:r>
-              <a:rPr lang="en-US" dirty="0" err="1" smtClean="0">
-                <a:solidFill>
-                  <a:srgbClr val="FF0000"/>
-                </a:solidFill>
-                <a:latin typeface="Arial" panose="020B0604020202020204" pitchFamily="34" charset="0"/>
-                <a:cs typeface="Arial" panose="020B0604020202020204" pitchFamily="34" charset="0"/>
-              </a:rPr>
-              <a:t>tạo</a:t>
-            </a:r>
-            <a:r>
-              <a:rPr lang="en-US" dirty="0" smtClean="0">
-                <a:solidFill>
-                  <a:srgbClr val="FF0000"/>
-                </a:solidFill>
-                <a:latin typeface="Arial" panose="020B0604020202020204" pitchFamily="34" charset="0"/>
-                <a:cs typeface="Arial" panose="020B0604020202020204" pitchFamily="34" charset="0"/>
-              </a:rPr>
-              <a:t> </a:t>
-            </a:r>
-            <a:r>
-              <a:rPr lang="en-US" dirty="0" err="1" smtClean="0">
-                <a:solidFill>
-                  <a:srgbClr val="FF0000"/>
-                </a:solidFill>
-                <a:latin typeface="Arial" panose="020B0604020202020204" pitchFamily="34" charset="0"/>
-                <a:cs typeface="Arial" panose="020B0604020202020204" pitchFamily="34" charset="0"/>
-              </a:rPr>
-              <a:t>xe</a:t>
-            </a:r>
-            <a:r>
-              <a:rPr lang="en-US" dirty="0" smtClean="0">
-                <a:solidFill>
-                  <a:srgbClr val="FF0000"/>
-                </a:solidFill>
-                <a:latin typeface="Arial" panose="020B0604020202020204" pitchFamily="34" charset="0"/>
-                <a:cs typeface="Arial" panose="020B0604020202020204" pitchFamily="34" charset="0"/>
-              </a:rPr>
-              <a:t> </a:t>
-            </a:r>
-            <a:r>
-              <a:rPr lang="en-US" dirty="0" err="1" smtClean="0">
-                <a:solidFill>
-                  <a:srgbClr val="FF0000"/>
-                </a:solidFill>
-                <a:latin typeface="Arial" panose="020B0604020202020204" pitchFamily="34" charset="0"/>
-                <a:cs typeface="Arial" panose="020B0604020202020204" pitchFamily="34" charset="0"/>
-              </a:rPr>
-              <a:t>tự</a:t>
-            </a:r>
-            <a:r>
-              <a:rPr lang="en-US" dirty="0" smtClean="0">
-                <a:solidFill>
-                  <a:srgbClr val="FF0000"/>
-                </a:solidFill>
-                <a:latin typeface="Arial" panose="020B0604020202020204" pitchFamily="34" charset="0"/>
-                <a:cs typeface="Arial" panose="020B0604020202020204" pitchFamily="34" charset="0"/>
-              </a:rPr>
-              <a:t> </a:t>
-            </a:r>
-            <a:r>
-              <a:rPr lang="en-US" dirty="0" err="1" smtClean="0">
-                <a:solidFill>
-                  <a:srgbClr val="FF0000"/>
-                </a:solidFill>
-                <a:latin typeface="Arial" panose="020B0604020202020204" pitchFamily="34" charset="0"/>
-                <a:cs typeface="Arial" panose="020B0604020202020204" pitchFamily="34" charset="0"/>
-              </a:rPr>
-              <a:t>cân</a:t>
-            </a:r>
-            <a:r>
-              <a:rPr lang="en-US" dirty="0" smtClean="0">
-                <a:solidFill>
-                  <a:srgbClr val="FF0000"/>
-                </a:solidFill>
-                <a:latin typeface="Arial" panose="020B0604020202020204" pitchFamily="34" charset="0"/>
-                <a:cs typeface="Arial" panose="020B0604020202020204" pitchFamily="34" charset="0"/>
-              </a:rPr>
-              <a:t> </a:t>
-            </a:r>
-            <a:r>
-              <a:rPr lang="en-US" dirty="0" err="1" smtClean="0">
-                <a:solidFill>
-                  <a:srgbClr val="FF0000"/>
-                </a:solidFill>
-                <a:latin typeface="Arial" panose="020B0604020202020204" pitchFamily="34" charset="0"/>
-                <a:cs typeface="Arial" panose="020B0604020202020204" pitchFamily="34" charset="0"/>
-              </a:rPr>
-              <a:t>bằng</a:t>
-            </a:r>
-            <a:endParaRPr lang="en-US" dirty="0">
-              <a:solidFill>
-                <a:srgbClr val="FF0000"/>
-              </a:solidFill>
-              <a:latin typeface="Arial" panose="020B0604020202020204" pitchFamily="34" charset="0"/>
-              <a:cs typeface="Arial" panose="020B0604020202020204" pitchFamily="34" charset="0"/>
-            </a:endParaRPr>
-          </a:p>
-        </p:txBody>
-      </p:sp>
-      <p:sp>
-        <p:nvSpPr>
-          <p:cNvPr id="3" name="Content Placeholder 2"/>
-          <p:cNvSpPr>
-            <a:spLocks noGrp="1"/>
-          </p:cNvSpPr>
-          <p:nvPr>
-            <p:ph idx="1"/>
-          </p:nvPr>
-        </p:nvSpPr>
-        <p:spPr/>
-        <p:txBody>
-          <a:bodyPr/>
-          <a:lstStyle/>
-          <a:p>
-            <a:endParaRPr lang="en-US"/>
-          </a:p>
-        </p:txBody>
-      </p:sp>
+              <a:t>khiển</a:t>
+            </a:r>
+            <a:endParaRPr lang="en-US" dirty="0"/>
+          </a:p>
+        </p:txBody>
+      </p:sp>
+      <p:pic>
+        <p:nvPicPr>
+          <p:cNvPr id="4" name="Picture 3"/>
+          <p:cNvPicPr>
+            <a:picLocks noChangeAspect="1"/>
+          </p:cNvPicPr>
+          <p:nvPr/>
+        </p:nvPicPr>
+        <p:blipFill rotWithShape="1">
+          <a:blip r:embed="rId2"/>
+          <a:srcRect b="15955"/>
+          <a:stretch/>
+        </p:blipFill>
+        <p:spPr>
+          <a:xfrm>
+            <a:off x="838200" y="2134441"/>
+            <a:ext cx="5876925" cy="3298171"/>
+          </a:xfrm>
+          <a:prstGeom prst="rect">
+            <a:avLst/>
+          </a:prstGeom>
+        </p:spPr>
+      </p:pic>
+      <p:pic>
+        <p:nvPicPr>
+          <p:cNvPr id="4100" name="Picture 4" descr="Image result for 32bit microcontroller"/>
+          <p:cNvPicPr>
+            <a:picLocks noChangeAspect="1" noChangeArrowheads="1"/>
+          </p:cNvPicPr>
+          <p:nvPr/>
+        </p:nvPicPr>
+        <p:blipFill>
+          <a:blip r:embed="rId3">
+            <a:extLst>
+              <a:ext uri="{28A0092B-C50C-407E-A947-70E740481C1C}">
+                <a14:useLocalDpi xmlns:a14="http://schemas.microsoft.com/office/drawing/2010/main" val="0"/>
+              </a:ext>
+            </a:extLst>
+          </a:blip>
+          <a:srcRect/>
+          <a:stretch>
+            <a:fillRect/>
+          </a:stretch>
+        </p:blipFill>
+        <p:spPr bwMode="auto">
+          <a:xfrm>
+            <a:off x="7484222" y="2134441"/>
+            <a:ext cx="3519954" cy="3358624"/>
+          </a:xfrm>
+          <a:prstGeom prst="rect">
+            <a:avLst/>
+          </a:prstGeom>
+          <a:noFill/>
+          <a:extLst>
+            <a:ext uri="{909E8E84-426E-40DD-AFC4-6F175D3DCCD1}">
+              <a14:hiddenFill xmlns:a14="http://schemas.microsoft.com/office/drawing/2010/main">
+                <a:solidFill>
+                  <a:srgbClr val="FFFFFF"/>
+                </a:solidFill>
+              </a14:hiddenFill>
+            </a:ext>
+          </a:extLst>
+        </p:spPr>
+      </p:pic>
     </p:spTree>
     <p:extLst>
       <p:ext uri="{BB962C8B-B14F-4D97-AF65-F5344CB8AC3E}">
-        <p14:creationId xmlns:p14="http://schemas.microsoft.com/office/powerpoint/2010/main" val="2425054788"/>
+        <p14:creationId xmlns:p14="http://schemas.microsoft.com/office/powerpoint/2010/main" val="2044568158"/>
       </p:ext>
     </p:extLst>
   </p:cSld>
@@ -4157,6 +5350,16 @@
           <a:lstStyle/>
           <a:p>
             <a:r>
+              <a:rPr lang="en-US" dirty="0" smtClean="0">
+                <a:solidFill>
+                  <a:srgbClr val="FF0000"/>
+                </a:solidFill>
+                <a:latin typeface="Arial" panose="020B0604020202020204" pitchFamily="34" charset="0"/>
+                <a:cs typeface="Arial" panose="020B0604020202020204" pitchFamily="34" charset="0"/>
+              </a:rPr>
+              <a:t>Vi </a:t>
+            </a:r>
+            <a:r>
               <a:rPr lang="en-US" dirty="0" err="1" smtClean="0">
                 <a:solidFill>
                   <a:srgbClr val="FF0000"/>
@@ -4164,7 +5367,7 @@
                 <a:latin typeface="Arial" panose="020B0604020202020204" pitchFamily="34" charset="0"/>
                 <a:cs typeface="Arial" panose="020B0604020202020204" pitchFamily="34" charset="0"/>
               </a:rPr>
-              <a:t>Kết</a:t>
+              <a:t>điều</a:t>
             </a:r>
             <a:r>
               <a:rPr lang="en-US" dirty="0" smtClean="0">
@@ -4184,7 +5387,17 @@
                 <a:latin typeface="Arial" panose="020B0604020202020204" pitchFamily="34" charset="0"/>
                 <a:cs typeface="Arial" panose="020B0604020202020204" pitchFamily="34" charset="0"/>
               </a:rPr>
-              <a:t>luận</a:t>
+              <a:t>khiển</a:t>
+            </a:r>
+            <a:r>
+              <a:rPr lang="en-US" dirty="0" smtClean="0">
+                <a:solidFill>
+                  <a:srgbClr val="FF0000"/>
+                </a:solidFill>
+                <a:latin typeface="Arial" panose="020B0604020202020204" pitchFamily="34" charset="0"/>
+                <a:cs typeface="Arial" panose="020B0604020202020204" pitchFamily="34" charset="0"/>
+              </a:rPr>
+              <a:t> 32 bit</a:t>
             </a:r>
             <a:endParaRPr lang="en-US" dirty="0">
               <a:solidFill>
@@ -4196,29 +5409,49 @@
           </a:p>
         </p:txBody>
       </p:sp>
-      <p:sp>
-        <p:nvSpPr>
-          <p:cNvPr id="3" name="Content Placeholder 2"/>
-          <p:cNvSpPr>
-            <a:spLocks noGrp="1"/>
-          </p:cNvSpPr>
-          <p:nvPr>
-            <p:ph idx="1"/>
-          </p:nvPr>
-        </p:nvSpPr>
-        <p:spPr/>
-        <p:txBody>
-          <a:bodyPr/>
-          <a:lstStyle/>
-          <a:p>
-            <a:endParaRPr lang="en-US"/>
-          </a:p>
-        </p:txBody>
-      </p:sp>
+      <p:pic>
+        <p:nvPicPr>
+          <p:cNvPr id="10244" name="Picture 4" descr="Image result for stm32f103c8t6 chip only"/>
+          <p:cNvPicPr>
+            <a:picLocks noChangeAspect="1" noChangeArrowheads="1"/>
+          </p:cNvPicPr>
+          <p:nvPr/>
+        </p:nvPicPr>
+        <p:blipFill rotWithShape="1">
+          <a:blip r:embed="rId2">
+            <a:extLst>
+              <a:ext uri="{28A0092B-C50C-407E-A947-70E740481C1C}">
+                <a14:useLocalDpi xmlns:a14="http://schemas.microsoft.com/office/drawing/2010/main" val="0"/>
+              </a:ext>
+            </a:extLst>
+          </a:blip>
+          <a:srcRect b="16340"/>
+          <a:stretch/>
+        </p:blipFill>
+        <p:spPr bwMode="auto">
+          <a:xfrm>
+            <a:off x="3254889" y="1690688"/>
+            <a:ext cx="5682222" cy="4753731"/>
+          </a:xfrm>
+          <a:prstGeom prst="rect">
+            <a:avLst/>
+          </a:prstGeom>
+          <a:noFill/>
+          <a:extLst>
+            <a:ext uri="{909E8E84-426E-40DD-AFC4-6F175D3DCCD1}">
+              <a14:hiddenFill xmlns:a14="http://schemas.microsoft.com/office/drawing/2010/main">
+                <a:solidFill>
+                  <a:srgbClr val="FFFFFF"/>
+                </a:solidFill>
+              </a14:hiddenFill>
+            </a:ext>
+          </a:extLst>
+        </p:spPr>
+      </p:pic>
     </p:spTree>
     <p:extLst>
       <p:ext uri="{BB962C8B-B14F-4D97-AF65-F5344CB8AC3E}">
-        <p14:creationId xmlns:p14="http://schemas.microsoft.com/office/powerpoint/2010/main" val="2676452344"/>
+        <p14:creationId xmlns:p14="http://schemas.microsoft.com/office/powerpoint/2010/main" val="1206098135"/>
       </p:ext>
     </p:extLst>
   </p:cSld>
@@ -4262,193 +5495,257 @@
             <p:ph type="title"/>
           </p:nvPr>
         </p:nvSpPr>
-        <p:spPr>
+        <p:spPr/>
+        <p:txBody>
+          <a:bodyPr/>
+          <a:lstStyle/>
+          <a:p>
+            <a:r>
+              <a:rPr lang="en-US" dirty="0">
+                <a:solidFill>
+                  <a:srgbClr val="FF0000"/>
+                </a:solidFill>
+                <a:latin typeface="Arial" panose="020B0604020202020204" pitchFamily="34" charset="0"/>
+                <a:cs typeface="Arial" panose="020B0604020202020204" pitchFamily="34" charset="0"/>
+              </a:rPr>
+              <a:t>Vi </a:t>
+            </a:r>
+            <a:r>
+              <a:rPr lang="en-US" dirty="0" err="1">
+                <a:solidFill>
+                  <a:srgbClr val="FF0000"/>
+                </a:solidFill>
+                <a:latin typeface="Arial" panose="020B0604020202020204" pitchFamily="34" charset="0"/>
+                <a:cs typeface="Arial" panose="020B0604020202020204" pitchFamily="34" charset="0"/>
+              </a:rPr>
+              <a:t>điều</a:t>
+            </a:r>
+            <a:r>
+              <a:rPr lang="en-US" dirty="0">
+                <a:solidFill>
+                  <a:srgbClr val="FF0000"/>
+                </a:solidFill>
+                <a:latin typeface="Arial" panose="020B0604020202020204" pitchFamily="34" charset="0"/>
+                <a:cs typeface="Arial" panose="020B0604020202020204" pitchFamily="34" charset="0"/>
+              </a:rPr>
+              <a:t> </a:t>
+            </a:r>
+            <a:r>
+              <a:rPr lang="en-US" dirty="0" err="1">
+                <a:solidFill>
+                  <a:srgbClr val="FF0000"/>
+                </a:solidFill>
+                <a:latin typeface="Arial" panose="020B0604020202020204" pitchFamily="34" charset="0"/>
+                <a:cs typeface="Arial" panose="020B0604020202020204" pitchFamily="34" charset="0"/>
+              </a:rPr>
+              <a:t>khiển</a:t>
+            </a:r>
+            <a:r>
+              <a:rPr lang="en-US" dirty="0">
+                <a:solidFill>
+                  <a:srgbClr val="FF0000"/>
+                </a:solidFill>
+                <a:latin typeface="Arial" panose="020B0604020202020204" pitchFamily="34" charset="0"/>
+                <a:cs typeface="Arial" panose="020B0604020202020204" pitchFamily="34" charset="0"/>
+              </a:rPr>
+              <a:t> 32 bit</a:t>
+            </a:r>
+            <a:endParaRPr lang="en-US" dirty="0"/>
+          </a:p>
+        </p:txBody>
+      </p:sp>
+      <p:pic>
+        <p:nvPicPr>
+          <p:cNvPr id="6146" name="Picture 2" descr="Architecture Valuable Idea 8 Bit Microcontroller Architecture And 32 Microcontrollers Theembeddedguy Com MCU WellSuited Design 8 Bit Microcontroller Architecture"/>
+          <p:cNvPicPr>
+            <a:picLocks noChangeAspect="1" noChangeArrowheads="1"/>
+          </p:cNvPicPr>
+          <p:nvPr/>
+        </p:nvPicPr>
+        <p:blipFill>
+          <a:blip r:embed="rId2">
+            <a:extLst>
+              <a:ext uri="{28A0092B-C50C-407E-A947-70E740481C1C}">
+                <a14:useLocalDpi xmlns:a14="http://schemas.microsoft.com/office/drawing/2010/main" val="0"/>
+              </a:ext>
+            </a:extLst>
+          </a:blip>
+          <a:srcRect/>
+          <a:stretch>
+            <a:fillRect/>
+          </a:stretch>
+        </p:blipFill>
+        <p:spPr bwMode="auto">
           <a:xfrm>
-            <a:off x="838200" y="365125"/>
-            <a:ext cx="10515600" cy="5860863"/>
+            <a:off x="2118846" y="1690688"/>
+            <a:ext cx="7119284" cy="4266971"/>
           </a:xfrm>
+          <a:prstGeom prst="rect">
+            <a:avLst/>
+          </a:prstGeom>
+          <a:noFill/>
+          <a:extLst>
+            <a:ext uri="{909E8E84-426E-40DD-AFC4-6F175D3DCCD1}">
+              <a14:hiddenFill xmlns:a14="http://schemas.microsoft.com/office/drawing/2010/main">
+                <a:solidFill>
+                  <a:srgbClr val="FFFFFF"/>
+                </a:solidFill>
+              </a14:hiddenFill>
+            </a:ext>
+          </a:extLst>
         </p:spPr>
-        <p:txBody>
-          <a:bodyPr>
-            <a:normAutofit/>
-          </a:bodyPr>
-          <a:lstStyle/>
-          <a:p>
-            <a:pPr algn="ctr"/>
-            <a:r>
-              <a:rPr lang="en-US" sz="5400" dirty="0" err="1" smtClean="0">
-                <a:solidFill>
-                  <a:srgbClr val="FF0000"/>
-                </a:solidFill>
-                <a:latin typeface="Arial" panose="020B0604020202020204" pitchFamily="34" charset="0"/>
-                <a:cs typeface="Arial" panose="020B0604020202020204" pitchFamily="34" charset="0"/>
-              </a:rPr>
-              <a:t>Cảm</a:t>
-            </a:r>
-            <a:r>
-              <a:rPr lang="en-US" sz="5400" dirty="0" smtClean="0">
-                <a:solidFill>
-                  <a:srgbClr val="FF0000"/>
-                </a:solidFill>
-                <a:latin typeface="Arial" panose="020B0604020202020204" pitchFamily="34" charset="0"/>
-                <a:cs typeface="Arial" panose="020B0604020202020204" pitchFamily="34" charset="0"/>
-              </a:rPr>
-              <a:t> </a:t>
-            </a:r>
-            <a:r>
-              <a:rPr lang="en-US" sz="5400" dirty="0" err="1" smtClean="0">
-                <a:solidFill>
-                  <a:srgbClr val="FF0000"/>
-                </a:solidFill>
-                <a:latin typeface="Arial" panose="020B0604020202020204" pitchFamily="34" charset="0"/>
-                <a:cs typeface="Arial" panose="020B0604020202020204" pitchFamily="34" charset="0"/>
-              </a:rPr>
-              <a:t>ơn</a:t>
-            </a:r>
-            <a:r>
-              <a:rPr lang="en-US" sz="5400" dirty="0" smtClean="0">
-                <a:solidFill>
-                  <a:srgbClr val="FF0000"/>
-                </a:solidFill>
-                <a:latin typeface="Arial" panose="020B0604020202020204" pitchFamily="34" charset="0"/>
-                <a:cs typeface="Arial" panose="020B0604020202020204" pitchFamily="34" charset="0"/>
-              </a:rPr>
-              <a:t> </a:t>
-            </a:r>
-            <a:r>
-              <a:rPr lang="en-US" sz="5400" dirty="0" err="1" smtClean="0">
-                <a:solidFill>
-                  <a:srgbClr val="FF0000"/>
-                </a:solidFill>
-                <a:latin typeface="Arial" panose="020B0604020202020204" pitchFamily="34" charset="0"/>
-                <a:cs typeface="Arial" panose="020B0604020202020204" pitchFamily="34" charset="0"/>
-              </a:rPr>
-              <a:t>quý</a:t>
-            </a:r>
-            <a:r>
-              <a:rPr lang="en-US" sz="5400" dirty="0" smtClean="0">
-                <a:solidFill>
-                  <a:srgbClr val="FF0000"/>
-                </a:solidFill>
-                <a:latin typeface="Arial" panose="020B0604020202020204" pitchFamily="34" charset="0"/>
-                <a:cs typeface="Arial" panose="020B0604020202020204" pitchFamily="34" charset="0"/>
-              </a:rPr>
-              <a:t> </a:t>
-            </a:r>
-            <a:r>
-              <a:rPr lang="en-US" sz="5400" dirty="0" err="1" smtClean="0">
-                <a:solidFill>
-                  <a:srgbClr val="FF0000"/>
-                </a:solidFill>
-                <a:latin typeface="Arial" panose="020B0604020202020204" pitchFamily="34" charset="0"/>
-                <a:cs typeface="Arial" panose="020B0604020202020204" pitchFamily="34" charset="0"/>
-              </a:rPr>
-              <a:t>thầy</a:t>
-            </a:r>
-            <a:r>
-              <a:rPr lang="en-US" sz="5400" dirty="0" smtClean="0">
-                <a:solidFill>
-                  <a:srgbClr val="FF0000"/>
-                </a:solidFill>
-                <a:latin typeface="Arial" panose="020B0604020202020204" pitchFamily="34" charset="0"/>
-                <a:cs typeface="Arial" panose="020B0604020202020204" pitchFamily="34" charset="0"/>
-              </a:rPr>
-              <a:t> </a:t>
-            </a:r>
-            <a:r>
-              <a:rPr lang="en-US" sz="5400" dirty="0" err="1" smtClean="0">
-                <a:solidFill>
-                  <a:srgbClr val="FF0000"/>
-                </a:solidFill>
-                <a:latin typeface="Arial" panose="020B0604020202020204" pitchFamily="34" charset="0"/>
-                <a:cs typeface="Arial" panose="020B0604020202020204" pitchFamily="34" charset="0"/>
-              </a:rPr>
-              <a:t>cô</a:t>
-            </a:r>
-            <a:r>
-              <a:rPr lang="en-US" sz="5400" dirty="0" smtClean="0">
-                <a:solidFill>
-                  <a:srgbClr val="FF0000"/>
-                </a:solidFill>
-                <a:latin typeface="Arial" panose="020B0604020202020204" pitchFamily="34" charset="0"/>
-                <a:cs typeface="Arial" panose="020B0604020202020204" pitchFamily="34" charset="0"/>
-              </a:rPr>
-              <a:t> </a:t>
-            </a:r>
-            <a:r>
-              <a:rPr lang="en-US" sz="5400" dirty="0" err="1" smtClean="0">
-                <a:solidFill>
-                  <a:srgbClr val="FF0000"/>
-                </a:solidFill>
-                <a:latin typeface="Arial" panose="020B0604020202020204" pitchFamily="34" charset="0"/>
-                <a:cs typeface="Arial" panose="020B0604020202020204" pitchFamily="34" charset="0"/>
-              </a:rPr>
-              <a:t>và</a:t>
-            </a:r>
-            <a:r>
-              <a:rPr lang="en-US" sz="5400" dirty="0" smtClean="0">
-                <a:solidFill>
-                  <a:srgbClr val="FF0000"/>
-                </a:solidFill>
-                <a:latin typeface="Arial" panose="020B0604020202020204" pitchFamily="34" charset="0"/>
-                <a:cs typeface="Arial" panose="020B0604020202020204" pitchFamily="34" charset="0"/>
-              </a:rPr>
-              <a:t> </a:t>
-            </a:r>
-            <a:r>
-              <a:rPr lang="en-US" sz="5400" dirty="0" err="1" smtClean="0">
-                <a:solidFill>
-                  <a:srgbClr val="FF0000"/>
-                </a:solidFill>
-                <a:latin typeface="Arial" panose="020B0604020202020204" pitchFamily="34" charset="0"/>
-                <a:cs typeface="Arial" panose="020B0604020202020204" pitchFamily="34" charset="0"/>
-              </a:rPr>
-              <a:t>các</a:t>
-            </a:r>
-            <a:r>
-              <a:rPr lang="en-US" sz="5400" dirty="0" smtClean="0">
-                <a:solidFill>
-                  <a:srgbClr val="FF0000"/>
-                </a:solidFill>
-                <a:latin typeface="Arial" panose="020B0604020202020204" pitchFamily="34" charset="0"/>
-                <a:cs typeface="Arial" panose="020B0604020202020204" pitchFamily="34" charset="0"/>
-              </a:rPr>
-              <a:t> </a:t>
-            </a:r>
-            <a:r>
-              <a:rPr lang="en-US" sz="5400" dirty="0" err="1" smtClean="0">
-                <a:solidFill>
-                  <a:srgbClr val="FF0000"/>
-                </a:solidFill>
-                <a:latin typeface="Arial" panose="020B0604020202020204" pitchFamily="34" charset="0"/>
-                <a:cs typeface="Arial" panose="020B0604020202020204" pitchFamily="34" charset="0"/>
-              </a:rPr>
-              <a:t>bạn</a:t>
-            </a:r>
-            <a:r>
-              <a:rPr lang="en-US" sz="5400" dirty="0" smtClean="0">
-                <a:solidFill>
-                  <a:srgbClr val="FF0000"/>
-                </a:solidFill>
-                <a:latin typeface="Arial" panose="020B0604020202020204" pitchFamily="34" charset="0"/>
-                <a:cs typeface="Arial" panose="020B0604020202020204" pitchFamily="34" charset="0"/>
-              </a:rPr>
-              <a:t>!</a:t>
-            </a:r>
-            <a:endParaRPr lang="en-US" sz="5400" dirty="0">
-              <a:solidFill>
-                <a:srgbClr val="FF0000"/>
-              </a:solidFill>
-              <a:latin typeface="Arial" panose="020B0604020202020204" pitchFamily="34" charset="0"/>
-              <a:cs typeface="Arial" panose="020B0604020202020204" pitchFamily="34" charset="0"/>
-            </a:endParaRPr>
-          </a:p>
-        </p:txBody>
-      </p:sp>
+      </p:pic>
     </p:spTree>
     <p:extLst>
       <p:ext uri="{BB962C8B-B14F-4D97-AF65-F5344CB8AC3E}">
-        <p14:creationId xmlns:p14="http://schemas.microsoft.com/office/powerpoint/2010/main" val="2824212487"/>
+        <p14:creationId xmlns:p14="http://schemas.microsoft.com/office/powerpoint/2010/main" val="2649445771"/>
+      </p:ext>
+    </p:extLst>
+  </p:cSld>
+  <p:clrMapOvr>
+    <a:masterClrMapping/>
+  </p:clrMapOvr>
+  <p:timing>
+    <p:tnLst>
+      <p:par>
+        <p:cTn id="1" dur="indefinite" restart="never" nodeType="tmRoot"/>
+      </p:par>
+    </p:tnLst>
+  </p:timing>
+</p:sld>
+</file>
+
+<file path=ppt/slides/slide9.xml><?xml version="1.0" encoding="utf-8"?>
+<p:sld xmlns:a="http://schemas.openxmlformats.org/drawingml/2006/main" xmlns:r="http://schemas.openxmlformats.org/officeDocument/2006/relationships" xmlns:p="http://schemas.openxmlformats.org/presentationml/2006/main">
+  <p:cSld>
+    <p:spTree>
+      <p:nvGrpSpPr>
+        <p:cNvPr id="1" name=""/>
+        <p:cNvGrpSpPr/>
+        <p:nvPr/>
+      </p:nvGrpSpPr>
+      <p:grpSpPr>
+        <a:xfrm>
+          <a:off x="0" y="0"/>
+          <a:ext cx="0" cy="0"/>
+          <a:chOff x="0" y="0"/>
+          <a:chExt cx="0" cy="0"/>
+        </a:xfrm>
+      </p:grpSpPr>
+      <p:sp>
+        <p:nvSpPr>
+          <p:cNvPr id="2" name="Title 1"/>
+          <p:cNvSpPr>
+            <a:spLocks noGrp="1"/>
+          </p:cNvSpPr>
+          <p:nvPr>
+            <p:ph type="title"/>
+          </p:nvPr>
+        </p:nvSpPr>
+        <p:spPr/>
+        <p:txBody>
+          <a:bodyPr/>
+          <a:lstStyle/>
+          <a:p>
+            <a:r>
+              <a:rPr lang="en-US" dirty="0">
+                <a:solidFill>
+                  <a:srgbClr val="FF0000"/>
+                </a:solidFill>
+                <a:latin typeface="Arial" panose="020B0604020202020204" pitchFamily="34" charset="0"/>
+                <a:cs typeface="Arial" panose="020B0604020202020204" pitchFamily="34" charset="0"/>
+              </a:rPr>
+              <a:t>Vi </a:t>
+            </a:r>
+            <a:r>
+              <a:rPr lang="en-US" dirty="0" err="1">
+                <a:solidFill>
+                  <a:srgbClr val="FF0000"/>
+                </a:solidFill>
+                <a:latin typeface="Arial" panose="020B0604020202020204" pitchFamily="34" charset="0"/>
+                <a:cs typeface="Arial" panose="020B0604020202020204" pitchFamily="34" charset="0"/>
+              </a:rPr>
+              <a:t>điều</a:t>
+            </a:r>
+            <a:r>
+              <a:rPr lang="en-US" dirty="0">
+                <a:solidFill>
+                  <a:srgbClr val="FF0000"/>
+                </a:solidFill>
+                <a:latin typeface="Arial" panose="020B0604020202020204" pitchFamily="34" charset="0"/>
+                <a:cs typeface="Arial" panose="020B0604020202020204" pitchFamily="34" charset="0"/>
+              </a:rPr>
+              <a:t> </a:t>
+            </a:r>
+            <a:r>
+              <a:rPr lang="en-US" dirty="0" err="1">
+                <a:solidFill>
+                  <a:srgbClr val="FF0000"/>
+                </a:solidFill>
+                <a:latin typeface="Arial" panose="020B0604020202020204" pitchFamily="34" charset="0"/>
+                <a:cs typeface="Arial" panose="020B0604020202020204" pitchFamily="34" charset="0"/>
+              </a:rPr>
+              <a:t>khiển</a:t>
+            </a:r>
+            <a:r>
+              <a:rPr lang="en-US" dirty="0">
+                <a:solidFill>
+                  <a:srgbClr val="FF0000"/>
+                </a:solidFill>
+                <a:latin typeface="Arial" panose="020B0604020202020204" pitchFamily="34" charset="0"/>
+                <a:cs typeface="Arial" panose="020B0604020202020204" pitchFamily="34" charset="0"/>
+              </a:rPr>
+              <a:t> 32 bit</a:t>
+            </a:r>
+            <a:endParaRPr lang="en-US" dirty="0"/>
+          </a:p>
+        </p:txBody>
+      </p:sp>
+      <p:pic>
+        <p:nvPicPr>
+          <p:cNvPr id="7170" name="Picture 2" descr="fig1"/>
+          <p:cNvPicPr>
+            <a:picLocks noChangeAspect="1" noChangeArrowheads="1"/>
+          </p:cNvPicPr>
+          <p:nvPr/>
+        </p:nvPicPr>
+        <p:blipFill>
+          <a:blip r:embed="rId2">
+            <a:extLst>
+              <a:ext uri="{28A0092B-C50C-407E-A947-70E740481C1C}">
+                <a14:useLocalDpi xmlns:a14="http://schemas.microsoft.com/office/drawing/2010/main" val="0"/>
+              </a:ext>
+            </a:extLst>
+          </a:blip>
+          <a:srcRect/>
+          <a:stretch>
+            <a:fillRect/>
+          </a:stretch>
+        </p:blipFill>
+        <p:spPr bwMode="auto">
+          <a:xfrm>
+            <a:off x="1553135" y="1690688"/>
+            <a:ext cx="9085729" cy="4527723"/>
+          </a:xfrm>
+          <a:prstGeom prst="rect">
+            <a:avLst/>
+          </a:prstGeom>
+          <a:noFill/>
+          <a:extLst>
+            <a:ext uri="{909E8E84-426E-40DD-AFC4-6F175D3DCCD1}">
+              <a14:hiddenFill xmlns:a14="http://schemas.microsoft.com/office/drawing/2010/main">
+                <a:solidFill>
+                  <a:srgbClr val="FFFFFF"/>
+                </a:solidFill>
+              </a14:hiddenFill>
+            </a:ext>
+          </a:extLst>
+        </p:spPr>
+      </p:pic>
+    </p:spTree>
+    <p:extLst>
+      <p:ext uri="{BB962C8B-B14F-4D97-AF65-F5344CB8AC3E}">
+        <p14:creationId xmlns:p14="http://schemas.microsoft.com/office/powerpoint/2010/main" val="2812366630"/>
       </p:ext>
     </p:extLst>
   </p:cSld>

--- a/Slide/GraduationThesisSlide.pptx
+++ b/Slide/GraduationThesisSlide.pptx
@@ -16,9 +16,17 @@
     <p:sldId id="272" r:id="rId10"/>
     <p:sldId id="269" r:id="rId11"/>
     <p:sldId id="258" r:id="rId12"/>
-    <p:sldId id="261" r:id="rId13"/>
-    <p:sldId id="262" r:id="rId14"/>
-    <p:sldId id="263" r:id="rId15"/>
+    <p:sldId id="274" r:id="rId13"/>
+    <p:sldId id="275" r:id="rId14"/>
+    <p:sldId id="261" r:id="rId15"/>
+    <p:sldId id="276" r:id="rId16"/>
+    <p:sldId id="277" r:id="rId17"/>
+    <p:sldId id="278" r:id="rId18"/>
+    <p:sldId id="279" r:id="rId19"/>
+    <p:sldId id="280" r:id="rId20"/>
+    <p:sldId id="281" r:id="rId21"/>
+    <p:sldId id="262" r:id="rId22"/>
+    <p:sldId id="263" r:id="rId23"/>
   </p:sldIdLst>
   <p:sldSz cx="12192000" cy="6858000"/>
   <p:notesSz cx="6858000" cy="9144000"/>
@@ -256,7 +264,7 @@
           <a:p>
             <a:fld id="{8D561737-294A-4A38-B0FE-47317E2019BC}" type="datetimeFigureOut">
               <a:rPr lang="en-US" smtClean="0"/>
-              <a:t>05/11/2018</a:t>
+              <a:t>05/12/2018</a:t>
             </a:fld>
             <a:endParaRPr lang="en-US"/>
           </a:p>
@@ -426,7 +434,7 @@
           <a:p>
             <a:fld id="{8D561737-294A-4A38-B0FE-47317E2019BC}" type="datetimeFigureOut">
               <a:rPr lang="en-US" smtClean="0"/>
-              <a:t>05/11/2018</a:t>
+              <a:t>05/12/2018</a:t>
             </a:fld>
             <a:endParaRPr lang="en-US"/>
           </a:p>
@@ -606,7 +614,7 @@
           <a:p>
             <a:fld id="{8D561737-294A-4A38-B0FE-47317E2019BC}" type="datetimeFigureOut">
               <a:rPr lang="en-US" smtClean="0"/>
-              <a:t>05/11/2018</a:t>
+              <a:t>05/12/2018</a:t>
             </a:fld>
             <a:endParaRPr lang="en-US"/>
           </a:p>
@@ -776,7 +784,7 @@
           <a:p>
             <a:fld id="{8D561737-294A-4A38-B0FE-47317E2019BC}" type="datetimeFigureOut">
               <a:rPr lang="en-US" smtClean="0"/>
-              <a:t>05/11/2018</a:t>
+              <a:t>05/12/2018</a:t>
             </a:fld>
             <a:endParaRPr lang="en-US"/>
           </a:p>
@@ -1022,7 +1030,7 @@
           <a:p>
             <a:fld id="{8D561737-294A-4A38-B0FE-47317E2019BC}" type="datetimeFigureOut">
               <a:rPr lang="en-US" smtClean="0"/>
-              <a:t>05/11/2018</a:t>
+              <a:t>05/12/2018</a:t>
             </a:fld>
             <a:endParaRPr lang="en-US"/>
           </a:p>
@@ -1254,7 +1262,7 @@
           <a:p>
             <a:fld id="{8D561737-294A-4A38-B0FE-47317E2019BC}" type="datetimeFigureOut">
               <a:rPr lang="en-US" smtClean="0"/>
-              <a:t>05/11/2018</a:t>
+              <a:t>05/12/2018</a:t>
             </a:fld>
             <a:endParaRPr lang="en-US"/>
           </a:p>
@@ -1621,7 +1629,7 @@
           <a:p>
             <a:fld id="{8D561737-294A-4A38-B0FE-47317E2019BC}" type="datetimeFigureOut">
               <a:rPr lang="en-US" smtClean="0"/>
-              <a:t>05/11/2018</a:t>
+              <a:t>05/12/2018</a:t>
             </a:fld>
             <a:endParaRPr lang="en-US"/>
           </a:p>
@@ -1739,7 +1747,7 @@
           <a:p>
             <a:fld id="{8D561737-294A-4A38-B0FE-47317E2019BC}" type="datetimeFigureOut">
               <a:rPr lang="en-US" smtClean="0"/>
-              <a:t>05/11/2018</a:t>
+              <a:t>05/12/2018</a:t>
             </a:fld>
             <a:endParaRPr lang="en-US"/>
           </a:p>
@@ -1834,7 +1842,7 @@
           <a:p>
             <a:fld id="{8D561737-294A-4A38-B0FE-47317E2019BC}" type="datetimeFigureOut">
               <a:rPr lang="en-US" smtClean="0"/>
-              <a:t>05/11/2018</a:t>
+              <a:t>05/12/2018</a:t>
             </a:fld>
             <a:endParaRPr lang="en-US"/>
           </a:p>
@@ -2111,7 +2119,7 @@
           <a:p>
             <a:fld id="{8D561737-294A-4A38-B0FE-47317E2019BC}" type="datetimeFigureOut">
               <a:rPr lang="en-US" smtClean="0"/>
-              <a:t>05/11/2018</a:t>
+              <a:t>05/12/2018</a:t>
             </a:fld>
             <a:endParaRPr lang="en-US"/>
           </a:p>
@@ -2364,7 +2372,7 @@
           <a:p>
             <a:fld id="{8D561737-294A-4A38-B0FE-47317E2019BC}" type="datetimeFigureOut">
               <a:rPr lang="en-US" smtClean="0"/>
-              <a:t>05/11/2018</a:t>
+              <a:t>05/12/2018</a:t>
             </a:fld>
             <a:endParaRPr lang="en-US"/>
           </a:p>
@@ -2577,7 +2585,7 @@
           <a:p>
             <a:fld id="{8D561737-294A-4A38-B0FE-47317E2019BC}" type="datetimeFigureOut">
               <a:rPr lang="en-US" smtClean="0"/>
-              <a:t>05/11/2018</a:t>
+              <a:t>05/12/2018</a:t>
             </a:fld>
             <a:endParaRPr lang="en-US"/>
           </a:p>
@@ -3599,6 +3607,42 @@
           </a:p>
         </p:txBody>
       </p:sp>
+      <p:pic>
+        <p:nvPicPr>
+          <p:cNvPr id="3" name="Picture 2" descr="C:\Users\Tien Thanh\AppData\Local\Microsoft\Windows\INetCache\Content.Word\20180501_162645.jpg"/>
+          <p:cNvPicPr/>
+          <p:nvPr/>
+        </p:nvPicPr>
+        <p:blipFill rotWithShape="1">
+          <a:blip r:embed="rId2" cstate="print">
+            <a:extLst>
+              <a:ext uri="{28A0092B-C50C-407E-A947-70E740481C1C}">
+                <a14:useLocalDpi xmlns:a14="http://schemas.microsoft.com/office/drawing/2010/main" val="0"/>
+              </a:ext>
+            </a:extLst>
+          </a:blip>
+          <a:srcRect l="31900" r="24803"/>
+          <a:stretch/>
+        </p:blipFill>
+        <p:spPr bwMode="auto">
+          <a:xfrm rot="5400000">
+            <a:off x="3635104" y="953425"/>
+            <a:ext cx="4921792" cy="6396318"/>
+          </a:xfrm>
+          <a:prstGeom prst="rect">
+            <a:avLst/>
+          </a:prstGeom>
+          <a:noFill/>
+          <a:ln>
+            <a:noFill/>
+          </a:ln>
+          <a:extLst>
+            <a:ext uri="{53640926-AAD7-44D8-BBD7-CCE9431645EC}">
+              <a14:shadowObscured xmlns:a14="http://schemas.microsoft.com/office/drawing/2010/main"/>
+            </a:ext>
+          </a:extLst>
+        </p:spPr>
+      </p:pic>
     </p:spTree>
     <p:extLst>
       <p:ext uri="{BB962C8B-B14F-4D97-AF65-F5344CB8AC3E}">
@@ -3652,6 +3696,487 @@
           <a:lstStyle/>
           <a:p>
             <a:r>
+              <a:rPr lang="en-US" dirty="0" err="1">
+                <a:solidFill>
+                  <a:srgbClr val="FF0000"/>
+                </a:solidFill>
+                <a:latin typeface="Arial" panose="020B0604020202020204" pitchFamily="34" charset="0"/>
+                <a:cs typeface="Arial" panose="020B0604020202020204" pitchFamily="34" charset="0"/>
+              </a:rPr>
+              <a:t>Xe</a:t>
+            </a:r>
+            <a:r>
+              <a:rPr lang="en-US" dirty="0">
+                <a:solidFill>
+                  <a:srgbClr val="FF0000"/>
+                </a:solidFill>
+                <a:latin typeface="Arial" panose="020B0604020202020204" pitchFamily="34" charset="0"/>
+                <a:cs typeface="Arial" panose="020B0604020202020204" pitchFamily="34" charset="0"/>
+              </a:rPr>
+              <a:t> </a:t>
+            </a:r>
+            <a:r>
+              <a:rPr lang="en-US" dirty="0" err="1">
+                <a:solidFill>
+                  <a:srgbClr val="FF0000"/>
+                </a:solidFill>
+                <a:latin typeface="Arial" panose="020B0604020202020204" pitchFamily="34" charset="0"/>
+                <a:cs typeface="Arial" panose="020B0604020202020204" pitchFamily="34" charset="0"/>
+              </a:rPr>
+              <a:t>hai</a:t>
+            </a:r>
+            <a:r>
+              <a:rPr lang="en-US" dirty="0">
+                <a:solidFill>
+                  <a:srgbClr val="FF0000"/>
+                </a:solidFill>
+                <a:latin typeface="Arial" panose="020B0604020202020204" pitchFamily="34" charset="0"/>
+                <a:cs typeface="Arial" panose="020B0604020202020204" pitchFamily="34" charset="0"/>
+              </a:rPr>
+              <a:t> </a:t>
+            </a:r>
+            <a:r>
+              <a:rPr lang="en-US" dirty="0" err="1">
+                <a:solidFill>
+                  <a:srgbClr val="FF0000"/>
+                </a:solidFill>
+                <a:latin typeface="Arial" panose="020B0604020202020204" pitchFamily="34" charset="0"/>
+                <a:cs typeface="Arial" panose="020B0604020202020204" pitchFamily="34" charset="0"/>
+              </a:rPr>
+              <a:t>bánh</a:t>
+            </a:r>
+            <a:r>
+              <a:rPr lang="en-US" dirty="0">
+                <a:solidFill>
+                  <a:srgbClr val="FF0000"/>
+                </a:solidFill>
+                <a:latin typeface="Arial" panose="020B0604020202020204" pitchFamily="34" charset="0"/>
+                <a:cs typeface="Arial" panose="020B0604020202020204" pitchFamily="34" charset="0"/>
+              </a:rPr>
+              <a:t> </a:t>
+            </a:r>
+            <a:r>
+              <a:rPr lang="en-US" dirty="0" err="1">
+                <a:solidFill>
+                  <a:srgbClr val="FF0000"/>
+                </a:solidFill>
+                <a:latin typeface="Arial" panose="020B0604020202020204" pitchFamily="34" charset="0"/>
+                <a:cs typeface="Arial" panose="020B0604020202020204" pitchFamily="34" charset="0"/>
+              </a:rPr>
+              <a:t>tự</a:t>
+            </a:r>
+            <a:r>
+              <a:rPr lang="en-US" dirty="0">
+                <a:solidFill>
+                  <a:srgbClr val="FF0000"/>
+                </a:solidFill>
+                <a:latin typeface="Arial" panose="020B0604020202020204" pitchFamily="34" charset="0"/>
+                <a:cs typeface="Arial" panose="020B0604020202020204" pitchFamily="34" charset="0"/>
+              </a:rPr>
+              <a:t> </a:t>
+            </a:r>
+            <a:r>
+              <a:rPr lang="en-US" dirty="0" err="1">
+                <a:solidFill>
+                  <a:srgbClr val="FF0000"/>
+                </a:solidFill>
+                <a:latin typeface="Arial" panose="020B0604020202020204" pitchFamily="34" charset="0"/>
+                <a:cs typeface="Arial" panose="020B0604020202020204" pitchFamily="34" charset="0"/>
+              </a:rPr>
+              <a:t>cân</a:t>
+            </a:r>
+            <a:r>
+              <a:rPr lang="en-US" dirty="0">
+                <a:solidFill>
+                  <a:srgbClr val="FF0000"/>
+                </a:solidFill>
+                <a:latin typeface="Arial" panose="020B0604020202020204" pitchFamily="34" charset="0"/>
+                <a:cs typeface="Arial" panose="020B0604020202020204" pitchFamily="34" charset="0"/>
+              </a:rPr>
+              <a:t> </a:t>
+            </a:r>
+            <a:r>
+              <a:rPr lang="en-US" dirty="0" err="1">
+                <a:solidFill>
+                  <a:srgbClr val="FF0000"/>
+                </a:solidFill>
+                <a:latin typeface="Arial" panose="020B0604020202020204" pitchFamily="34" charset="0"/>
+                <a:cs typeface="Arial" panose="020B0604020202020204" pitchFamily="34" charset="0"/>
+              </a:rPr>
+              <a:t>bằng</a:t>
+            </a:r>
+            <a:endParaRPr lang="en-US" dirty="0"/>
+          </a:p>
+        </p:txBody>
+      </p:sp>
+      <p:pic>
+        <p:nvPicPr>
+          <p:cNvPr id="4" name="Picture 3"/>
+          <p:cNvPicPr/>
+          <p:nvPr/>
+        </p:nvPicPr>
+        <p:blipFill>
+          <a:blip r:embed="rId2" cstate="print">
+            <a:extLst>
+              <a:ext uri="{28A0092B-C50C-407E-A947-70E740481C1C}">
+                <a14:useLocalDpi xmlns:a14="http://schemas.microsoft.com/office/drawing/2010/main" val="0"/>
+              </a:ext>
+            </a:extLst>
+          </a:blip>
+          <a:srcRect/>
+          <a:stretch>
+            <a:fillRect/>
+          </a:stretch>
+        </p:blipFill>
+        <p:spPr bwMode="auto">
+          <a:xfrm>
+            <a:off x="4133286" y="1690686"/>
+            <a:ext cx="3925427" cy="1832441"/>
+          </a:xfrm>
+          <a:prstGeom prst="rect">
+            <a:avLst/>
+          </a:prstGeom>
+          <a:noFill/>
+          <a:ln>
+            <a:noFill/>
+          </a:ln>
+        </p:spPr>
+      </p:pic>
+      <p:pic>
+        <p:nvPicPr>
+          <p:cNvPr id="5" name="Picture 4"/>
+          <p:cNvPicPr/>
+          <p:nvPr/>
+        </p:nvPicPr>
+        <p:blipFill>
+          <a:blip r:embed="rId3" cstate="print">
+            <a:extLst>
+              <a:ext uri="{28A0092B-C50C-407E-A947-70E740481C1C}">
+                <a14:useLocalDpi xmlns:a14="http://schemas.microsoft.com/office/drawing/2010/main" val="0"/>
+              </a:ext>
+            </a:extLst>
+          </a:blip>
+          <a:srcRect/>
+          <a:stretch>
+            <a:fillRect/>
+          </a:stretch>
+        </p:blipFill>
+        <p:spPr bwMode="auto">
+          <a:xfrm>
+            <a:off x="3048859" y="3845857"/>
+            <a:ext cx="6094280" cy="1869143"/>
+          </a:xfrm>
+          <a:prstGeom prst="rect">
+            <a:avLst/>
+          </a:prstGeom>
+          <a:noFill/>
+          <a:ln>
+            <a:noFill/>
+          </a:ln>
+        </p:spPr>
+      </p:pic>
+      <p:sp>
+        <p:nvSpPr>
+          <p:cNvPr id="6" name="TextBox 5"/>
+          <p:cNvSpPr txBox="1"/>
+          <p:nvPr/>
+        </p:nvSpPr>
+        <p:spPr>
+          <a:xfrm>
+            <a:off x="4793399" y="5715000"/>
+            <a:ext cx="2605200" cy="369332"/>
+          </a:xfrm>
+          <a:prstGeom prst="rect">
+            <a:avLst/>
+          </a:prstGeom>
+          <a:noFill/>
+        </p:spPr>
+        <p:txBody>
+          <a:bodyPr wrap="none" rtlCol="0">
+            <a:spAutoFit/>
+          </a:bodyPr>
+          <a:lstStyle/>
+          <a:p>
+            <a:r>
+              <a:rPr lang="en-US" dirty="0" err="1" smtClean="0">
+                <a:latin typeface="Arial" panose="020B0604020202020204" pitchFamily="34" charset="0"/>
+                <a:cs typeface="Arial" panose="020B0604020202020204" pitchFamily="34" charset="0"/>
+              </a:rPr>
+              <a:t>Phương</a:t>
+            </a:r>
+            <a:r>
+              <a:rPr lang="en-US" dirty="0" smtClean="0">
+                <a:latin typeface="Arial" panose="020B0604020202020204" pitchFamily="34" charset="0"/>
+                <a:cs typeface="Arial" panose="020B0604020202020204" pitchFamily="34" charset="0"/>
+              </a:rPr>
+              <a:t> </a:t>
+            </a:r>
+            <a:r>
+              <a:rPr lang="en-US" dirty="0" err="1" smtClean="0">
+                <a:latin typeface="Arial" panose="020B0604020202020204" pitchFamily="34" charset="0"/>
+                <a:cs typeface="Arial" panose="020B0604020202020204" pitchFamily="34" charset="0"/>
+              </a:rPr>
+              <a:t>thức</a:t>
+            </a:r>
+            <a:r>
+              <a:rPr lang="en-US" dirty="0" smtClean="0">
+                <a:latin typeface="Arial" panose="020B0604020202020204" pitchFamily="34" charset="0"/>
+                <a:cs typeface="Arial" panose="020B0604020202020204" pitchFamily="34" charset="0"/>
+              </a:rPr>
+              <a:t> di </a:t>
+            </a:r>
+            <a:r>
+              <a:rPr lang="en-US" dirty="0" err="1" smtClean="0">
+                <a:latin typeface="Arial" panose="020B0604020202020204" pitchFamily="34" charset="0"/>
+                <a:cs typeface="Arial" panose="020B0604020202020204" pitchFamily="34" charset="0"/>
+              </a:rPr>
+              <a:t>chuyển</a:t>
+            </a:r>
+            <a:endParaRPr lang="en-US" dirty="0">
+              <a:latin typeface="Arial" panose="020B0604020202020204" pitchFamily="34" charset="0"/>
+              <a:cs typeface="Arial" panose="020B0604020202020204" pitchFamily="34" charset="0"/>
+            </a:endParaRPr>
+          </a:p>
+        </p:txBody>
+      </p:sp>
+    </p:spTree>
+    <p:extLst>
+      <p:ext uri="{BB962C8B-B14F-4D97-AF65-F5344CB8AC3E}">
+        <p14:creationId xmlns:p14="http://schemas.microsoft.com/office/powerpoint/2010/main" val="983594547"/>
+      </p:ext>
+    </p:extLst>
+  </p:cSld>
+  <p:clrMapOvr>
+    <a:masterClrMapping/>
+  </p:clrMapOvr>
+</p:sld>
+</file>
+
+<file path=ppt/slides/slide13.xml><?xml version="1.0" encoding="utf-8"?>
+<p:sld xmlns:a="http://schemas.openxmlformats.org/drawingml/2006/main" xmlns:r="http://schemas.openxmlformats.org/officeDocument/2006/relationships" xmlns:p="http://schemas.openxmlformats.org/presentationml/2006/main">
+  <p:cSld>
+    <p:spTree>
+      <p:nvGrpSpPr>
+        <p:cNvPr id="1" name=""/>
+        <p:cNvGrpSpPr/>
+        <p:nvPr/>
+      </p:nvGrpSpPr>
+      <p:grpSpPr>
+        <a:xfrm>
+          <a:off x="0" y="0"/>
+          <a:ext cx="0" cy="0"/>
+          <a:chOff x="0" y="0"/>
+          <a:chExt cx="0" cy="0"/>
+        </a:xfrm>
+      </p:grpSpPr>
+      <p:sp>
+        <p:nvSpPr>
+          <p:cNvPr id="2" name="Title 1"/>
+          <p:cNvSpPr>
+            <a:spLocks noGrp="1"/>
+          </p:cNvSpPr>
+          <p:nvPr>
+            <p:ph type="title"/>
+          </p:nvPr>
+        </p:nvSpPr>
+        <p:spPr/>
+        <p:txBody>
+          <a:bodyPr/>
+          <a:lstStyle/>
+          <a:p>
+            <a:r>
+              <a:rPr lang="en-US" dirty="0" err="1">
+                <a:solidFill>
+                  <a:srgbClr val="FF0000"/>
+                </a:solidFill>
+                <a:latin typeface="Arial" panose="020B0604020202020204" pitchFamily="34" charset="0"/>
+                <a:cs typeface="Arial" panose="020B0604020202020204" pitchFamily="34" charset="0"/>
+              </a:rPr>
+              <a:t>Xe</a:t>
+            </a:r>
+            <a:r>
+              <a:rPr lang="en-US" dirty="0">
+                <a:solidFill>
+                  <a:srgbClr val="FF0000"/>
+                </a:solidFill>
+                <a:latin typeface="Arial" panose="020B0604020202020204" pitchFamily="34" charset="0"/>
+                <a:cs typeface="Arial" panose="020B0604020202020204" pitchFamily="34" charset="0"/>
+              </a:rPr>
+              <a:t> </a:t>
+            </a:r>
+            <a:r>
+              <a:rPr lang="en-US" dirty="0" err="1">
+                <a:solidFill>
+                  <a:srgbClr val="FF0000"/>
+                </a:solidFill>
+                <a:latin typeface="Arial" panose="020B0604020202020204" pitchFamily="34" charset="0"/>
+                <a:cs typeface="Arial" panose="020B0604020202020204" pitchFamily="34" charset="0"/>
+              </a:rPr>
+              <a:t>hai</a:t>
+            </a:r>
+            <a:r>
+              <a:rPr lang="en-US" dirty="0">
+                <a:solidFill>
+                  <a:srgbClr val="FF0000"/>
+                </a:solidFill>
+                <a:latin typeface="Arial" panose="020B0604020202020204" pitchFamily="34" charset="0"/>
+                <a:cs typeface="Arial" panose="020B0604020202020204" pitchFamily="34" charset="0"/>
+              </a:rPr>
+              <a:t> </a:t>
+            </a:r>
+            <a:r>
+              <a:rPr lang="en-US" dirty="0" err="1">
+                <a:solidFill>
+                  <a:srgbClr val="FF0000"/>
+                </a:solidFill>
+                <a:latin typeface="Arial" panose="020B0604020202020204" pitchFamily="34" charset="0"/>
+                <a:cs typeface="Arial" panose="020B0604020202020204" pitchFamily="34" charset="0"/>
+              </a:rPr>
+              <a:t>bánh</a:t>
+            </a:r>
+            <a:r>
+              <a:rPr lang="en-US" dirty="0">
+                <a:solidFill>
+                  <a:srgbClr val="FF0000"/>
+                </a:solidFill>
+                <a:latin typeface="Arial" panose="020B0604020202020204" pitchFamily="34" charset="0"/>
+                <a:cs typeface="Arial" panose="020B0604020202020204" pitchFamily="34" charset="0"/>
+              </a:rPr>
+              <a:t> </a:t>
+            </a:r>
+            <a:r>
+              <a:rPr lang="en-US" dirty="0" err="1">
+                <a:solidFill>
+                  <a:srgbClr val="FF0000"/>
+                </a:solidFill>
+                <a:latin typeface="Arial" panose="020B0604020202020204" pitchFamily="34" charset="0"/>
+                <a:cs typeface="Arial" panose="020B0604020202020204" pitchFamily="34" charset="0"/>
+              </a:rPr>
+              <a:t>tự</a:t>
+            </a:r>
+            <a:r>
+              <a:rPr lang="en-US" dirty="0">
+                <a:solidFill>
+                  <a:srgbClr val="FF0000"/>
+                </a:solidFill>
+                <a:latin typeface="Arial" panose="020B0604020202020204" pitchFamily="34" charset="0"/>
+                <a:cs typeface="Arial" panose="020B0604020202020204" pitchFamily="34" charset="0"/>
+              </a:rPr>
+              <a:t> </a:t>
+            </a:r>
+            <a:r>
+              <a:rPr lang="en-US" dirty="0" err="1">
+                <a:solidFill>
+                  <a:srgbClr val="FF0000"/>
+                </a:solidFill>
+                <a:latin typeface="Arial" panose="020B0604020202020204" pitchFamily="34" charset="0"/>
+                <a:cs typeface="Arial" panose="020B0604020202020204" pitchFamily="34" charset="0"/>
+              </a:rPr>
+              <a:t>cân</a:t>
+            </a:r>
+            <a:r>
+              <a:rPr lang="en-US" dirty="0">
+                <a:solidFill>
+                  <a:srgbClr val="FF0000"/>
+                </a:solidFill>
+                <a:latin typeface="Arial" panose="020B0604020202020204" pitchFamily="34" charset="0"/>
+                <a:cs typeface="Arial" panose="020B0604020202020204" pitchFamily="34" charset="0"/>
+              </a:rPr>
+              <a:t> </a:t>
+            </a:r>
+            <a:r>
+              <a:rPr lang="en-US" dirty="0" err="1">
+                <a:solidFill>
+                  <a:srgbClr val="FF0000"/>
+                </a:solidFill>
+                <a:latin typeface="Arial" panose="020B0604020202020204" pitchFamily="34" charset="0"/>
+                <a:cs typeface="Arial" panose="020B0604020202020204" pitchFamily="34" charset="0"/>
+              </a:rPr>
+              <a:t>bằng</a:t>
+            </a:r>
+            <a:endParaRPr lang="en-US" dirty="0"/>
+          </a:p>
+        </p:txBody>
+      </p:sp>
+      <p:pic>
+        <p:nvPicPr>
+          <p:cNvPr id="5" name="Picture 4" descr="http://ctms.engin.umich.edu/CTMS/Content/InvertedPendulum/System/Modeling/figures/pendulum2.png"/>
+          <p:cNvPicPr/>
+          <p:nvPr/>
+        </p:nvPicPr>
+        <p:blipFill>
+          <a:blip r:embed="rId2">
+            <a:extLst>
+              <a:ext uri="{28A0092B-C50C-407E-A947-70E740481C1C}">
+                <a14:useLocalDpi xmlns:a14="http://schemas.microsoft.com/office/drawing/2010/main" val="0"/>
+              </a:ext>
+            </a:extLst>
+          </a:blip>
+          <a:srcRect/>
+          <a:stretch>
+            <a:fillRect/>
+          </a:stretch>
+        </p:blipFill>
+        <p:spPr bwMode="auto">
+          <a:xfrm>
+            <a:off x="4079753" y="1690688"/>
+            <a:ext cx="4032493" cy="4262575"/>
+          </a:xfrm>
+          <a:prstGeom prst="rect">
+            <a:avLst/>
+          </a:prstGeom>
+          <a:noFill/>
+          <a:ln>
+            <a:noFill/>
+          </a:ln>
+        </p:spPr>
+      </p:pic>
+    </p:spTree>
+    <p:extLst>
+      <p:ext uri="{BB962C8B-B14F-4D97-AF65-F5344CB8AC3E}">
+        <p14:creationId xmlns:p14="http://schemas.microsoft.com/office/powerpoint/2010/main" val="1501329021"/>
+      </p:ext>
+    </p:extLst>
+  </p:cSld>
+  <p:clrMapOvr>
+    <a:masterClrMapping/>
+  </p:clrMapOvr>
+</p:sld>
+</file>
+
+<file path=ppt/slides/slide14.xml><?xml version="1.0" encoding="utf-8"?>
+<p:sld xmlns:a="http://schemas.openxmlformats.org/drawingml/2006/main" xmlns:r="http://schemas.openxmlformats.org/officeDocument/2006/relationships" xmlns:p="http://schemas.openxmlformats.org/presentationml/2006/main">
+  <p:cSld>
+    <p:spTree>
+      <p:nvGrpSpPr>
+        <p:cNvPr id="1" name=""/>
+        <p:cNvGrpSpPr/>
+        <p:nvPr/>
+      </p:nvGrpSpPr>
+      <p:grpSpPr>
+        <a:xfrm>
+          <a:off x="0" y="0"/>
+          <a:ext cx="0" cy="0"/>
+          <a:chOff x="0" y="0"/>
+          <a:chExt cx="0" cy="0"/>
+        </a:xfrm>
+      </p:grpSpPr>
+      <p:sp>
+        <p:nvSpPr>
+          <p:cNvPr id="2" name="Title 1"/>
+          <p:cNvSpPr>
+            <a:spLocks noGrp="1"/>
+          </p:cNvSpPr>
+          <p:nvPr>
+            <p:ph type="title"/>
+          </p:nvPr>
+        </p:nvSpPr>
+        <p:spPr/>
+        <p:txBody>
+          <a:bodyPr/>
+          <a:lstStyle/>
+          <a:p>
+            <a:r>
               <a:rPr lang="en-US" dirty="0" err="1" smtClean="0">
                 <a:solidFill>
                   <a:srgbClr val="FF0000"/>
@@ -3811,25 +4336,138 @@
           </a:p>
         </p:txBody>
       </p:sp>
-      <p:sp>
-        <p:nvSpPr>
-          <p:cNvPr id="3" name="Content Placeholder 2"/>
-          <p:cNvSpPr>
-            <a:spLocks noGrp="1"/>
-          </p:cNvSpPr>
-          <p:nvPr>
-            <p:ph idx="1"/>
-          </p:nvPr>
-        </p:nvSpPr>
-        <p:spPr/>
-        <p:txBody>
-          <a:bodyPr/>
-          <a:lstStyle/>
-          <a:p>
-            <a:endParaRPr lang="en-US"/>
-          </a:p>
-        </p:txBody>
-      </p:sp>
+      <p:pic>
+        <p:nvPicPr>
+          <p:cNvPr id="4" name="Picture 3"/>
+          <p:cNvPicPr/>
+          <p:nvPr/>
+        </p:nvPicPr>
+        <p:blipFill>
+          <a:blip r:embed="rId2">
+            <a:extLst>
+              <a:ext uri="{28A0092B-C50C-407E-A947-70E740481C1C}">
+                <a14:useLocalDpi xmlns:a14="http://schemas.microsoft.com/office/drawing/2010/main" val="0"/>
+              </a:ext>
+            </a:extLst>
+          </a:blip>
+          <a:srcRect/>
+          <a:stretch>
+            <a:fillRect/>
+          </a:stretch>
+        </p:blipFill>
+        <p:spPr bwMode="auto">
+          <a:xfrm>
+            <a:off x="838200" y="1690688"/>
+            <a:ext cx="5762625" cy="2562225"/>
+          </a:xfrm>
+          <a:prstGeom prst="rect">
+            <a:avLst/>
+          </a:prstGeom>
+          <a:noFill/>
+          <a:ln>
+            <a:noFill/>
+          </a:ln>
+        </p:spPr>
+      </p:pic>
+      <p:pic>
+        <p:nvPicPr>
+          <p:cNvPr id="5" name="Picture 4"/>
+          <p:cNvPicPr/>
+          <p:nvPr/>
+        </p:nvPicPr>
+        <p:blipFill>
+          <a:blip r:embed="rId3">
+            <a:extLst>
+              <a:ext uri="{28A0092B-C50C-407E-A947-70E740481C1C}">
+                <a14:useLocalDpi xmlns:a14="http://schemas.microsoft.com/office/drawing/2010/main" val="0"/>
+              </a:ext>
+            </a:extLst>
+          </a:blip>
+          <a:srcRect/>
+          <a:stretch>
+            <a:fillRect/>
+          </a:stretch>
+        </p:blipFill>
+        <p:spPr bwMode="auto">
+          <a:xfrm>
+            <a:off x="5905500" y="1771370"/>
+            <a:ext cx="5448300" cy="2266950"/>
+          </a:xfrm>
+          <a:prstGeom prst="rect">
+            <a:avLst/>
+          </a:prstGeom>
+          <a:noFill/>
+          <a:ln>
+            <a:noFill/>
+          </a:ln>
+        </p:spPr>
+      </p:pic>
+      <p:pic>
+        <p:nvPicPr>
+          <p:cNvPr id="6" name="Picture 5"/>
+          <p:cNvPicPr/>
+          <p:nvPr/>
+        </p:nvPicPr>
+        <p:blipFill>
+          <a:blip r:embed="rId4">
+            <a:extLst>
+              <a:ext uri="{28A0092B-C50C-407E-A947-70E740481C1C}">
+                <a14:useLocalDpi xmlns:a14="http://schemas.microsoft.com/office/drawing/2010/main" val="0"/>
+              </a:ext>
+            </a:extLst>
+          </a:blip>
+          <a:srcRect/>
+          <a:stretch>
+            <a:fillRect/>
+          </a:stretch>
+        </p:blipFill>
+        <p:spPr bwMode="auto">
+          <a:xfrm>
+            <a:off x="1843405" y="3957638"/>
+            <a:ext cx="2400935" cy="1977390"/>
+          </a:xfrm>
+          <a:prstGeom prst="rect">
+            <a:avLst/>
+          </a:prstGeom>
+          <a:noFill/>
+          <a:ln>
+            <a:noFill/>
+          </a:ln>
+        </p:spPr>
+      </p:pic>
+      <p:pic>
+        <p:nvPicPr>
+          <p:cNvPr id="7" name="Picture 6"/>
+          <p:cNvPicPr/>
+          <p:nvPr/>
+        </p:nvPicPr>
+        <p:blipFill>
+          <a:blip r:embed="rId5">
+            <a:extLst>
+              <a:ext uri="{28A0092B-C50C-407E-A947-70E740481C1C}">
+                <a14:useLocalDpi xmlns:a14="http://schemas.microsoft.com/office/drawing/2010/main" val="0"/>
+              </a:ext>
+            </a:extLst>
+          </a:blip>
+          <a:srcRect/>
+          <a:stretch>
+            <a:fillRect/>
+          </a:stretch>
+        </p:blipFill>
+        <p:spPr bwMode="auto">
+          <a:xfrm>
+            <a:off x="5405120" y="4252913"/>
+            <a:ext cx="5753100" cy="1419225"/>
+          </a:xfrm>
+          <a:prstGeom prst="rect">
+            <a:avLst/>
+          </a:prstGeom>
+          <a:noFill/>
+          <a:ln>
+            <a:noFill/>
+          </a:ln>
+        </p:spPr>
+      </p:pic>
     </p:spTree>
     <p:extLst>
       <p:ext uri="{BB962C8B-B14F-4D97-AF65-F5344CB8AC3E}">
@@ -3850,7 +4488,7 @@
 </p:sld>
 </file>
 
-<file path=ppt/slides/slide13.xml><?xml version="1.0" encoding="utf-8"?>
+<file path=ppt/slides/slide15.xml><?xml version="1.0" encoding="utf-8"?>
 <p:sld xmlns:a="http://schemas.openxmlformats.org/drawingml/2006/main" xmlns:r="http://schemas.openxmlformats.org/officeDocument/2006/relationships" xmlns:p="http://schemas.openxmlformats.org/presentationml/2006/main">
   <p:cSld>
     <p:spTree>
@@ -3883,17 +4521,17 @@
           <a:lstStyle/>
           <a:p>
             <a:r>
-              <a:rPr lang="en-US" dirty="0" err="1" smtClean="0">
-                <a:solidFill>
-                  <a:srgbClr val="FF0000"/>
-                </a:solidFill>
-                <a:latin typeface="Arial" panose="020B0604020202020204" pitchFamily="34" charset="0"/>
-                <a:cs typeface="Arial" panose="020B0604020202020204" pitchFamily="34" charset="0"/>
-              </a:rPr>
-              <a:t>Kết</a:t>
-            </a:r>
-            <a:r>
-              <a:rPr lang="en-US" dirty="0" smtClean="0">
+              <a:rPr lang="en-US" dirty="0" err="1">
+                <a:solidFill>
+                  <a:srgbClr val="FF0000"/>
+                </a:solidFill>
+                <a:latin typeface="Arial" panose="020B0604020202020204" pitchFamily="34" charset="0"/>
+                <a:cs typeface="Arial" panose="020B0604020202020204" pitchFamily="34" charset="0"/>
+              </a:rPr>
+              <a:t>Thiết</a:t>
+            </a:r>
+            <a:r>
+              <a:rPr lang="en-US" dirty="0">
                 <a:solidFill>
                   <a:srgbClr val="FF0000"/>
                 </a:solidFill>
@@ -3903,65 +4541,225 @@
               <a:t> </a:t>
             </a:r>
             <a:r>
-              <a:rPr lang="en-US" dirty="0" err="1" smtClean="0">
-                <a:solidFill>
-                  <a:srgbClr val="FF0000"/>
-                </a:solidFill>
-                <a:latin typeface="Arial" panose="020B0604020202020204" pitchFamily="34" charset="0"/>
-                <a:cs typeface="Arial" panose="020B0604020202020204" pitchFamily="34" charset="0"/>
-              </a:rPr>
-              <a:t>luận</a:t>
-            </a:r>
-            <a:endParaRPr lang="en-US" dirty="0">
-              <a:solidFill>
-                <a:srgbClr val="FF0000"/>
-              </a:solidFill>
-              <a:latin typeface="Arial" panose="020B0604020202020204" pitchFamily="34" charset="0"/>
-              <a:cs typeface="Arial" panose="020B0604020202020204" pitchFamily="34" charset="0"/>
-            </a:endParaRPr>
-          </a:p>
-        </p:txBody>
-      </p:sp>
-      <p:sp>
-        <p:nvSpPr>
-          <p:cNvPr id="3" name="Content Placeholder 2"/>
-          <p:cNvSpPr>
-            <a:spLocks noGrp="1"/>
-          </p:cNvSpPr>
-          <p:nvPr>
-            <p:ph idx="1"/>
-          </p:nvPr>
-        </p:nvSpPr>
-        <p:spPr/>
-        <p:txBody>
-          <a:bodyPr/>
-          <a:lstStyle/>
-          <a:p>
-            <a:endParaRPr lang="en-US"/>
-          </a:p>
-        </p:txBody>
-      </p:sp>
+              <a:rPr lang="en-US" dirty="0" err="1">
+                <a:solidFill>
+                  <a:srgbClr val="FF0000"/>
+                </a:solidFill>
+                <a:latin typeface="Arial" panose="020B0604020202020204" pitchFamily="34" charset="0"/>
+                <a:cs typeface="Arial" panose="020B0604020202020204" pitchFamily="34" charset="0"/>
+              </a:rPr>
+              <a:t>kế</a:t>
+            </a:r>
+            <a:r>
+              <a:rPr lang="en-US" dirty="0">
+                <a:solidFill>
+                  <a:srgbClr val="FF0000"/>
+                </a:solidFill>
+                <a:latin typeface="Arial" panose="020B0604020202020204" pitchFamily="34" charset="0"/>
+                <a:cs typeface="Arial" panose="020B0604020202020204" pitchFamily="34" charset="0"/>
+              </a:rPr>
+              <a:t>, </a:t>
+            </a:r>
+            <a:r>
+              <a:rPr lang="en-US" dirty="0" err="1">
+                <a:solidFill>
+                  <a:srgbClr val="FF0000"/>
+                </a:solidFill>
+                <a:latin typeface="Arial" panose="020B0604020202020204" pitchFamily="34" charset="0"/>
+                <a:cs typeface="Arial" panose="020B0604020202020204" pitchFamily="34" charset="0"/>
+              </a:rPr>
+              <a:t>chế</a:t>
+            </a:r>
+            <a:r>
+              <a:rPr lang="en-US" dirty="0">
+                <a:solidFill>
+                  <a:srgbClr val="FF0000"/>
+                </a:solidFill>
+                <a:latin typeface="Arial" panose="020B0604020202020204" pitchFamily="34" charset="0"/>
+                <a:cs typeface="Arial" panose="020B0604020202020204" pitchFamily="34" charset="0"/>
+              </a:rPr>
+              <a:t> </a:t>
+            </a:r>
+            <a:r>
+              <a:rPr lang="en-US" dirty="0" err="1">
+                <a:solidFill>
+                  <a:srgbClr val="FF0000"/>
+                </a:solidFill>
+                <a:latin typeface="Arial" panose="020B0604020202020204" pitchFamily="34" charset="0"/>
+                <a:cs typeface="Arial" panose="020B0604020202020204" pitchFamily="34" charset="0"/>
+              </a:rPr>
+              <a:t>tạo</a:t>
+            </a:r>
+            <a:r>
+              <a:rPr lang="en-US" dirty="0">
+                <a:solidFill>
+                  <a:srgbClr val="FF0000"/>
+                </a:solidFill>
+                <a:latin typeface="Arial" panose="020B0604020202020204" pitchFamily="34" charset="0"/>
+                <a:cs typeface="Arial" panose="020B0604020202020204" pitchFamily="34" charset="0"/>
+              </a:rPr>
+              <a:t> </a:t>
+            </a:r>
+            <a:r>
+              <a:rPr lang="en-US" dirty="0" err="1">
+                <a:solidFill>
+                  <a:srgbClr val="FF0000"/>
+                </a:solidFill>
+                <a:latin typeface="Arial" panose="020B0604020202020204" pitchFamily="34" charset="0"/>
+                <a:cs typeface="Arial" panose="020B0604020202020204" pitchFamily="34" charset="0"/>
+              </a:rPr>
+              <a:t>xe</a:t>
+            </a:r>
+            <a:r>
+              <a:rPr lang="en-US" dirty="0">
+                <a:solidFill>
+                  <a:srgbClr val="FF0000"/>
+                </a:solidFill>
+                <a:latin typeface="Arial" panose="020B0604020202020204" pitchFamily="34" charset="0"/>
+                <a:cs typeface="Arial" panose="020B0604020202020204" pitchFamily="34" charset="0"/>
+              </a:rPr>
+              <a:t> </a:t>
+            </a:r>
+            <a:r>
+              <a:rPr lang="en-US" dirty="0" err="1">
+                <a:solidFill>
+                  <a:srgbClr val="FF0000"/>
+                </a:solidFill>
+                <a:latin typeface="Arial" panose="020B0604020202020204" pitchFamily="34" charset="0"/>
+                <a:cs typeface="Arial" panose="020B0604020202020204" pitchFamily="34" charset="0"/>
+              </a:rPr>
+              <a:t>tự</a:t>
+            </a:r>
+            <a:r>
+              <a:rPr lang="en-US" dirty="0">
+                <a:solidFill>
+                  <a:srgbClr val="FF0000"/>
+                </a:solidFill>
+                <a:latin typeface="Arial" panose="020B0604020202020204" pitchFamily="34" charset="0"/>
+                <a:cs typeface="Arial" panose="020B0604020202020204" pitchFamily="34" charset="0"/>
+              </a:rPr>
+              <a:t> </a:t>
+            </a:r>
+            <a:r>
+              <a:rPr lang="en-US" dirty="0" err="1">
+                <a:solidFill>
+                  <a:srgbClr val="FF0000"/>
+                </a:solidFill>
+                <a:latin typeface="Arial" panose="020B0604020202020204" pitchFamily="34" charset="0"/>
+                <a:cs typeface="Arial" panose="020B0604020202020204" pitchFamily="34" charset="0"/>
+              </a:rPr>
+              <a:t>cân</a:t>
+            </a:r>
+            <a:r>
+              <a:rPr lang="en-US" dirty="0">
+                <a:solidFill>
+                  <a:srgbClr val="FF0000"/>
+                </a:solidFill>
+                <a:latin typeface="Arial" panose="020B0604020202020204" pitchFamily="34" charset="0"/>
+                <a:cs typeface="Arial" panose="020B0604020202020204" pitchFamily="34" charset="0"/>
+              </a:rPr>
+              <a:t> </a:t>
+            </a:r>
+            <a:r>
+              <a:rPr lang="en-US" dirty="0" err="1">
+                <a:solidFill>
+                  <a:srgbClr val="FF0000"/>
+                </a:solidFill>
+                <a:latin typeface="Arial" panose="020B0604020202020204" pitchFamily="34" charset="0"/>
+                <a:cs typeface="Arial" panose="020B0604020202020204" pitchFamily="34" charset="0"/>
+              </a:rPr>
+              <a:t>bằng</a:t>
+            </a:r>
+            <a:endParaRPr lang="en-US" dirty="0"/>
+          </a:p>
+        </p:txBody>
+      </p:sp>
+      <p:pic>
+        <p:nvPicPr>
+          <p:cNvPr id="4" name="Picture 3"/>
+          <p:cNvPicPr/>
+          <p:nvPr/>
+        </p:nvPicPr>
+        <p:blipFill rotWithShape="1">
+          <a:blip r:embed="rId2">
+            <a:extLst>
+              <a:ext uri="{28A0092B-C50C-407E-A947-70E740481C1C}">
+                <a14:useLocalDpi xmlns:a14="http://schemas.microsoft.com/office/drawing/2010/main" val="0"/>
+              </a:ext>
+            </a:extLst>
+          </a:blip>
+          <a:srcRect l="3760" r="3863"/>
+          <a:stretch/>
+        </p:blipFill>
+        <p:spPr bwMode="auto">
+          <a:xfrm rot="16200000">
+            <a:off x="1977634" y="2102409"/>
+            <a:ext cx="3710603" cy="2887157"/>
+          </a:xfrm>
+          <a:prstGeom prst="rect">
+            <a:avLst/>
+          </a:prstGeom>
+          <a:noFill/>
+          <a:ln>
+            <a:noFill/>
+          </a:ln>
+          <a:extLst>
+            <a:ext uri="{53640926-AAD7-44D8-BBD7-CCE9431645EC}">
+              <a14:shadowObscured xmlns:a14="http://schemas.microsoft.com/office/drawing/2010/main"/>
+            </a:ext>
+          </a:extLst>
+        </p:spPr>
+      </p:pic>
+      <p:pic>
+        <p:nvPicPr>
+          <p:cNvPr id="5" name="Picture 4"/>
+          <p:cNvPicPr/>
+          <p:nvPr/>
+        </p:nvPicPr>
+        <p:blipFill rotWithShape="1">
+          <a:blip r:embed="rId3">
+            <a:extLst>
+              <a:ext uri="{28A0092B-C50C-407E-A947-70E740481C1C}">
+                <a14:useLocalDpi xmlns:a14="http://schemas.microsoft.com/office/drawing/2010/main" val="0"/>
+              </a:ext>
+            </a:extLst>
+          </a:blip>
+          <a:srcRect t="2827" b="5685"/>
+          <a:stretch/>
+        </p:blipFill>
+        <p:spPr bwMode="auto">
+          <a:xfrm>
+            <a:off x="5505114" y="1690685"/>
+            <a:ext cx="4987580" cy="3710604"/>
+          </a:xfrm>
+          <a:prstGeom prst="rect">
+            <a:avLst/>
+          </a:prstGeom>
+          <a:noFill/>
+          <a:ln>
+            <a:noFill/>
+          </a:ln>
+          <a:extLst>
+            <a:ext uri="{53640926-AAD7-44D8-BBD7-CCE9431645EC}">
+              <a14:shadowObscured xmlns:a14="http://schemas.microsoft.com/office/drawing/2010/main"/>
+            </a:ext>
+          </a:extLst>
+        </p:spPr>
+      </p:pic>
     </p:spTree>
     <p:extLst>
       <p:ext uri="{BB962C8B-B14F-4D97-AF65-F5344CB8AC3E}">
-        <p14:creationId xmlns:p14="http://schemas.microsoft.com/office/powerpoint/2010/main" val="2676452344"/>
+        <p14:creationId xmlns:p14="http://schemas.microsoft.com/office/powerpoint/2010/main" val="4189274415"/>
       </p:ext>
     </p:extLst>
   </p:cSld>
   <p:clrMapOvr>
     <a:masterClrMapping/>
   </p:clrMapOvr>
-  <p:timing>
-    <p:tnLst>
-      <p:par>
-        <p:cTn id="1" dur="indefinite" restart="never" nodeType="tmRoot"/>
-      </p:par>
-    </p:tnLst>
-  </p:timing>
 </p:sld>
 </file>
 
-<file path=ppt/slides/slide14.xml><?xml version="1.0" encoding="utf-8"?>
+<file path=ppt/slides/slide16.xml><?xml version="1.0" encoding="utf-8"?>
 <p:sld xmlns:a="http://schemas.openxmlformats.org/drawingml/2006/main" xmlns:r="http://schemas.openxmlformats.org/officeDocument/2006/relationships" xmlns:p="http://schemas.openxmlformats.org/presentationml/2006/main">
   <p:cSld>
     <p:spTree>
@@ -3988,206 +4786,1332 @@
             <p:ph type="title"/>
           </p:nvPr>
         </p:nvSpPr>
-        <p:spPr>
+        <p:spPr/>
+        <p:txBody>
+          <a:bodyPr/>
+          <a:lstStyle/>
+          <a:p>
+            <a:r>
+              <a:rPr lang="en-US" dirty="0" err="1">
+                <a:solidFill>
+                  <a:srgbClr val="FF0000"/>
+                </a:solidFill>
+                <a:latin typeface="Arial" panose="020B0604020202020204" pitchFamily="34" charset="0"/>
+                <a:cs typeface="Arial" panose="020B0604020202020204" pitchFamily="34" charset="0"/>
+              </a:rPr>
+              <a:t>Thiết</a:t>
+            </a:r>
+            <a:r>
+              <a:rPr lang="en-US" dirty="0">
+                <a:solidFill>
+                  <a:srgbClr val="FF0000"/>
+                </a:solidFill>
+                <a:latin typeface="Arial" panose="020B0604020202020204" pitchFamily="34" charset="0"/>
+                <a:cs typeface="Arial" panose="020B0604020202020204" pitchFamily="34" charset="0"/>
+              </a:rPr>
+              <a:t> </a:t>
+            </a:r>
+            <a:r>
+              <a:rPr lang="en-US" dirty="0" err="1">
+                <a:solidFill>
+                  <a:srgbClr val="FF0000"/>
+                </a:solidFill>
+                <a:latin typeface="Arial" panose="020B0604020202020204" pitchFamily="34" charset="0"/>
+                <a:cs typeface="Arial" panose="020B0604020202020204" pitchFamily="34" charset="0"/>
+              </a:rPr>
+              <a:t>kế</a:t>
+            </a:r>
+            <a:r>
+              <a:rPr lang="en-US" dirty="0">
+                <a:solidFill>
+                  <a:srgbClr val="FF0000"/>
+                </a:solidFill>
+                <a:latin typeface="Arial" panose="020B0604020202020204" pitchFamily="34" charset="0"/>
+                <a:cs typeface="Arial" panose="020B0604020202020204" pitchFamily="34" charset="0"/>
+              </a:rPr>
+              <a:t>, </a:t>
+            </a:r>
+            <a:r>
+              <a:rPr lang="en-US" dirty="0" err="1">
+                <a:solidFill>
+                  <a:srgbClr val="FF0000"/>
+                </a:solidFill>
+                <a:latin typeface="Arial" panose="020B0604020202020204" pitchFamily="34" charset="0"/>
+                <a:cs typeface="Arial" panose="020B0604020202020204" pitchFamily="34" charset="0"/>
+              </a:rPr>
+              <a:t>chế</a:t>
+            </a:r>
+            <a:r>
+              <a:rPr lang="en-US" dirty="0">
+                <a:solidFill>
+                  <a:srgbClr val="FF0000"/>
+                </a:solidFill>
+                <a:latin typeface="Arial" panose="020B0604020202020204" pitchFamily="34" charset="0"/>
+                <a:cs typeface="Arial" panose="020B0604020202020204" pitchFamily="34" charset="0"/>
+              </a:rPr>
+              <a:t> </a:t>
+            </a:r>
+            <a:r>
+              <a:rPr lang="en-US" dirty="0" err="1">
+                <a:solidFill>
+                  <a:srgbClr val="FF0000"/>
+                </a:solidFill>
+                <a:latin typeface="Arial" panose="020B0604020202020204" pitchFamily="34" charset="0"/>
+                <a:cs typeface="Arial" panose="020B0604020202020204" pitchFamily="34" charset="0"/>
+              </a:rPr>
+              <a:t>tạo</a:t>
+            </a:r>
+            <a:r>
+              <a:rPr lang="en-US" dirty="0">
+                <a:solidFill>
+                  <a:srgbClr val="FF0000"/>
+                </a:solidFill>
+                <a:latin typeface="Arial" panose="020B0604020202020204" pitchFamily="34" charset="0"/>
+                <a:cs typeface="Arial" panose="020B0604020202020204" pitchFamily="34" charset="0"/>
+              </a:rPr>
+              <a:t> </a:t>
+            </a:r>
+            <a:r>
+              <a:rPr lang="en-US" dirty="0" err="1">
+                <a:solidFill>
+                  <a:srgbClr val="FF0000"/>
+                </a:solidFill>
+                <a:latin typeface="Arial" panose="020B0604020202020204" pitchFamily="34" charset="0"/>
+                <a:cs typeface="Arial" panose="020B0604020202020204" pitchFamily="34" charset="0"/>
+              </a:rPr>
+              <a:t>xe</a:t>
+            </a:r>
+            <a:r>
+              <a:rPr lang="en-US" dirty="0">
+                <a:solidFill>
+                  <a:srgbClr val="FF0000"/>
+                </a:solidFill>
+                <a:latin typeface="Arial" panose="020B0604020202020204" pitchFamily="34" charset="0"/>
+                <a:cs typeface="Arial" panose="020B0604020202020204" pitchFamily="34" charset="0"/>
+              </a:rPr>
+              <a:t> </a:t>
+            </a:r>
+            <a:r>
+              <a:rPr lang="en-US" dirty="0" err="1">
+                <a:solidFill>
+                  <a:srgbClr val="FF0000"/>
+                </a:solidFill>
+                <a:latin typeface="Arial" panose="020B0604020202020204" pitchFamily="34" charset="0"/>
+                <a:cs typeface="Arial" panose="020B0604020202020204" pitchFamily="34" charset="0"/>
+              </a:rPr>
+              <a:t>tự</a:t>
+            </a:r>
+            <a:r>
+              <a:rPr lang="en-US" dirty="0">
+                <a:solidFill>
+                  <a:srgbClr val="FF0000"/>
+                </a:solidFill>
+                <a:latin typeface="Arial" panose="020B0604020202020204" pitchFamily="34" charset="0"/>
+                <a:cs typeface="Arial" panose="020B0604020202020204" pitchFamily="34" charset="0"/>
+              </a:rPr>
+              <a:t> </a:t>
+            </a:r>
+            <a:r>
+              <a:rPr lang="en-US" dirty="0" err="1">
+                <a:solidFill>
+                  <a:srgbClr val="FF0000"/>
+                </a:solidFill>
+                <a:latin typeface="Arial" panose="020B0604020202020204" pitchFamily="34" charset="0"/>
+                <a:cs typeface="Arial" panose="020B0604020202020204" pitchFamily="34" charset="0"/>
+              </a:rPr>
+              <a:t>cân</a:t>
+            </a:r>
+            <a:r>
+              <a:rPr lang="en-US" dirty="0">
+                <a:solidFill>
+                  <a:srgbClr val="FF0000"/>
+                </a:solidFill>
+                <a:latin typeface="Arial" panose="020B0604020202020204" pitchFamily="34" charset="0"/>
+                <a:cs typeface="Arial" panose="020B0604020202020204" pitchFamily="34" charset="0"/>
+              </a:rPr>
+              <a:t> </a:t>
+            </a:r>
+            <a:r>
+              <a:rPr lang="en-US" dirty="0" err="1">
+                <a:solidFill>
+                  <a:srgbClr val="FF0000"/>
+                </a:solidFill>
+                <a:latin typeface="Arial" panose="020B0604020202020204" pitchFamily="34" charset="0"/>
+                <a:cs typeface="Arial" panose="020B0604020202020204" pitchFamily="34" charset="0"/>
+              </a:rPr>
+              <a:t>bằng</a:t>
+            </a:r>
+            <a:endParaRPr lang="en-US" dirty="0"/>
+          </a:p>
+        </p:txBody>
+      </p:sp>
+      <p:pic>
+        <p:nvPicPr>
+          <p:cNvPr id="4" name="Picture 3"/>
+          <p:cNvPicPr/>
+          <p:nvPr/>
+        </p:nvPicPr>
+        <p:blipFill rotWithShape="1">
+          <a:blip r:embed="rId2">
+            <a:extLst>
+              <a:ext uri="{28A0092B-C50C-407E-A947-70E740481C1C}">
+                <a14:useLocalDpi xmlns:a14="http://schemas.microsoft.com/office/drawing/2010/main" val="0"/>
+              </a:ext>
+            </a:extLst>
+          </a:blip>
+          <a:srcRect t="4431" b="-3110"/>
+          <a:stretch/>
+        </p:blipFill>
+        <p:spPr bwMode="auto">
           <a:xfrm>
-            <a:off x="838200" y="365125"/>
-            <a:ext cx="10515600" cy="5860863"/>
+            <a:off x="3928912" y="1690688"/>
+            <a:ext cx="4334175" cy="4293554"/>
           </a:xfrm>
+          <a:prstGeom prst="rect">
+            <a:avLst/>
+          </a:prstGeom>
+          <a:noFill/>
+          <a:ln>
+            <a:noFill/>
+          </a:ln>
+          <a:extLst>
+            <a:ext uri="{53640926-AAD7-44D8-BBD7-CCE9431645EC}">
+              <a14:shadowObscured xmlns:a14="http://schemas.microsoft.com/office/drawing/2010/main"/>
+            </a:ext>
+          </a:extLst>
         </p:spPr>
-        <p:txBody>
-          <a:bodyPr>
-            <a:normAutofit/>
-          </a:bodyPr>
-          <a:lstStyle/>
-          <a:p>
-            <a:pPr algn="ctr"/>
-            <a:r>
-              <a:rPr lang="en-US" sz="5400" dirty="0" err="1" smtClean="0">
-                <a:solidFill>
-                  <a:srgbClr val="FF0000"/>
-                </a:solidFill>
-                <a:latin typeface="Arial" panose="020B0604020202020204" pitchFamily="34" charset="0"/>
-                <a:cs typeface="Arial" panose="020B0604020202020204" pitchFamily="34" charset="0"/>
-              </a:rPr>
-              <a:t>Cảm</a:t>
-            </a:r>
-            <a:r>
-              <a:rPr lang="en-US" sz="5400" dirty="0" smtClean="0">
-                <a:solidFill>
-                  <a:srgbClr val="FF0000"/>
-                </a:solidFill>
-                <a:latin typeface="Arial" panose="020B0604020202020204" pitchFamily="34" charset="0"/>
-                <a:cs typeface="Arial" panose="020B0604020202020204" pitchFamily="34" charset="0"/>
-              </a:rPr>
-              <a:t> </a:t>
-            </a:r>
-            <a:r>
-              <a:rPr lang="en-US" sz="5400" dirty="0" err="1" smtClean="0">
-                <a:solidFill>
-                  <a:srgbClr val="FF0000"/>
-                </a:solidFill>
-                <a:latin typeface="Arial" panose="020B0604020202020204" pitchFamily="34" charset="0"/>
-                <a:cs typeface="Arial" panose="020B0604020202020204" pitchFamily="34" charset="0"/>
-              </a:rPr>
-              <a:t>ơn</a:t>
-            </a:r>
-            <a:r>
-              <a:rPr lang="en-US" sz="5400" dirty="0" smtClean="0">
-                <a:solidFill>
-                  <a:srgbClr val="FF0000"/>
-                </a:solidFill>
-                <a:latin typeface="Arial" panose="020B0604020202020204" pitchFamily="34" charset="0"/>
-                <a:cs typeface="Arial" panose="020B0604020202020204" pitchFamily="34" charset="0"/>
-              </a:rPr>
-              <a:t> </a:t>
-            </a:r>
-            <a:r>
-              <a:rPr lang="en-US" sz="5400" dirty="0" err="1" smtClean="0">
-                <a:solidFill>
-                  <a:srgbClr val="FF0000"/>
-                </a:solidFill>
-                <a:latin typeface="Arial" panose="020B0604020202020204" pitchFamily="34" charset="0"/>
-                <a:cs typeface="Arial" panose="020B0604020202020204" pitchFamily="34" charset="0"/>
-              </a:rPr>
-              <a:t>quý</a:t>
-            </a:r>
-            <a:r>
-              <a:rPr lang="en-US" sz="5400" dirty="0" smtClean="0">
-                <a:solidFill>
-                  <a:srgbClr val="FF0000"/>
-                </a:solidFill>
-                <a:latin typeface="Arial" panose="020B0604020202020204" pitchFamily="34" charset="0"/>
-                <a:cs typeface="Arial" panose="020B0604020202020204" pitchFamily="34" charset="0"/>
-              </a:rPr>
-              <a:t> </a:t>
-            </a:r>
-            <a:r>
-              <a:rPr lang="en-US" sz="5400" dirty="0" err="1" smtClean="0">
-                <a:solidFill>
-                  <a:srgbClr val="FF0000"/>
-                </a:solidFill>
-                <a:latin typeface="Arial" panose="020B0604020202020204" pitchFamily="34" charset="0"/>
-                <a:cs typeface="Arial" panose="020B0604020202020204" pitchFamily="34" charset="0"/>
-              </a:rPr>
-              <a:t>thầy</a:t>
-            </a:r>
-            <a:r>
-              <a:rPr lang="en-US" sz="5400" dirty="0" smtClean="0">
-                <a:solidFill>
-                  <a:srgbClr val="FF0000"/>
-                </a:solidFill>
-                <a:latin typeface="Arial" panose="020B0604020202020204" pitchFamily="34" charset="0"/>
-                <a:cs typeface="Arial" panose="020B0604020202020204" pitchFamily="34" charset="0"/>
-              </a:rPr>
-              <a:t> </a:t>
-            </a:r>
-            <a:r>
-              <a:rPr lang="en-US" sz="5400" dirty="0" err="1" smtClean="0">
-                <a:solidFill>
-                  <a:srgbClr val="FF0000"/>
-                </a:solidFill>
-                <a:latin typeface="Arial" panose="020B0604020202020204" pitchFamily="34" charset="0"/>
-                <a:cs typeface="Arial" panose="020B0604020202020204" pitchFamily="34" charset="0"/>
-              </a:rPr>
-              <a:t>cô</a:t>
-            </a:r>
-            <a:r>
-              <a:rPr lang="en-US" sz="5400" dirty="0" smtClean="0">
-                <a:solidFill>
-                  <a:srgbClr val="FF0000"/>
-                </a:solidFill>
-                <a:latin typeface="Arial" panose="020B0604020202020204" pitchFamily="34" charset="0"/>
-                <a:cs typeface="Arial" panose="020B0604020202020204" pitchFamily="34" charset="0"/>
-              </a:rPr>
-              <a:t> </a:t>
-            </a:r>
-            <a:r>
-              <a:rPr lang="en-US" sz="5400" dirty="0" err="1" smtClean="0">
-                <a:solidFill>
-                  <a:srgbClr val="FF0000"/>
-                </a:solidFill>
-                <a:latin typeface="Arial" panose="020B0604020202020204" pitchFamily="34" charset="0"/>
-                <a:cs typeface="Arial" panose="020B0604020202020204" pitchFamily="34" charset="0"/>
-              </a:rPr>
-              <a:t>và</a:t>
-            </a:r>
-            <a:r>
-              <a:rPr lang="en-US" sz="5400" dirty="0" smtClean="0">
-                <a:solidFill>
-                  <a:srgbClr val="FF0000"/>
-                </a:solidFill>
-                <a:latin typeface="Arial" panose="020B0604020202020204" pitchFamily="34" charset="0"/>
-                <a:cs typeface="Arial" panose="020B0604020202020204" pitchFamily="34" charset="0"/>
-              </a:rPr>
-              <a:t> </a:t>
-            </a:r>
-            <a:r>
-              <a:rPr lang="en-US" sz="5400" dirty="0" err="1" smtClean="0">
-                <a:solidFill>
-                  <a:srgbClr val="FF0000"/>
-                </a:solidFill>
-                <a:latin typeface="Arial" panose="020B0604020202020204" pitchFamily="34" charset="0"/>
-                <a:cs typeface="Arial" panose="020B0604020202020204" pitchFamily="34" charset="0"/>
-              </a:rPr>
-              <a:t>các</a:t>
-            </a:r>
-            <a:r>
-              <a:rPr lang="en-US" sz="5400" dirty="0" smtClean="0">
-                <a:solidFill>
-                  <a:srgbClr val="FF0000"/>
-                </a:solidFill>
-                <a:latin typeface="Arial" panose="020B0604020202020204" pitchFamily="34" charset="0"/>
-                <a:cs typeface="Arial" panose="020B0604020202020204" pitchFamily="34" charset="0"/>
-              </a:rPr>
-              <a:t> </a:t>
-            </a:r>
-            <a:r>
-              <a:rPr lang="en-US" sz="5400" dirty="0" err="1" smtClean="0">
-                <a:solidFill>
-                  <a:srgbClr val="FF0000"/>
-                </a:solidFill>
-                <a:latin typeface="Arial" panose="020B0604020202020204" pitchFamily="34" charset="0"/>
-                <a:cs typeface="Arial" panose="020B0604020202020204" pitchFamily="34" charset="0"/>
-              </a:rPr>
-              <a:t>bạn</a:t>
-            </a:r>
-            <a:r>
-              <a:rPr lang="en-US" sz="5400" dirty="0" smtClean="0">
-                <a:solidFill>
-                  <a:srgbClr val="FF0000"/>
-                </a:solidFill>
-                <a:latin typeface="Arial" panose="020B0604020202020204" pitchFamily="34" charset="0"/>
-                <a:cs typeface="Arial" panose="020B0604020202020204" pitchFamily="34" charset="0"/>
-              </a:rPr>
-              <a:t>!</a:t>
-            </a:r>
-            <a:endParaRPr lang="en-US" sz="5400" dirty="0">
-              <a:solidFill>
-                <a:srgbClr val="FF0000"/>
-              </a:solidFill>
-              <a:latin typeface="Arial" panose="020B0604020202020204" pitchFamily="34" charset="0"/>
-              <a:cs typeface="Arial" panose="020B0604020202020204" pitchFamily="34" charset="0"/>
-            </a:endParaRPr>
-          </a:p>
-        </p:txBody>
-      </p:sp>
+      </p:pic>
     </p:spTree>
     <p:extLst>
       <p:ext uri="{BB962C8B-B14F-4D97-AF65-F5344CB8AC3E}">
-        <p14:creationId xmlns:p14="http://schemas.microsoft.com/office/powerpoint/2010/main" val="2824212487"/>
+        <p14:creationId xmlns:p14="http://schemas.microsoft.com/office/powerpoint/2010/main" val="1428571174"/>
       </p:ext>
     </p:extLst>
   </p:cSld>
   <p:clrMapOvr>
     <a:masterClrMapping/>
   </p:clrMapOvr>
-  <p:timing>
-    <p:tnLst>
-      <p:par>
-        <p:cTn id="1" dur="indefinite" restart="never" nodeType="tmRoot"/>
-      </p:par>
-    </p:tnLst>
-  </p:timing>
+</p:sld>
+</file>
+
+<file path=ppt/slides/slide17.xml><?xml version="1.0" encoding="utf-8"?>
+<p:sld xmlns:a="http://schemas.openxmlformats.org/drawingml/2006/main" xmlns:r="http://schemas.openxmlformats.org/officeDocument/2006/relationships" xmlns:p="http://schemas.openxmlformats.org/presentationml/2006/main">
+  <p:cSld>
+    <p:spTree>
+      <p:nvGrpSpPr>
+        <p:cNvPr id="1" name=""/>
+        <p:cNvGrpSpPr/>
+        <p:nvPr/>
+      </p:nvGrpSpPr>
+      <p:grpSpPr>
+        <a:xfrm>
+          <a:off x="0" y="0"/>
+          <a:ext cx="0" cy="0"/>
+          <a:chOff x="0" y="0"/>
+          <a:chExt cx="0" cy="0"/>
+        </a:xfrm>
+      </p:grpSpPr>
+      <p:sp>
+        <p:nvSpPr>
+          <p:cNvPr id="2" name="Title 1"/>
+          <p:cNvSpPr>
+            <a:spLocks noGrp="1"/>
+          </p:cNvSpPr>
+          <p:nvPr>
+            <p:ph type="title"/>
+          </p:nvPr>
+        </p:nvSpPr>
+        <p:spPr/>
+        <p:txBody>
+          <a:bodyPr/>
+          <a:lstStyle/>
+          <a:p>
+            <a:r>
+              <a:rPr lang="en-US" dirty="0" err="1">
+                <a:solidFill>
+                  <a:srgbClr val="FF0000"/>
+                </a:solidFill>
+                <a:latin typeface="Arial" panose="020B0604020202020204" pitchFamily="34" charset="0"/>
+                <a:cs typeface="Arial" panose="020B0604020202020204" pitchFamily="34" charset="0"/>
+              </a:rPr>
+              <a:t>Thiết</a:t>
+            </a:r>
+            <a:r>
+              <a:rPr lang="en-US" dirty="0">
+                <a:solidFill>
+                  <a:srgbClr val="FF0000"/>
+                </a:solidFill>
+                <a:latin typeface="Arial" panose="020B0604020202020204" pitchFamily="34" charset="0"/>
+                <a:cs typeface="Arial" panose="020B0604020202020204" pitchFamily="34" charset="0"/>
+              </a:rPr>
+              <a:t> </a:t>
+            </a:r>
+            <a:r>
+              <a:rPr lang="en-US" dirty="0" err="1">
+                <a:solidFill>
+                  <a:srgbClr val="FF0000"/>
+                </a:solidFill>
+                <a:latin typeface="Arial" panose="020B0604020202020204" pitchFamily="34" charset="0"/>
+                <a:cs typeface="Arial" panose="020B0604020202020204" pitchFamily="34" charset="0"/>
+              </a:rPr>
+              <a:t>kế</a:t>
+            </a:r>
+            <a:r>
+              <a:rPr lang="en-US" dirty="0">
+                <a:solidFill>
+                  <a:srgbClr val="FF0000"/>
+                </a:solidFill>
+                <a:latin typeface="Arial" panose="020B0604020202020204" pitchFamily="34" charset="0"/>
+                <a:cs typeface="Arial" panose="020B0604020202020204" pitchFamily="34" charset="0"/>
+              </a:rPr>
+              <a:t>, </a:t>
+            </a:r>
+            <a:r>
+              <a:rPr lang="en-US" dirty="0" err="1">
+                <a:solidFill>
+                  <a:srgbClr val="FF0000"/>
+                </a:solidFill>
+                <a:latin typeface="Arial" panose="020B0604020202020204" pitchFamily="34" charset="0"/>
+                <a:cs typeface="Arial" panose="020B0604020202020204" pitchFamily="34" charset="0"/>
+              </a:rPr>
+              <a:t>chế</a:t>
+            </a:r>
+            <a:r>
+              <a:rPr lang="en-US" dirty="0">
+                <a:solidFill>
+                  <a:srgbClr val="FF0000"/>
+                </a:solidFill>
+                <a:latin typeface="Arial" panose="020B0604020202020204" pitchFamily="34" charset="0"/>
+                <a:cs typeface="Arial" panose="020B0604020202020204" pitchFamily="34" charset="0"/>
+              </a:rPr>
+              <a:t> </a:t>
+            </a:r>
+            <a:r>
+              <a:rPr lang="en-US" dirty="0" err="1">
+                <a:solidFill>
+                  <a:srgbClr val="FF0000"/>
+                </a:solidFill>
+                <a:latin typeface="Arial" panose="020B0604020202020204" pitchFamily="34" charset="0"/>
+                <a:cs typeface="Arial" panose="020B0604020202020204" pitchFamily="34" charset="0"/>
+              </a:rPr>
+              <a:t>tạo</a:t>
+            </a:r>
+            <a:r>
+              <a:rPr lang="en-US" dirty="0">
+                <a:solidFill>
+                  <a:srgbClr val="FF0000"/>
+                </a:solidFill>
+                <a:latin typeface="Arial" panose="020B0604020202020204" pitchFamily="34" charset="0"/>
+                <a:cs typeface="Arial" panose="020B0604020202020204" pitchFamily="34" charset="0"/>
+              </a:rPr>
+              <a:t> </a:t>
+            </a:r>
+            <a:r>
+              <a:rPr lang="en-US" dirty="0" err="1">
+                <a:solidFill>
+                  <a:srgbClr val="FF0000"/>
+                </a:solidFill>
+                <a:latin typeface="Arial" panose="020B0604020202020204" pitchFamily="34" charset="0"/>
+                <a:cs typeface="Arial" panose="020B0604020202020204" pitchFamily="34" charset="0"/>
+              </a:rPr>
+              <a:t>xe</a:t>
+            </a:r>
+            <a:r>
+              <a:rPr lang="en-US" dirty="0">
+                <a:solidFill>
+                  <a:srgbClr val="FF0000"/>
+                </a:solidFill>
+                <a:latin typeface="Arial" panose="020B0604020202020204" pitchFamily="34" charset="0"/>
+                <a:cs typeface="Arial" panose="020B0604020202020204" pitchFamily="34" charset="0"/>
+              </a:rPr>
+              <a:t> </a:t>
+            </a:r>
+            <a:r>
+              <a:rPr lang="en-US" dirty="0" err="1">
+                <a:solidFill>
+                  <a:srgbClr val="FF0000"/>
+                </a:solidFill>
+                <a:latin typeface="Arial" panose="020B0604020202020204" pitchFamily="34" charset="0"/>
+                <a:cs typeface="Arial" panose="020B0604020202020204" pitchFamily="34" charset="0"/>
+              </a:rPr>
+              <a:t>tự</a:t>
+            </a:r>
+            <a:r>
+              <a:rPr lang="en-US" dirty="0">
+                <a:solidFill>
+                  <a:srgbClr val="FF0000"/>
+                </a:solidFill>
+                <a:latin typeface="Arial" panose="020B0604020202020204" pitchFamily="34" charset="0"/>
+                <a:cs typeface="Arial" panose="020B0604020202020204" pitchFamily="34" charset="0"/>
+              </a:rPr>
+              <a:t> </a:t>
+            </a:r>
+            <a:r>
+              <a:rPr lang="en-US" dirty="0" err="1">
+                <a:solidFill>
+                  <a:srgbClr val="FF0000"/>
+                </a:solidFill>
+                <a:latin typeface="Arial" panose="020B0604020202020204" pitchFamily="34" charset="0"/>
+                <a:cs typeface="Arial" panose="020B0604020202020204" pitchFamily="34" charset="0"/>
+              </a:rPr>
+              <a:t>cân</a:t>
+            </a:r>
+            <a:r>
+              <a:rPr lang="en-US" dirty="0">
+                <a:solidFill>
+                  <a:srgbClr val="FF0000"/>
+                </a:solidFill>
+                <a:latin typeface="Arial" panose="020B0604020202020204" pitchFamily="34" charset="0"/>
+                <a:cs typeface="Arial" panose="020B0604020202020204" pitchFamily="34" charset="0"/>
+              </a:rPr>
+              <a:t> </a:t>
+            </a:r>
+            <a:r>
+              <a:rPr lang="en-US" dirty="0" err="1">
+                <a:solidFill>
+                  <a:srgbClr val="FF0000"/>
+                </a:solidFill>
+                <a:latin typeface="Arial" panose="020B0604020202020204" pitchFamily="34" charset="0"/>
+                <a:cs typeface="Arial" panose="020B0604020202020204" pitchFamily="34" charset="0"/>
+              </a:rPr>
+              <a:t>bằng</a:t>
+            </a:r>
+            <a:endParaRPr lang="en-US" dirty="0"/>
+          </a:p>
+        </p:txBody>
+      </p:sp>
+      <p:pic>
+        <p:nvPicPr>
+          <p:cNvPr id="4" name="Picture 3"/>
+          <p:cNvPicPr/>
+          <p:nvPr/>
+        </p:nvPicPr>
+        <p:blipFill>
+          <a:blip r:embed="rId2">
+            <a:extLst>
+              <a:ext uri="{28A0092B-C50C-407E-A947-70E740481C1C}">
+                <a14:useLocalDpi xmlns:a14="http://schemas.microsoft.com/office/drawing/2010/main" val="0"/>
+              </a:ext>
+            </a:extLst>
+          </a:blip>
+          <a:srcRect/>
+          <a:stretch>
+            <a:fillRect/>
+          </a:stretch>
+        </p:blipFill>
+        <p:spPr bwMode="auto">
+          <a:xfrm>
+            <a:off x="838200" y="1690688"/>
+            <a:ext cx="2468880" cy="2138680"/>
+          </a:xfrm>
+          <a:prstGeom prst="rect">
+            <a:avLst/>
+          </a:prstGeom>
+          <a:noFill/>
+          <a:ln>
+            <a:noFill/>
+          </a:ln>
+        </p:spPr>
+      </p:pic>
+      <p:pic>
+        <p:nvPicPr>
+          <p:cNvPr id="5" name="Picture 4"/>
+          <p:cNvPicPr/>
+          <p:nvPr/>
+        </p:nvPicPr>
+        <p:blipFill>
+          <a:blip r:embed="rId3">
+            <a:extLst>
+              <a:ext uri="{28A0092B-C50C-407E-A947-70E740481C1C}">
+                <a14:useLocalDpi xmlns:a14="http://schemas.microsoft.com/office/drawing/2010/main" val="0"/>
+              </a:ext>
+            </a:extLst>
+          </a:blip>
+          <a:srcRect/>
+          <a:stretch>
+            <a:fillRect/>
+          </a:stretch>
+        </p:blipFill>
+        <p:spPr bwMode="auto">
+          <a:xfrm>
+            <a:off x="8200072" y="1690688"/>
+            <a:ext cx="2423795" cy="1160780"/>
+          </a:xfrm>
+          <a:prstGeom prst="rect">
+            <a:avLst/>
+          </a:prstGeom>
+          <a:noFill/>
+          <a:ln>
+            <a:noFill/>
+          </a:ln>
+        </p:spPr>
+      </p:pic>
+      <p:pic>
+        <p:nvPicPr>
+          <p:cNvPr id="6" name="Picture 5"/>
+          <p:cNvPicPr/>
+          <p:nvPr/>
+        </p:nvPicPr>
+        <p:blipFill>
+          <a:blip r:embed="rId4">
+            <a:extLst>
+              <a:ext uri="{28A0092B-C50C-407E-A947-70E740481C1C}">
+                <a14:useLocalDpi xmlns:a14="http://schemas.microsoft.com/office/drawing/2010/main" val="0"/>
+              </a:ext>
+            </a:extLst>
+          </a:blip>
+          <a:srcRect/>
+          <a:stretch>
+            <a:fillRect/>
+          </a:stretch>
+        </p:blipFill>
+        <p:spPr bwMode="auto">
+          <a:xfrm>
+            <a:off x="4994433" y="1536130"/>
+            <a:ext cx="1518285" cy="1125220"/>
+          </a:xfrm>
+          <a:prstGeom prst="rect">
+            <a:avLst/>
+          </a:prstGeom>
+          <a:noFill/>
+          <a:ln>
+            <a:noFill/>
+          </a:ln>
+        </p:spPr>
+      </p:pic>
+      <p:pic>
+        <p:nvPicPr>
+          <p:cNvPr id="7" name="Picture 6"/>
+          <p:cNvPicPr/>
+          <p:nvPr/>
+        </p:nvPicPr>
+        <p:blipFill rotWithShape="1">
+          <a:blip r:embed="rId5">
+            <a:extLst>
+              <a:ext uri="{28A0092B-C50C-407E-A947-70E740481C1C}">
+                <a14:useLocalDpi xmlns:a14="http://schemas.microsoft.com/office/drawing/2010/main" val="0"/>
+              </a:ext>
+            </a:extLst>
+          </a:blip>
+          <a:srcRect b="12732"/>
+          <a:stretch/>
+        </p:blipFill>
+        <p:spPr bwMode="auto">
+          <a:xfrm>
+            <a:off x="7470140" y="3632013"/>
+            <a:ext cx="3883660" cy="1987550"/>
+          </a:xfrm>
+          <a:prstGeom prst="rect">
+            <a:avLst/>
+          </a:prstGeom>
+          <a:noFill/>
+          <a:ln>
+            <a:noFill/>
+          </a:ln>
+          <a:extLst>
+            <a:ext uri="{53640926-AAD7-44D8-BBD7-CCE9431645EC}">
+              <a14:shadowObscured xmlns:a14="http://schemas.microsoft.com/office/drawing/2010/main"/>
+            </a:ext>
+          </a:extLst>
+        </p:spPr>
+      </p:pic>
+      <p:pic>
+        <p:nvPicPr>
+          <p:cNvPr id="8" name="Picture 7"/>
+          <p:cNvPicPr/>
+          <p:nvPr/>
+        </p:nvPicPr>
+        <p:blipFill rotWithShape="1">
+          <a:blip r:embed="rId6">
+            <a:extLst>
+              <a:ext uri="{28A0092B-C50C-407E-A947-70E740481C1C}">
+                <a14:useLocalDpi xmlns:a14="http://schemas.microsoft.com/office/drawing/2010/main" val="0"/>
+              </a:ext>
+            </a:extLst>
+          </a:blip>
+          <a:srcRect t="5855" b="16342"/>
+          <a:stretch/>
+        </p:blipFill>
+        <p:spPr bwMode="auto">
+          <a:xfrm>
+            <a:off x="838200" y="4514851"/>
+            <a:ext cx="3387090" cy="1280160"/>
+          </a:xfrm>
+          <a:prstGeom prst="rect">
+            <a:avLst/>
+          </a:prstGeom>
+          <a:noFill/>
+          <a:ln>
+            <a:noFill/>
+          </a:ln>
+          <a:extLst>
+            <a:ext uri="{53640926-AAD7-44D8-BBD7-CCE9431645EC}">
+              <a14:shadowObscured xmlns:a14="http://schemas.microsoft.com/office/drawing/2010/main"/>
+            </a:ext>
+          </a:extLst>
+        </p:spPr>
+      </p:pic>
+      <p:sp>
+        <p:nvSpPr>
+          <p:cNvPr id="9" name="TextBox 8"/>
+          <p:cNvSpPr txBox="1"/>
+          <p:nvPr/>
+        </p:nvSpPr>
+        <p:spPr>
+          <a:xfrm>
+            <a:off x="1321953" y="3802777"/>
+            <a:ext cx="1501373" cy="369332"/>
+          </a:xfrm>
+          <a:prstGeom prst="rect">
+            <a:avLst/>
+          </a:prstGeom>
+          <a:noFill/>
+        </p:spPr>
+        <p:txBody>
+          <a:bodyPr wrap="none" rtlCol="0">
+            <a:spAutoFit/>
+          </a:bodyPr>
+          <a:lstStyle/>
+          <a:p>
+            <a:r>
+              <a:rPr lang="en-US" dirty="0" smtClean="0">
+                <a:latin typeface="Arial" panose="020B0604020202020204" pitchFamily="34" charset="0"/>
+                <a:cs typeface="Arial" panose="020B0604020202020204" pitchFamily="34" charset="0"/>
+              </a:rPr>
+              <a:t>Vi </a:t>
+            </a:r>
+            <a:r>
+              <a:rPr lang="en-US" dirty="0" err="1" smtClean="0">
+                <a:latin typeface="Arial" panose="020B0604020202020204" pitchFamily="34" charset="0"/>
+                <a:cs typeface="Arial" panose="020B0604020202020204" pitchFamily="34" charset="0"/>
+              </a:rPr>
+              <a:t>điều</a:t>
+            </a:r>
+            <a:r>
+              <a:rPr lang="en-US" dirty="0" smtClean="0">
+                <a:latin typeface="Arial" panose="020B0604020202020204" pitchFamily="34" charset="0"/>
+                <a:cs typeface="Arial" panose="020B0604020202020204" pitchFamily="34" charset="0"/>
+              </a:rPr>
+              <a:t> </a:t>
+            </a:r>
+            <a:r>
+              <a:rPr lang="en-US" dirty="0" err="1" smtClean="0">
+                <a:latin typeface="Arial" panose="020B0604020202020204" pitchFamily="34" charset="0"/>
+                <a:cs typeface="Arial" panose="020B0604020202020204" pitchFamily="34" charset="0"/>
+              </a:rPr>
+              <a:t>khiển</a:t>
+            </a:r>
+            <a:endParaRPr lang="en-US" dirty="0">
+              <a:latin typeface="Arial" panose="020B0604020202020204" pitchFamily="34" charset="0"/>
+              <a:cs typeface="Arial" panose="020B0604020202020204" pitchFamily="34" charset="0"/>
+            </a:endParaRPr>
+          </a:p>
+        </p:txBody>
+      </p:sp>
+      <p:sp>
+        <p:nvSpPr>
+          <p:cNvPr id="10" name="TextBox 9"/>
+          <p:cNvSpPr txBox="1"/>
+          <p:nvPr/>
+        </p:nvSpPr>
+        <p:spPr>
+          <a:xfrm>
+            <a:off x="5173930" y="2535415"/>
+            <a:ext cx="1159292" cy="369332"/>
+          </a:xfrm>
+          <a:prstGeom prst="rect">
+            <a:avLst/>
+          </a:prstGeom>
+          <a:noFill/>
+        </p:spPr>
+        <p:txBody>
+          <a:bodyPr wrap="none" rtlCol="0">
+            <a:spAutoFit/>
+          </a:bodyPr>
+          <a:lstStyle/>
+          <a:p>
+            <a:r>
+              <a:rPr lang="en-US" dirty="0" smtClean="0">
+                <a:latin typeface="Arial" panose="020B0604020202020204" pitchFamily="34" charset="0"/>
+                <a:cs typeface="Arial" panose="020B0604020202020204" pitchFamily="34" charset="0"/>
+              </a:rPr>
+              <a:t>Bluetooth</a:t>
+            </a:r>
+            <a:endParaRPr lang="en-US" dirty="0">
+              <a:latin typeface="Arial" panose="020B0604020202020204" pitchFamily="34" charset="0"/>
+              <a:cs typeface="Arial" panose="020B0604020202020204" pitchFamily="34" charset="0"/>
+            </a:endParaRPr>
+          </a:p>
+        </p:txBody>
+      </p:sp>
+      <p:sp>
+        <p:nvSpPr>
+          <p:cNvPr id="11" name="TextBox 10"/>
+          <p:cNvSpPr txBox="1"/>
+          <p:nvPr/>
+        </p:nvSpPr>
+        <p:spPr>
+          <a:xfrm>
+            <a:off x="1855919" y="5668558"/>
+            <a:ext cx="1351652" cy="369332"/>
+          </a:xfrm>
+          <a:prstGeom prst="rect">
+            <a:avLst/>
+          </a:prstGeom>
+          <a:noFill/>
+        </p:spPr>
+        <p:txBody>
+          <a:bodyPr wrap="none" rtlCol="0">
+            <a:spAutoFit/>
+          </a:bodyPr>
+          <a:lstStyle/>
+          <a:p>
+            <a:r>
+              <a:rPr lang="en-US" dirty="0" err="1" smtClean="0">
+                <a:latin typeface="Arial" panose="020B0604020202020204" pitchFamily="34" charset="0"/>
+                <a:cs typeface="Arial" panose="020B0604020202020204" pitchFamily="34" charset="0"/>
+              </a:rPr>
+              <a:t>Khối</a:t>
+            </a:r>
+            <a:r>
+              <a:rPr lang="en-US" dirty="0" smtClean="0">
+                <a:latin typeface="Arial" panose="020B0604020202020204" pitchFamily="34" charset="0"/>
+                <a:cs typeface="Arial" panose="020B0604020202020204" pitchFamily="34" charset="0"/>
+              </a:rPr>
+              <a:t> </a:t>
+            </a:r>
+            <a:r>
+              <a:rPr lang="en-US" dirty="0" err="1" smtClean="0">
+                <a:latin typeface="Arial" panose="020B0604020202020204" pitchFamily="34" charset="0"/>
+                <a:cs typeface="Arial" panose="020B0604020202020204" pitchFamily="34" charset="0"/>
+              </a:rPr>
+              <a:t>nguồn</a:t>
+            </a:r>
+            <a:endParaRPr lang="en-US" dirty="0">
+              <a:latin typeface="Arial" panose="020B0604020202020204" pitchFamily="34" charset="0"/>
+              <a:cs typeface="Arial" panose="020B0604020202020204" pitchFamily="34" charset="0"/>
+            </a:endParaRPr>
+          </a:p>
+        </p:txBody>
+      </p:sp>
+      <p:sp>
+        <p:nvSpPr>
+          <p:cNvPr id="12" name="TextBox 11"/>
+          <p:cNvSpPr txBox="1"/>
+          <p:nvPr/>
+        </p:nvSpPr>
+        <p:spPr>
+          <a:xfrm>
+            <a:off x="8806675" y="2762188"/>
+            <a:ext cx="1210588" cy="369332"/>
+          </a:xfrm>
+          <a:prstGeom prst="rect">
+            <a:avLst/>
+          </a:prstGeom>
+          <a:noFill/>
+        </p:spPr>
+        <p:txBody>
+          <a:bodyPr wrap="none" rtlCol="0">
+            <a:spAutoFit/>
+          </a:bodyPr>
+          <a:lstStyle/>
+          <a:p>
+            <a:r>
+              <a:rPr lang="en-US" dirty="0" smtClean="0">
+                <a:latin typeface="Arial" panose="020B0604020202020204" pitchFamily="34" charset="0"/>
+                <a:cs typeface="Arial" panose="020B0604020202020204" pitchFamily="34" charset="0"/>
+              </a:rPr>
+              <a:t>MPU6050</a:t>
+            </a:r>
+            <a:endParaRPr lang="en-US" dirty="0">
+              <a:latin typeface="Arial" panose="020B0604020202020204" pitchFamily="34" charset="0"/>
+              <a:cs typeface="Arial" panose="020B0604020202020204" pitchFamily="34" charset="0"/>
+            </a:endParaRPr>
+          </a:p>
+        </p:txBody>
+      </p:sp>
+      <p:sp>
+        <p:nvSpPr>
+          <p:cNvPr id="13" name="TextBox 12"/>
+          <p:cNvSpPr txBox="1"/>
+          <p:nvPr/>
+        </p:nvSpPr>
+        <p:spPr>
+          <a:xfrm>
+            <a:off x="8915679" y="5610345"/>
+            <a:ext cx="992579" cy="369332"/>
+          </a:xfrm>
+          <a:prstGeom prst="rect">
+            <a:avLst/>
+          </a:prstGeom>
+          <a:noFill/>
+        </p:spPr>
+        <p:txBody>
+          <a:bodyPr wrap="none" rtlCol="0">
+            <a:spAutoFit/>
+          </a:bodyPr>
+          <a:lstStyle/>
+          <a:p>
+            <a:r>
+              <a:rPr lang="en-US" dirty="0" smtClean="0">
+                <a:latin typeface="Arial" panose="020B0604020202020204" pitchFamily="34" charset="0"/>
+                <a:cs typeface="Arial" panose="020B0604020202020204" pitchFamily="34" charset="0"/>
+              </a:rPr>
+              <a:t>IC L293</a:t>
+            </a:r>
+            <a:endParaRPr lang="en-US" dirty="0">
+              <a:latin typeface="Arial" panose="020B0604020202020204" pitchFamily="34" charset="0"/>
+              <a:cs typeface="Arial" panose="020B0604020202020204" pitchFamily="34" charset="0"/>
+            </a:endParaRPr>
+          </a:p>
+        </p:txBody>
+      </p:sp>
+    </p:spTree>
+    <p:extLst>
+      <p:ext uri="{BB962C8B-B14F-4D97-AF65-F5344CB8AC3E}">
+        <p14:creationId xmlns:p14="http://schemas.microsoft.com/office/powerpoint/2010/main" val="2035832875"/>
+      </p:ext>
+    </p:extLst>
+  </p:cSld>
+  <p:clrMapOvr>
+    <a:masterClrMapping/>
+  </p:clrMapOvr>
+</p:sld>
+</file>
+
+<file path=ppt/slides/slide18.xml><?xml version="1.0" encoding="utf-8"?>
+<p:sld xmlns:a="http://schemas.openxmlformats.org/drawingml/2006/main" xmlns:r="http://schemas.openxmlformats.org/officeDocument/2006/relationships" xmlns:p="http://schemas.openxmlformats.org/presentationml/2006/main">
+  <p:cSld>
+    <p:spTree>
+      <p:nvGrpSpPr>
+        <p:cNvPr id="1" name=""/>
+        <p:cNvGrpSpPr/>
+        <p:nvPr/>
+      </p:nvGrpSpPr>
+      <p:grpSpPr>
+        <a:xfrm>
+          <a:off x="0" y="0"/>
+          <a:ext cx="0" cy="0"/>
+          <a:chOff x="0" y="0"/>
+          <a:chExt cx="0" cy="0"/>
+        </a:xfrm>
+      </p:grpSpPr>
+      <p:sp>
+        <p:nvSpPr>
+          <p:cNvPr id="2" name="Title 1"/>
+          <p:cNvSpPr>
+            <a:spLocks noGrp="1"/>
+          </p:cNvSpPr>
+          <p:nvPr>
+            <p:ph type="title"/>
+          </p:nvPr>
+        </p:nvSpPr>
+        <p:spPr/>
+        <p:txBody>
+          <a:bodyPr/>
+          <a:lstStyle/>
+          <a:p>
+            <a:r>
+              <a:rPr lang="en-US" dirty="0" err="1">
+                <a:solidFill>
+                  <a:srgbClr val="FF0000"/>
+                </a:solidFill>
+                <a:latin typeface="Arial" panose="020B0604020202020204" pitchFamily="34" charset="0"/>
+                <a:cs typeface="Arial" panose="020B0604020202020204" pitchFamily="34" charset="0"/>
+              </a:rPr>
+              <a:t>Thiết</a:t>
+            </a:r>
+            <a:r>
+              <a:rPr lang="en-US" dirty="0">
+                <a:solidFill>
+                  <a:srgbClr val="FF0000"/>
+                </a:solidFill>
+                <a:latin typeface="Arial" panose="020B0604020202020204" pitchFamily="34" charset="0"/>
+                <a:cs typeface="Arial" panose="020B0604020202020204" pitchFamily="34" charset="0"/>
+              </a:rPr>
+              <a:t> </a:t>
+            </a:r>
+            <a:r>
+              <a:rPr lang="en-US" dirty="0" err="1">
+                <a:solidFill>
+                  <a:srgbClr val="FF0000"/>
+                </a:solidFill>
+                <a:latin typeface="Arial" panose="020B0604020202020204" pitchFamily="34" charset="0"/>
+                <a:cs typeface="Arial" panose="020B0604020202020204" pitchFamily="34" charset="0"/>
+              </a:rPr>
+              <a:t>kế</a:t>
+            </a:r>
+            <a:r>
+              <a:rPr lang="en-US" dirty="0">
+                <a:solidFill>
+                  <a:srgbClr val="FF0000"/>
+                </a:solidFill>
+                <a:latin typeface="Arial" panose="020B0604020202020204" pitchFamily="34" charset="0"/>
+                <a:cs typeface="Arial" panose="020B0604020202020204" pitchFamily="34" charset="0"/>
+              </a:rPr>
+              <a:t>, </a:t>
+            </a:r>
+            <a:r>
+              <a:rPr lang="en-US" dirty="0" err="1">
+                <a:solidFill>
+                  <a:srgbClr val="FF0000"/>
+                </a:solidFill>
+                <a:latin typeface="Arial" panose="020B0604020202020204" pitchFamily="34" charset="0"/>
+                <a:cs typeface="Arial" panose="020B0604020202020204" pitchFamily="34" charset="0"/>
+              </a:rPr>
+              <a:t>chế</a:t>
+            </a:r>
+            <a:r>
+              <a:rPr lang="en-US" dirty="0">
+                <a:solidFill>
+                  <a:srgbClr val="FF0000"/>
+                </a:solidFill>
+                <a:latin typeface="Arial" panose="020B0604020202020204" pitchFamily="34" charset="0"/>
+                <a:cs typeface="Arial" panose="020B0604020202020204" pitchFamily="34" charset="0"/>
+              </a:rPr>
+              <a:t> </a:t>
+            </a:r>
+            <a:r>
+              <a:rPr lang="en-US" dirty="0" err="1">
+                <a:solidFill>
+                  <a:srgbClr val="FF0000"/>
+                </a:solidFill>
+                <a:latin typeface="Arial" panose="020B0604020202020204" pitchFamily="34" charset="0"/>
+                <a:cs typeface="Arial" panose="020B0604020202020204" pitchFamily="34" charset="0"/>
+              </a:rPr>
+              <a:t>tạo</a:t>
+            </a:r>
+            <a:r>
+              <a:rPr lang="en-US" dirty="0">
+                <a:solidFill>
+                  <a:srgbClr val="FF0000"/>
+                </a:solidFill>
+                <a:latin typeface="Arial" panose="020B0604020202020204" pitchFamily="34" charset="0"/>
+                <a:cs typeface="Arial" panose="020B0604020202020204" pitchFamily="34" charset="0"/>
+              </a:rPr>
+              <a:t> </a:t>
+            </a:r>
+            <a:r>
+              <a:rPr lang="en-US" dirty="0" err="1">
+                <a:solidFill>
+                  <a:srgbClr val="FF0000"/>
+                </a:solidFill>
+                <a:latin typeface="Arial" panose="020B0604020202020204" pitchFamily="34" charset="0"/>
+                <a:cs typeface="Arial" panose="020B0604020202020204" pitchFamily="34" charset="0"/>
+              </a:rPr>
+              <a:t>xe</a:t>
+            </a:r>
+            <a:r>
+              <a:rPr lang="en-US" dirty="0">
+                <a:solidFill>
+                  <a:srgbClr val="FF0000"/>
+                </a:solidFill>
+                <a:latin typeface="Arial" panose="020B0604020202020204" pitchFamily="34" charset="0"/>
+                <a:cs typeface="Arial" panose="020B0604020202020204" pitchFamily="34" charset="0"/>
+              </a:rPr>
+              <a:t> </a:t>
+            </a:r>
+            <a:r>
+              <a:rPr lang="en-US" dirty="0" err="1">
+                <a:solidFill>
+                  <a:srgbClr val="FF0000"/>
+                </a:solidFill>
+                <a:latin typeface="Arial" panose="020B0604020202020204" pitchFamily="34" charset="0"/>
+                <a:cs typeface="Arial" panose="020B0604020202020204" pitchFamily="34" charset="0"/>
+              </a:rPr>
+              <a:t>tự</a:t>
+            </a:r>
+            <a:r>
+              <a:rPr lang="en-US" dirty="0">
+                <a:solidFill>
+                  <a:srgbClr val="FF0000"/>
+                </a:solidFill>
+                <a:latin typeface="Arial" panose="020B0604020202020204" pitchFamily="34" charset="0"/>
+                <a:cs typeface="Arial" panose="020B0604020202020204" pitchFamily="34" charset="0"/>
+              </a:rPr>
+              <a:t> </a:t>
+            </a:r>
+            <a:r>
+              <a:rPr lang="en-US" dirty="0" err="1">
+                <a:solidFill>
+                  <a:srgbClr val="FF0000"/>
+                </a:solidFill>
+                <a:latin typeface="Arial" panose="020B0604020202020204" pitchFamily="34" charset="0"/>
+                <a:cs typeface="Arial" panose="020B0604020202020204" pitchFamily="34" charset="0"/>
+              </a:rPr>
+              <a:t>cân</a:t>
+            </a:r>
+            <a:r>
+              <a:rPr lang="en-US" dirty="0">
+                <a:solidFill>
+                  <a:srgbClr val="FF0000"/>
+                </a:solidFill>
+                <a:latin typeface="Arial" panose="020B0604020202020204" pitchFamily="34" charset="0"/>
+                <a:cs typeface="Arial" panose="020B0604020202020204" pitchFamily="34" charset="0"/>
+              </a:rPr>
+              <a:t> </a:t>
+            </a:r>
+            <a:r>
+              <a:rPr lang="en-US" dirty="0" err="1">
+                <a:solidFill>
+                  <a:srgbClr val="FF0000"/>
+                </a:solidFill>
+                <a:latin typeface="Arial" panose="020B0604020202020204" pitchFamily="34" charset="0"/>
+                <a:cs typeface="Arial" panose="020B0604020202020204" pitchFamily="34" charset="0"/>
+              </a:rPr>
+              <a:t>bằng</a:t>
+            </a:r>
+            <a:endParaRPr lang="en-US" dirty="0"/>
+          </a:p>
+        </p:txBody>
+      </p:sp>
+      <p:pic>
+        <p:nvPicPr>
+          <p:cNvPr id="4" name="Picture 3"/>
+          <p:cNvPicPr/>
+          <p:nvPr/>
+        </p:nvPicPr>
+        <p:blipFill>
+          <a:blip r:embed="rId2">
+            <a:extLst>
+              <a:ext uri="{28A0092B-C50C-407E-A947-70E740481C1C}">
+                <a14:useLocalDpi xmlns:a14="http://schemas.microsoft.com/office/drawing/2010/main" val="0"/>
+              </a:ext>
+            </a:extLst>
+          </a:blip>
+          <a:srcRect/>
+          <a:stretch>
+            <a:fillRect/>
+          </a:stretch>
+        </p:blipFill>
+        <p:spPr bwMode="auto">
+          <a:xfrm>
+            <a:off x="838200" y="1690688"/>
+            <a:ext cx="4876800" cy="3761924"/>
+          </a:xfrm>
+          <a:prstGeom prst="rect">
+            <a:avLst/>
+          </a:prstGeom>
+          <a:noFill/>
+          <a:ln>
+            <a:noFill/>
+          </a:ln>
+        </p:spPr>
+      </p:pic>
+      <p:pic>
+        <p:nvPicPr>
+          <p:cNvPr id="5" name="Picture 4"/>
+          <p:cNvPicPr/>
+          <p:nvPr/>
+        </p:nvPicPr>
+        <p:blipFill>
+          <a:blip r:embed="rId3">
+            <a:extLst>
+              <a:ext uri="{28A0092B-C50C-407E-A947-70E740481C1C}">
+                <a14:useLocalDpi xmlns:a14="http://schemas.microsoft.com/office/drawing/2010/main" val="0"/>
+              </a:ext>
+            </a:extLst>
+          </a:blip>
+          <a:srcRect/>
+          <a:stretch>
+            <a:fillRect/>
+          </a:stretch>
+        </p:blipFill>
+        <p:spPr bwMode="auto">
+          <a:xfrm>
+            <a:off x="6333565" y="1690688"/>
+            <a:ext cx="5020235" cy="3758770"/>
+          </a:xfrm>
+          <a:prstGeom prst="rect">
+            <a:avLst/>
+          </a:prstGeom>
+          <a:noFill/>
+          <a:ln>
+            <a:noFill/>
+          </a:ln>
+        </p:spPr>
+      </p:pic>
+    </p:spTree>
+    <p:extLst>
+      <p:ext uri="{BB962C8B-B14F-4D97-AF65-F5344CB8AC3E}">
+        <p14:creationId xmlns:p14="http://schemas.microsoft.com/office/powerpoint/2010/main" val="3632783664"/>
+      </p:ext>
+    </p:extLst>
+  </p:cSld>
+  <p:clrMapOvr>
+    <a:masterClrMapping/>
+  </p:clrMapOvr>
+</p:sld>
+</file>
+
+<file path=ppt/slides/slide19.xml><?xml version="1.0" encoding="utf-8"?>
+<p:sld xmlns:a="http://schemas.openxmlformats.org/drawingml/2006/main" xmlns:r="http://schemas.openxmlformats.org/officeDocument/2006/relationships" xmlns:p="http://schemas.openxmlformats.org/presentationml/2006/main">
+  <p:cSld>
+    <p:spTree>
+      <p:nvGrpSpPr>
+        <p:cNvPr id="1" name=""/>
+        <p:cNvGrpSpPr/>
+        <p:nvPr/>
+      </p:nvGrpSpPr>
+      <p:grpSpPr>
+        <a:xfrm>
+          <a:off x="0" y="0"/>
+          <a:ext cx="0" cy="0"/>
+          <a:chOff x="0" y="0"/>
+          <a:chExt cx="0" cy="0"/>
+        </a:xfrm>
+      </p:grpSpPr>
+      <p:sp>
+        <p:nvSpPr>
+          <p:cNvPr id="2" name="Title 1"/>
+          <p:cNvSpPr>
+            <a:spLocks noGrp="1"/>
+          </p:cNvSpPr>
+          <p:nvPr>
+            <p:ph type="title"/>
+          </p:nvPr>
+        </p:nvSpPr>
+        <p:spPr/>
+        <p:txBody>
+          <a:bodyPr/>
+          <a:lstStyle/>
+          <a:p>
+            <a:r>
+              <a:rPr lang="en-US" dirty="0" err="1">
+                <a:solidFill>
+                  <a:srgbClr val="FF0000"/>
+                </a:solidFill>
+                <a:latin typeface="Arial" panose="020B0604020202020204" pitchFamily="34" charset="0"/>
+                <a:cs typeface="Arial" panose="020B0604020202020204" pitchFamily="34" charset="0"/>
+              </a:rPr>
+              <a:t>Thiết</a:t>
+            </a:r>
+            <a:r>
+              <a:rPr lang="en-US" dirty="0">
+                <a:solidFill>
+                  <a:srgbClr val="FF0000"/>
+                </a:solidFill>
+                <a:latin typeface="Arial" panose="020B0604020202020204" pitchFamily="34" charset="0"/>
+                <a:cs typeface="Arial" panose="020B0604020202020204" pitchFamily="34" charset="0"/>
+              </a:rPr>
+              <a:t> </a:t>
+            </a:r>
+            <a:r>
+              <a:rPr lang="en-US" dirty="0" err="1">
+                <a:solidFill>
+                  <a:srgbClr val="FF0000"/>
+                </a:solidFill>
+                <a:latin typeface="Arial" panose="020B0604020202020204" pitchFamily="34" charset="0"/>
+                <a:cs typeface="Arial" panose="020B0604020202020204" pitchFamily="34" charset="0"/>
+              </a:rPr>
+              <a:t>kế</a:t>
+            </a:r>
+            <a:r>
+              <a:rPr lang="en-US" dirty="0">
+                <a:solidFill>
+                  <a:srgbClr val="FF0000"/>
+                </a:solidFill>
+                <a:latin typeface="Arial" panose="020B0604020202020204" pitchFamily="34" charset="0"/>
+                <a:cs typeface="Arial" panose="020B0604020202020204" pitchFamily="34" charset="0"/>
+              </a:rPr>
+              <a:t>, </a:t>
+            </a:r>
+            <a:r>
+              <a:rPr lang="en-US" dirty="0" err="1">
+                <a:solidFill>
+                  <a:srgbClr val="FF0000"/>
+                </a:solidFill>
+                <a:latin typeface="Arial" panose="020B0604020202020204" pitchFamily="34" charset="0"/>
+                <a:cs typeface="Arial" panose="020B0604020202020204" pitchFamily="34" charset="0"/>
+              </a:rPr>
+              <a:t>chế</a:t>
+            </a:r>
+            <a:r>
+              <a:rPr lang="en-US" dirty="0">
+                <a:solidFill>
+                  <a:srgbClr val="FF0000"/>
+                </a:solidFill>
+                <a:latin typeface="Arial" panose="020B0604020202020204" pitchFamily="34" charset="0"/>
+                <a:cs typeface="Arial" panose="020B0604020202020204" pitchFamily="34" charset="0"/>
+              </a:rPr>
+              <a:t> </a:t>
+            </a:r>
+            <a:r>
+              <a:rPr lang="en-US" dirty="0" err="1">
+                <a:solidFill>
+                  <a:srgbClr val="FF0000"/>
+                </a:solidFill>
+                <a:latin typeface="Arial" panose="020B0604020202020204" pitchFamily="34" charset="0"/>
+                <a:cs typeface="Arial" panose="020B0604020202020204" pitchFamily="34" charset="0"/>
+              </a:rPr>
+              <a:t>tạo</a:t>
+            </a:r>
+            <a:r>
+              <a:rPr lang="en-US" dirty="0">
+                <a:solidFill>
+                  <a:srgbClr val="FF0000"/>
+                </a:solidFill>
+                <a:latin typeface="Arial" panose="020B0604020202020204" pitchFamily="34" charset="0"/>
+                <a:cs typeface="Arial" panose="020B0604020202020204" pitchFamily="34" charset="0"/>
+              </a:rPr>
+              <a:t> </a:t>
+            </a:r>
+            <a:r>
+              <a:rPr lang="en-US" dirty="0" err="1">
+                <a:solidFill>
+                  <a:srgbClr val="FF0000"/>
+                </a:solidFill>
+                <a:latin typeface="Arial" panose="020B0604020202020204" pitchFamily="34" charset="0"/>
+                <a:cs typeface="Arial" panose="020B0604020202020204" pitchFamily="34" charset="0"/>
+              </a:rPr>
+              <a:t>xe</a:t>
+            </a:r>
+            <a:r>
+              <a:rPr lang="en-US" dirty="0">
+                <a:solidFill>
+                  <a:srgbClr val="FF0000"/>
+                </a:solidFill>
+                <a:latin typeface="Arial" panose="020B0604020202020204" pitchFamily="34" charset="0"/>
+                <a:cs typeface="Arial" panose="020B0604020202020204" pitchFamily="34" charset="0"/>
+              </a:rPr>
+              <a:t> </a:t>
+            </a:r>
+            <a:r>
+              <a:rPr lang="en-US" dirty="0" err="1">
+                <a:solidFill>
+                  <a:srgbClr val="FF0000"/>
+                </a:solidFill>
+                <a:latin typeface="Arial" panose="020B0604020202020204" pitchFamily="34" charset="0"/>
+                <a:cs typeface="Arial" panose="020B0604020202020204" pitchFamily="34" charset="0"/>
+              </a:rPr>
+              <a:t>tự</a:t>
+            </a:r>
+            <a:r>
+              <a:rPr lang="en-US" dirty="0">
+                <a:solidFill>
+                  <a:srgbClr val="FF0000"/>
+                </a:solidFill>
+                <a:latin typeface="Arial" panose="020B0604020202020204" pitchFamily="34" charset="0"/>
+                <a:cs typeface="Arial" panose="020B0604020202020204" pitchFamily="34" charset="0"/>
+              </a:rPr>
+              <a:t> </a:t>
+            </a:r>
+            <a:r>
+              <a:rPr lang="en-US" dirty="0" err="1">
+                <a:solidFill>
+                  <a:srgbClr val="FF0000"/>
+                </a:solidFill>
+                <a:latin typeface="Arial" panose="020B0604020202020204" pitchFamily="34" charset="0"/>
+                <a:cs typeface="Arial" panose="020B0604020202020204" pitchFamily="34" charset="0"/>
+              </a:rPr>
+              <a:t>cân</a:t>
+            </a:r>
+            <a:r>
+              <a:rPr lang="en-US" dirty="0">
+                <a:solidFill>
+                  <a:srgbClr val="FF0000"/>
+                </a:solidFill>
+                <a:latin typeface="Arial" panose="020B0604020202020204" pitchFamily="34" charset="0"/>
+                <a:cs typeface="Arial" panose="020B0604020202020204" pitchFamily="34" charset="0"/>
+              </a:rPr>
+              <a:t> </a:t>
+            </a:r>
+            <a:r>
+              <a:rPr lang="en-US" dirty="0" err="1">
+                <a:solidFill>
+                  <a:srgbClr val="FF0000"/>
+                </a:solidFill>
+                <a:latin typeface="Arial" panose="020B0604020202020204" pitchFamily="34" charset="0"/>
+                <a:cs typeface="Arial" panose="020B0604020202020204" pitchFamily="34" charset="0"/>
+              </a:rPr>
+              <a:t>bằng</a:t>
+            </a:r>
+            <a:endParaRPr lang="en-US" dirty="0"/>
+          </a:p>
+        </p:txBody>
+      </p:sp>
+      <p:pic>
+        <p:nvPicPr>
+          <p:cNvPr id="4" name="Picture 3" descr="C:\Users\Tien Thanh\AppData\Local\Microsoft\Windows\INetCache\Content.Word\20180426_005526.jpg"/>
+          <p:cNvPicPr/>
+          <p:nvPr/>
+        </p:nvPicPr>
+        <p:blipFill rotWithShape="1">
+          <a:blip r:embed="rId2" cstate="print">
+            <a:extLst>
+              <a:ext uri="{28A0092B-C50C-407E-A947-70E740481C1C}">
+                <a14:useLocalDpi xmlns:a14="http://schemas.microsoft.com/office/drawing/2010/main" val="0"/>
+              </a:ext>
+            </a:extLst>
+          </a:blip>
+          <a:srcRect l="16564" t="3191" r="12340" b="3538"/>
+          <a:stretch/>
+        </p:blipFill>
+        <p:spPr bwMode="auto">
+          <a:xfrm>
+            <a:off x="838200" y="1690688"/>
+            <a:ext cx="4882946" cy="3601738"/>
+          </a:xfrm>
+          <a:prstGeom prst="rect">
+            <a:avLst/>
+          </a:prstGeom>
+          <a:noFill/>
+          <a:ln>
+            <a:noFill/>
+          </a:ln>
+          <a:extLst>
+            <a:ext uri="{53640926-AAD7-44D8-BBD7-CCE9431645EC}">
+              <a14:shadowObscured xmlns:a14="http://schemas.microsoft.com/office/drawing/2010/main"/>
+            </a:ext>
+          </a:extLst>
+        </p:spPr>
+      </p:pic>
+      <p:pic>
+        <p:nvPicPr>
+          <p:cNvPr id="5" name="Picture 4" descr="C:\Users\Tien Thanh\AppData\Local\Microsoft\Windows\INetCache\Content.Word\20180426_005414.jpg"/>
+          <p:cNvPicPr/>
+          <p:nvPr/>
+        </p:nvPicPr>
+        <p:blipFill rotWithShape="1">
+          <a:blip r:embed="rId3" cstate="print">
+            <a:extLst>
+              <a:ext uri="{28A0092B-C50C-407E-A947-70E740481C1C}">
+                <a14:useLocalDpi xmlns:a14="http://schemas.microsoft.com/office/drawing/2010/main" val="0"/>
+              </a:ext>
+            </a:extLst>
+          </a:blip>
+          <a:srcRect l="10766" t="5401" r="18418"/>
+          <a:stretch/>
+        </p:blipFill>
+        <p:spPr bwMode="auto">
+          <a:xfrm>
+            <a:off x="5620872" y="1690688"/>
+            <a:ext cx="4795034" cy="3601738"/>
+          </a:xfrm>
+          <a:prstGeom prst="rect">
+            <a:avLst/>
+          </a:prstGeom>
+          <a:noFill/>
+          <a:ln>
+            <a:noFill/>
+          </a:ln>
+          <a:extLst>
+            <a:ext uri="{53640926-AAD7-44D8-BBD7-CCE9431645EC}">
+              <a14:shadowObscured xmlns:a14="http://schemas.microsoft.com/office/drawing/2010/main"/>
+            </a:ext>
+          </a:extLst>
+        </p:spPr>
+      </p:pic>
+    </p:spTree>
+    <p:extLst>
+      <p:ext uri="{BB962C8B-B14F-4D97-AF65-F5344CB8AC3E}">
+        <p14:creationId xmlns:p14="http://schemas.microsoft.com/office/powerpoint/2010/main" val="1661429724"/>
+      </p:ext>
+    </p:extLst>
+  </p:cSld>
+  <p:clrMapOvr>
+    <a:masterClrMapping/>
+  </p:clrMapOvr>
 </p:sld>
 </file>
 
@@ -4302,6 +6226,719 @@
     <p:extLst>
       <p:ext uri="{BB962C8B-B14F-4D97-AF65-F5344CB8AC3E}">
         <p14:creationId xmlns:p14="http://schemas.microsoft.com/office/powerpoint/2010/main" val="1016838493"/>
+      </p:ext>
+    </p:extLst>
+  </p:cSld>
+  <p:clrMapOvr>
+    <a:masterClrMapping/>
+  </p:clrMapOvr>
+  <p:timing>
+    <p:tnLst>
+      <p:par>
+        <p:cTn id="1" dur="indefinite" restart="never" nodeType="tmRoot"/>
+      </p:par>
+    </p:tnLst>
+  </p:timing>
+</p:sld>
+</file>
+
+<file path=ppt/slides/slide20.xml><?xml version="1.0" encoding="utf-8"?>
+<p:sld xmlns:a="http://schemas.openxmlformats.org/drawingml/2006/main" xmlns:r="http://schemas.openxmlformats.org/officeDocument/2006/relationships" xmlns:p="http://schemas.openxmlformats.org/presentationml/2006/main">
+  <p:cSld>
+    <p:spTree>
+      <p:nvGrpSpPr>
+        <p:cNvPr id="1" name=""/>
+        <p:cNvGrpSpPr/>
+        <p:nvPr/>
+      </p:nvGrpSpPr>
+      <p:grpSpPr>
+        <a:xfrm>
+          <a:off x="0" y="0"/>
+          <a:ext cx="0" cy="0"/>
+          <a:chOff x="0" y="0"/>
+          <a:chExt cx="0" cy="0"/>
+        </a:xfrm>
+      </p:grpSpPr>
+      <p:sp>
+        <p:nvSpPr>
+          <p:cNvPr id="2" name="Title 1"/>
+          <p:cNvSpPr>
+            <a:spLocks noGrp="1"/>
+          </p:cNvSpPr>
+          <p:nvPr>
+            <p:ph type="title"/>
+          </p:nvPr>
+        </p:nvSpPr>
+        <p:spPr/>
+        <p:txBody>
+          <a:bodyPr/>
+          <a:lstStyle/>
+          <a:p>
+            <a:r>
+              <a:rPr lang="en-US" dirty="0" err="1">
+                <a:solidFill>
+                  <a:srgbClr val="FF0000"/>
+                </a:solidFill>
+                <a:latin typeface="Arial" panose="020B0604020202020204" pitchFamily="34" charset="0"/>
+                <a:cs typeface="Arial" panose="020B0604020202020204" pitchFamily="34" charset="0"/>
+              </a:rPr>
+              <a:t>Thiết</a:t>
+            </a:r>
+            <a:r>
+              <a:rPr lang="en-US" dirty="0">
+                <a:solidFill>
+                  <a:srgbClr val="FF0000"/>
+                </a:solidFill>
+                <a:latin typeface="Arial" panose="020B0604020202020204" pitchFamily="34" charset="0"/>
+                <a:cs typeface="Arial" panose="020B0604020202020204" pitchFamily="34" charset="0"/>
+              </a:rPr>
+              <a:t> </a:t>
+            </a:r>
+            <a:r>
+              <a:rPr lang="en-US" dirty="0" err="1">
+                <a:solidFill>
+                  <a:srgbClr val="FF0000"/>
+                </a:solidFill>
+                <a:latin typeface="Arial" panose="020B0604020202020204" pitchFamily="34" charset="0"/>
+                <a:cs typeface="Arial" panose="020B0604020202020204" pitchFamily="34" charset="0"/>
+              </a:rPr>
+              <a:t>kế</a:t>
+            </a:r>
+            <a:r>
+              <a:rPr lang="en-US" dirty="0">
+                <a:solidFill>
+                  <a:srgbClr val="FF0000"/>
+                </a:solidFill>
+                <a:latin typeface="Arial" panose="020B0604020202020204" pitchFamily="34" charset="0"/>
+                <a:cs typeface="Arial" panose="020B0604020202020204" pitchFamily="34" charset="0"/>
+              </a:rPr>
+              <a:t>, </a:t>
+            </a:r>
+            <a:r>
+              <a:rPr lang="en-US" dirty="0" err="1">
+                <a:solidFill>
+                  <a:srgbClr val="FF0000"/>
+                </a:solidFill>
+                <a:latin typeface="Arial" panose="020B0604020202020204" pitchFamily="34" charset="0"/>
+                <a:cs typeface="Arial" panose="020B0604020202020204" pitchFamily="34" charset="0"/>
+              </a:rPr>
+              <a:t>chế</a:t>
+            </a:r>
+            <a:r>
+              <a:rPr lang="en-US" dirty="0">
+                <a:solidFill>
+                  <a:srgbClr val="FF0000"/>
+                </a:solidFill>
+                <a:latin typeface="Arial" panose="020B0604020202020204" pitchFamily="34" charset="0"/>
+                <a:cs typeface="Arial" panose="020B0604020202020204" pitchFamily="34" charset="0"/>
+              </a:rPr>
+              <a:t> </a:t>
+            </a:r>
+            <a:r>
+              <a:rPr lang="en-US" dirty="0" err="1">
+                <a:solidFill>
+                  <a:srgbClr val="FF0000"/>
+                </a:solidFill>
+                <a:latin typeface="Arial" panose="020B0604020202020204" pitchFamily="34" charset="0"/>
+                <a:cs typeface="Arial" panose="020B0604020202020204" pitchFamily="34" charset="0"/>
+              </a:rPr>
+              <a:t>tạo</a:t>
+            </a:r>
+            <a:r>
+              <a:rPr lang="en-US" dirty="0">
+                <a:solidFill>
+                  <a:srgbClr val="FF0000"/>
+                </a:solidFill>
+                <a:latin typeface="Arial" panose="020B0604020202020204" pitchFamily="34" charset="0"/>
+                <a:cs typeface="Arial" panose="020B0604020202020204" pitchFamily="34" charset="0"/>
+              </a:rPr>
+              <a:t> </a:t>
+            </a:r>
+            <a:r>
+              <a:rPr lang="en-US" dirty="0" err="1">
+                <a:solidFill>
+                  <a:srgbClr val="FF0000"/>
+                </a:solidFill>
+                <a:latin typeface="Arial" panose="020B0604020202020204" pitchFamily="34" charset="0"/>
+                <a:cs typeface="Arial" panose="020B0604020202020204" pitchFamily="34" charset="0"/>
+              </a:rPr>
+              <a:t>xe</a:t>
+            </a:r>
+            <a:r>
+              <a:rPr lang="en-US" dirty="0">
+                <a:solidFill>
+                  <a:srgbClr val="FF0000"/>
+                </a:solidFill>
+                <a:latin typeface="Arial" panose="020B0604020202020204" pitchFamily="34" charset="0"/>
+                <a:cs typeface="Arial" panose="020B0604020202020204" pitchFamily="34" charset="0"/>
+              </a:rPr>
+              <a:t> </a:t>
+            </a:r>
+            <a:r>
+              <a:rPr lang="en-US" dirty="0" err="1">
+                <a:solidFill>
+                  <a:srgbClr val="FF0000"/>
+                </a:solidFill>
+                <a:latin typeface="Arial" panose="020B0604020202020204" pitchFamily="34" charset="0"/>
+                <a:cs typeface="Arial" panose="020B0604020202020204" pitchFamily="34" charset="0"/>
+              </a:rPr>
+              <a:t>tự</a:t>
+            </a:r>
+            <a:r>
+              <a:rPr lang="en-US" dirty="0">
+                <a:solidFill>
+                  <a:srgbClr val="FF0000"/>
+                </a:solidFill>
+                <a:latin typeface="Arial" panose="020B0604020202020204" pitchFamily="34" charset="0"/>
+                <a:cs typeface="Arial" panose="020B0604020202020204" pitchFamily="34" charset="0"/>
+              </a:rPr>
+              <a:t> </a:t>
+            </a:r>
+            <a:r>
+              <a:rPr lang="en-US" dirty="0" err="1">
+                <a:solidFill>
+                  <a:srgbClr val="FF0000"/>
+                </a:solidFill>
+                <a:latin typeface="Arial" panose="020B0604020202020204" pitchFamily="34" charset="0"/>
+                <a:cs typeface="Arial" panose="020B0604020202020204" pitchFamily="34" charset="0"/>
+              </a:rPr>
+              <a:t>cân</a:t>
+            </a:r>
+            <a:r>
+              <a:rPr lang="en-US" dirty="0">
+                <a:solidFill>
+                  <a:srgbClr val="FF0000"/>
+                </a:solidFill>
+                <a:latin typeface="Arial" panose="020B0604020202020204" pitchFamily="34" charset="0"/>
+                <a:cs typeface="Arial" panose="020B0604020202020204" pitchFamily="34" charset="0"/>
+              </a:rPr>
+              <a:t> </a:t>
+            </a:r>
+            <a:r>
+              <a:rPr lang="en-US" dirty="0" err="1">
+                <a:solidFill>
+                  <a:srgbClr val="FF0000"/>
+                </a:solidFill>
+                <a:latin typeface="Arial" panose="020B0604020202020204" pitchFamily="34" charset="0"/>
+                <a:cs typeface="Arial" panose="020B0604020202020204" pitchFamily="34" charset="0"/>
+              </a:rPr>
+              <a:t>bằng</a:t>
+            </a:r>
+            <a:endParaRPr lang="en-US" dirty="0"/>
+          </a:p>
+        </p:txBody>
+      </p:sp>
+      <p:pic>
+        <p:nvPicPr>
+          <p:cNvPr id="4" name="Picture 3"/>
+          <p:cNvPicPr/>
+          <p:nvPr/>
+        </p:nvPicPr>
+        <p:blipFill>
+          <a:blip r:embed="rId2">
+            <a:extLst>
+              <a:ext uri="{28A0092B-C50C-407E-A947-70E740481C1C}">
+                <a14:useLocalDpi xmlns:a14="http://schemas.microsoft.com/office/drawing/2010/main" val="0"/>
+              </a:ext>
+            </a:extLst>
+          </a:blip>
+          <a:srcRect/>
+          <a:stretch>
+            <a:fillRect/>
+          </a:stretch>
+        </p:blipFill>
+        <p:spPr bwMode="auto">
+          <a:xfrm>
+            <a:off x="838200" y="1690688"/>
+            <a:ext cx="3020233" cy="4104994"/>
+          </a:xfrm>
+          <a:prstGeom prst="rect">
+            <a:avLst/>
+          </a:prstGeom>
+          <a:noFill/>
+          <a:ln>
+            <a:noFill/>
+          </a:ln>
+        </p:spPr>
+      </p:pic>
+      <p:pic>
+        <p:nvPicPr>
+          <p:cNvPr id="5" name="Picture 4"/>
+          <p:cNvPicPr/>
+          <p:nvPr/>
+        </p:nvPicPr>
+        <p:blipFill>
+          <a:blip r:embed="rId3">
+            <a:extLst>
+              <a:ext uri="{28A0092B-C50C-407E-A947-70E740481C1C}">
+                <a14:useLocalDpi xmlns:a14="http://schemas.microsoft.com/office/drawing/2010/main" val="0"/>
+              </a:ext>
+            </a:extLst>
+          </a:blip>
+          <a:srcRect/>
+          <a:stretch>
+            <a:fillRect/>
+          </a:stretch>
+        </p:blipFill>
+        <p:spPr bwMode="auto">
+          <a:xfrm>
+            <a:off x="4737235" y="1690686"/>
+            <a:ext cx="2488815" cy="3957077"/>
+          </a:xfrm>
+          <a:prstGeom prst="rect">
+            <a:avLst/>
+          </a:prstGeom>
+          <a:noFill/>
+          <a:ln>
+            <a:noFill/>
+          </a:ln>
+        </p:spPr>
+      </p:pic>
+      <p:pic>
+        <p:nvPicPr>
+          <p:cNvPr id="6" name="Picture 5"/>
+          <p:cNvPicPr/>
+          <p:nvPr/>
+        </p:nvPicPr>
+        <p:blipFill>
+          <a:blip r:embed="rId4">
+            <a:extLst>
+              <a:ext uri="{28A0092B-C50C-407E-A947-70E740481C1C}">
+                <a14:useLocalDpi xmlns:a14="http://schemas.microsoft.com/office/drawing/2010/main" val="0"/>
+              </a:ext>
+            </a:extLst>
+          </a:blip>
+          <a:srcRect/>
+          <a:stretch>
+            <a:fillRect/>
+          </a:stretch>
+        </p:blipFill>
+        <p:spPr bwMode="auto">
+          <a:xfrm>
+            <a:off x="8104851" y="1690686"/>
+            <a:ext cx="2240699" cy="3957077"/>
+          </a:xfrm>
+          <a:prstGeom prst="rect">
+            <a:avLst/>
+          </a:prstGeom>
+          <a:noFill/>
+          <a:ln>
+            <a:noFill/>
+          </a:ln>
+        </p:spPr>
+      </p:pic>
+      <p:sp>
+        <p:nvSpPr>
+          <p:cNvPr id="7" name="Rectangle 6"/>
+          <p:cNvSpPr/>
+          <p:nvPr/>
+        </p:nvSpPr>
+        <p:spPr>
+          <a:xfrm>
+            <a:off x="570353" y="5647764"/>
+            <a:ext cx="3288080" cy="369332"/>
+          </a:xfrm>
+          <a:prstGeom prst="rect">
+            <a:avLst/>
+          </a:prstGeom>
+        </p:spPr>
+        <p:txBody>
+          <a:bodyPr wrap="none">
+            <a:spAutoFit/>
+          </a:bodyPr>
+          <a:lstStyle/>
+          <a:p>
+            <a:r>
+              <a:rPr lang="vi-VN" dirty="0">
+                <a:ea typeface="Calibri" panose="020F0502020204030204" pitchFamily="34" charset="0"/>
+              </a:rPr>
+              <a:t>Thuật toán giữ xe tự cân bằng</a:t>
+            </a:r>
+            <a:endParaRPr lang="en-US" dirty="0"/>
+          </a:p>
+        </p:txBody>
+      </p:sp>
+      <p:sp>
+        <p:nvSpPr>
+          <p:cNvPr id="8" name="Rectangle 7"/>
+          <p:cNvSpPr/>
+          <p:nvPr/>
+        </p:nvSpPr>
+        <p:spPr>
+          <a:xfrm>
+            <a:off x="4555610" y="5647763"/>
+            <a:ext cx="2852063" cy="369332"/>
+          </a:xfrm>
+          <a:prstGeom prst="rect">
+            <a:avLst/>
+          </a:prstGeom>
+        </p:spPr>
+        <p:txBody>
+          <a:bodyPr wrap="none">
+            <a:spAutoFit/>
+          </a:bodyPr>
+          <a:lstStyle/>
+          <a:p>
+            <a:r>
+              <a:rPr lang="vi-VN" dirty="0">
+                <a:ea typeface="Calibri" panose="020F0502020204030204" pitchFamily="34" charset="0"/>
+              </a:rPr>
+              <a:t>lấy dữ liệu từ xe cân bằng</a:t>
+            </a:r>
+            <a:endParaRPr lang="en-US" dirty="0"/>
+          </a:p>
+        </p:txBody>
+      </p:sp>
+      <p:sp>
+        <p:nvSpPr>
+          <p:cNvPr id="9" name="Rectangle 8"/>
+          <p:cNvSpPr/>
+          <p:nvPr/>
+        </p:nvSpPr>
+        <p:spPr>
+          <a:xfrm>
+            <a:off x="7776636" y="5647763"/>
+            <a:ext cx="2839239" cy="369332"/>
+          </a:xfrm>
+          <a:prstGeom prst="rect">
+            <a:avLst/>
+          </a:prstGeom>
+        </p:spPr>
+        <p:txBody>
+          <a:bodyPr wrap="none">
+            <a:spAutoFit/>
+          </a:bodyPr>
+          <a:lstStyle/>
+          <a:p>
+            <a:r>
+              <a:rPr lang="vi-VN" dirty="0">
+                <a:ea typeface="Calibri" panose="020F0502020204030204" pitchFamily="34" charset="0"/>
+              </a:rPr>
+              <a:t>điều khiển xe tự cân bằng</a:t>
+            </a:r>
+            <a:endParaRPr lang="en-US" dirty="0"/>
+          </a:p>
+        </p:txBody>
+      </p:sp>
+    </p:spTree>
+    <p:extLst>
+      <p:ext uri="{BB962C8B-B14F-4D97-AF65-F5344CB8AC3E}">
+        <p14:creationId xmlns:p14="http://schemas.microsoft.com/office/powerpoint/2010/main" val="197888071"/>
+      </p:ext>
+    </p:extLst>
+  </p:cSld>
+  <p:clrMapOvr>
+    <a:masterClrMapping/>
+  </p:clrMapOvr>
+</p:sld>
+</file>
+
+<file path=ppt/slides/slide21.xml><?xml version="1.0" encoding="utf-8"?>
+<p:sld xmlns:a="http://schemas.openxmlformats.org/drawingml/2006/main" xmlns:r="http://schemas.openxmlformats.org/officeDocument/2006/relationships" xmlns:p="http://schemas.openxmlformats.org/presentationml/2006/main">
+  <p:cSld>
+    <p:spTree>
+      <p:nvGrpSpPr>
+        <p:cNvPr id="1" name=""/>
+        <p:cNvGrpSpPr/>
+        <p:nvPr/>
+      </p:nvGrpSpPr>
+      <p:grpSpPr>
+        <a:xfrm>
+          <a:off x="0" y="0"/>
+          <a:ext cx="0" cy="0"/>
+          <a:chOff x="0" y="0"/>
+          <a:chExt cx="0" cy="0"/>
+        </a:xfrm>
+      </p:grpSpPr>
+      <p:sp>
+        <p:nvSpPr>
+          <p:cNvPr id="2" name="Title 1"/>
+          <p:cNvSpPr>
+            <a:spLocks noGrp="1"/>
+          </p:cNvSpPr>
+          <p:nvPr>
+            <p:ph type="title"/>
+          </p:nvPr>
+        </p:nvSpPr>
+        <p:spPr/>
+        <p:txBody>
+          <a:bodyPr/>
+          <a:lstStyle/>
+          <a:p>
+            <a:r>
+              <a:rPr lang="en-US" dirty="0" err="1" smtClean="0">
+                <a:solidFill>
+                  <a:srgbClr val="FF0000"/>
+                </a:solidFill>
+                <a:latin typeface="Arial" panose="020B0604020202020204" pitchFamily="34" charset="0"/>
+                <a:cs typeface="Arial" panose="020B0604020202020204" pitchFamily="34" charset="0"/>
+              </a:rPr>
+              <a:t>Kết</a:t>
+            </a:r>
+            <a:r>
+              <a:rPr lang="en-US" dirty="0" smtClean="0">
+                <a:solidFill>
+                  <a:srgbClr val="FF0000"/>
+                </a:solidFill>
+                <a:latin typeface="Arial" panose="020B0604020202020204" pitchFamily="34" charset="0"/>
+                <a:cs typeface="Arial" panose="020B0604020202020204" pitchFamily="34" charset="0"/>
+              </a:rPr>
+              <a:t> </a:t>
+            </a:r>
+            <a:r>
+              <a:rPr lang="en-US" dirty="0" err="1" smtClean="0">
+                <a:solidFill>
+                  <a:srgbClr val="FF0000"/>
+                </a:solidFill>
+                <a:latin typeface="Arial" panose="020B0604020202020204" pitchFamily="34" charset="0"/>
+                <a:cs typeface="Arial" panose="020B0604020202020204" pitchFamily="34" charset="0"/>
+              </a:rPr>
+              <a:t>luận</a:t>
+            </a:r>
+            <a:endParaRPr lang="en-US" dirty="0">
+              <a:solidFill>
+                <a:srgbClr val="FF0000"/>
+              </a:solidFill>
+              <a:latin typeface="Arial" panose="020B0604020202020204" pitchFamily="34" charset="0"/>
+              <a:cs typeface="Arial" panose="020B0604020202020204" pitchFamily="34" charset="0"/>
+            </a:endParaRPr>
+          </a:p>
+        </p:txBody>
+      </p:sp>
+    </p:spTree>
+    <p:extLst>
+      <p:ext uri="{BB962C8B-B14F-4D97-AF65-F5344CB8AC3E}">
+        <p14:creationId xmlns:p14="http://schemas.microsoft.com/office/powerpoint/2010/main" val="2676452344"/>
+      </p:ext>
+    </p:extLst>
+  </p:cSld>
+  <p:clrMapOvr>
+    <a:masterClrMapping/>
+  </p:clrMapOvr>
+  <p:timing>
+    <p:tnLst>
+      <p:par>
+        <p:cTn id="1" dur="indefinite" restart="never" nodeType="tmRoot"/>
+      </p:par>
+    </p:tnLst>
+  </p:timing>
+</p:sld>
+</file>
+
+<file path=ppt/slides/slide22.xml><?xml version="1.0" encoding="utf-8"?>
+<p:sld xmlns:a="http://schemas.openxmlformats.org/drawingml/2006/main" xmlns:r="http://schemas.openxmlformats.org/officeDocument/2006/relationships" xmlns:p="http://schemas.openxmlformats.org/presentationml/2006/main">
+  <p:cSld>
+    <p:spTree>
+      <p:nvGrpSpPr>
+        <p:cNvPr id="1" name=""/>
+        <p:cNvGrpSpPr/>
+        <p:nvPr/>
+      </p:nvGrpSpPr>
+      <p:grpSpPr>
+        <a:xfrm>
+          <a:off x="0" y="0"/>
+          <a:ext cx="0" cy="0"/>
+          <a:chOff x="0" y="0"/>
+          <a:chExt cx="0" cy="0"/>
+        </a:xfrm>
+      </p:grpSpPr>
+      <p:sp>
+        <p:nvSpPr>
+          <p:cNvPr id="2" name="Title 1"/>
+          <p:cNvSpPr>
+            <a:spLocks noGrp="1"/>
+          </p:cNvSpPr>
+          <p:nvPr>
+            <p:ph type="title"/>
+          </p:nvPr>
+        </p:nvSpPr>
+        <p:spPr>
+          <a:xfrm>
+            <a:off x="838200" y="365125"/>
+            <a:ext cx="10515600" cy="5860863"/>
+          </a:xfrm>
+        </p:spPr>
+        <p:txBody>
+          <a:bodyPr>
+            <a:normAutofit/>
+          </a:bodyPr>
+          <a:lstStyle/>
+          <a:p>
+            <a:pPr algn="ctr"/>
+            <a:r>
+              <a:rPr lang="en-US" sz="5400" dirty="0" err="1" smtClean="0">
+                <a:solidFill>
+                  <a:srgbClr val="FF0000"/>
+                </a:solidFill>
+                <a:latin typeface="Arial" panose="020B0604020202020204" pitchFamily="34" charset="0"/>
+                <a:cs typeface="Arial" panose="020B0604020202020204" pitchFamily="34" charset="0"/>
+              </a:rPr>
+              <a:t>Cảm</a:t>
+            </a:r>
+            <a:r>
+              <a:rPr lang="en-US" sz="5400" dirty="0" smtClean="0">
+                <a:solidFill>
+                  <a:srgbClr val="FF0000"/>
+                </a:solidFill>
+                <a:latin typeface="Arial" panose="020B0604020202020204" pitchFamily="34" charset="0"/>
+                <a:cs typeface="Arial" panose="020B0604020202020204" pitchFamily="34" charset="0"/>
+              </a:rPr>
+              <a:t> </a:t>
+            </a:r>
+            <a:r>
+              <a:rPr lang="en-US" sz="5400" dirty="0" err="1" smtClean="0">
+                <a:solidFill>
+                  <a:srgbClr val="FF0000"/>
+                </a:solidFill>
+                <a:latin typeface="Arial" panose="020B0604020202020204" pitchFamily="34" charset="0"/>
+                <a:cs typeface="Arial" panose="020B0604020202020204" pitchFamily="34" charset="0"/>
+              </a:rPr>
+              <a:t>ơn</a:t>
+            </a:r>
+            <a:r>
+              <a:rPr lang="en-US" sz="5400" dirty="0" smtClean="0">
+                <a:solidFill>
+                  <a:srgbClr val="FF0000"/>
+                </a:solidFill>
+                <a:latin typeface="Arial" panose="020B0604020202020204" pitchFamily="34" charset="0"/>
+                <a:cs typeface="Arial" panose="020B0604020202020204" pitchFamily="34" charset="0"/>
+              </a:rPr>
+              <a:t> </a:t>
+            </a:r>
+            <a:r>
+              <a:rPr lang="en-US" sz="5400" dirty="0" err="1" smtClean="0">
+                <a:solidFill>
+                  <a:srgbClr val="FF0000"/>
+                </a:solidFill>
+                <a:latin typeface="Arial" panose="020B0604020202020204" pitchFamily="34" charset="0"/>
+                <a:cs typeface="Arial" panose="020B0604020202020204" pitchFamily="34" charset="0"/>
+              </a:rPr>
+              <a:t>quý</a:t>
+            </a:r>
+            <a:r>
+              <a:rPr lang="en-US" sz="5400" dirty="0" smtClean="0">
+                <a:solidFill>
+                  <a:srgbClr val="FF0000"/>
+                </a:solidFill>
+                <a:latin typeface="Arial" panose="020B0604020202020204" pitchFamily="34" charset="0"/>
+                <a:cs typeface="Arial" panose="020B0604020202020204" pitchFamily="34" charset="0"/>
+              </a:rPr>
+              <a:t> </a:t>
+            </a:r>
+            <a:r>
+              <a:rPr lang="en-US" sz="5400" dirty="0" err="1" smtClean="0">
+                <a:solidFill>
+                  <a:srgbClr val="FF0000"/>
+                </a:solidFill>
+                <a:latin typeface="Arial" panose="020B0604020202020204" pitchFamily="34" charset="0"/>
+                <a:cs typeface="Arial" panose="020B0604020202020204" pitchFamily="34" charset="0"/>
+              </a:rPr>
+              <a:t>thầy</a:t>
+            </a:r>
+            <a:r>
+              <a:rPr lang="en-US" sz="5400" dirty="0" smtClean="0">
+                <a:solidFill>
+                  <a:srgbClr val="FF0000"/>
+                </a:solidFill>
+                <a:latin typeface="Arial" panose="020B0604020202020204" pitchFamily="34" charset="0"/>
+                <a:cs typeface="Arial" panose="020B0604020202020204" pitchFamily="34" charset="0"/>
+              </a:rPr>
+              <a:t> </a:t>
+            </a:r>
+            <a:r>
+              <a:rPr lang="en-US" sz="5400" dirty="0" err="1" smtClean="0">
+                <a:solidFill>
+                  <a:srgbClr val="FF0000"/>
+                </a:solidFill>
+                <a:latin typeface="Arial" panose="020B0604020202020204" pitchFamily="34" charset="0"/>
+                <a:cs typeface="Arial" panose="020B0604020202020204" pitchFamily="34" charset="0"/>
+              </a:rPr>
+              <a:t>cô</a:t>
+            </a:r>
+            <a:r>
+              <a:rPr lang="en-US" sz="5400" dirty="0" smtClean="0">
+                <a:solidFill>
+                  <a:srgbClr val="FF0000"/>
+                </a:solidFill>
+                <a:latin typeface="Arial" panose="020B0604020202020204" pitchFamily="34" charset="0"/>
+                <a:cs typeface="Arial" panose="020B0604020202020204" pitchFamily="34" charset="0"/>
+              </a:rPr>
+              <a:t> </a:t>
+            </a:r>
+            <a:r>
+              <a:rPr lang="en-US" sz="5400" dirty="0" err="1" smtClean="0">
+                <a:solidFill>
+                  <a:srgbClr val="FF0000"/>
+                </a:solidFill>
+                <a:latin typeface="Arial" panose="020B0604020202020204" pitchFamily="34" charset="0"/>
+                <a:cs typeface="Arial" panose="020B0604020202020204" pitchFamily="34" charset="0"/>
+              </a:rPr>
+              <a:t>và</a:t>
+            </a:r>
+            <a:r>
+              <a:rPr lang="en-US" sz="5400" dirty="0" smtClean="0">
+                <a:solidFill>
+                  <a:srgbClr val="FF0000"/>
+                </a:solidFill>
+                <a:latin typeface="Arial" panose="020B0604020202020204" pitchFamily="34" charset="0"/>
+                <a:cs typeface="Arial" panose="020B0604020202020204" pitchFamily="34" charset="0"/>
+              </a:rPr>
+              <a:t> </a:t>
+            </a:r>
+            <a:r>
+              <a:rPr lang="en-US" sz="5400" dirty="0" err="1" smtClean="0">
+                <a:solidFill>
+                  <a:srgbClr val="FF0000"/>
+                </a:solidFill>
+                <a:latin typeface="Arial" panose="020B0604020202020204" pitchFamily="34" charset="0"/>
+                <a:cs typeface="Arial" panose="020B0604020202020204" pitchFamily="34" charset="0"/>
+              </a:rPr>
+              <a:t>các</a:t>
+            </a:r>
+            <a:r>
+              <a:rPr lang="en-US" sz="5400" dirty="0" smtClean="0">
+                <a:solidFill>
+                  <a:srgbClr val="FF0000"/>
+                </a:solidFill>
+                <a:latin typeface="Arial" panose="020B0604020202020204" pitchFamily="34" charset="0"/>
+                <a:cs typeface="Arial" panose="020B0604020202020204" pitchFamily="34" charset="0"/>
+              </a:rPr>
+              <a:t> </a:t>
+            </a:r>
+            <a:r>
+              <a:rPr lang="en-US" sz="5400" dirty="0" err="1" smtClean="0">
+                <a:solidFill>
+                  <a:srgbClr val="FF0000"/>
+                </a:solidFill>
+                <a:latin typeface="Arial" panose="020B0604020202020204" pitchFamily="34" charset="0"/>
+                <a:cs typeface="Arial" panose="020B0604020202020204" pitchFamily="34" charset="0"/>
+              </a:rPr>
+              <a:t>bạn</a:t>
+            </a:r>
+            <a:r>
+              <a:rPr lang="en-US" sz="5400" dirty="0" smtClean="0">
+                <a:solidFill>
+                  <a:srgbClr val="FF0000"/>
+                </a:solidFill>
+                <a:latin typeface="Arial" panose="020B0604020202020204" pitchFamily="34" charset="0"/>
+                <a:cs typeface="Arial" panose="020B0604020202020204" pitchFamily="34" charset="0"/>
+              </a:rPr>
+              <a:t>!</a:t>
+            </a:r>
+            <a:endParaRPr lang="en-US" sz="5400" dirty="0">
+              <a:solidFill>
+                <a:srgbClr val="FF0000"/>
+              </a:solidFill>
+              <a:latin typeface="Arial" panose="020B0604020202020204" pitchFamily="34" charset="0"/>
+              <a:cs typeface="Arial" panose="020B0604020202020204" pitchFamily="34" charset="0"/>
+            </a:endParaRPr>
+          </a:p>
+        </p:txBody>
+      </p:sp>
+    </p:spTree>
+    <p:extLst>
+      <p:ext uri="{BB962C8B-B14F-4D97-AF65-F5344CB8AC3E}">
+        <p14:creationId xmlns:p14="http://schemas.microsoft.com/office/powerpoint/2010/main" val="2824212487"/>
       </p:ext>
     </p:extLst>
   </p:cSld>
